--- a/Leading Car – Following Car.pptx
+++ b/Leading Car – Following Car.pptx
@@ -35,8 +35,9 @@
     <p:sldId id="270" r:id="rId29"/>
     <p:sldId id="269" r:id="rId30"/>
     <p:sldId id="268" r:id="rId31"/>
-    <p:sldId id="271" r:id="rId32"/>
-    <p:sldId id="265" r:id="rId33"/>
+    <p:sldId id="303" r:id="rId32"/>
+    <p:sldId id="302" r:id="rId33"/>
+    <p:sldId id="265" r:id="rId34"/>
   </p:sldIdLst>
   <p:sldSz cx="12192000" cy="6858000"/>
   <p:notesSz cx="6858000" cy="9144000"/>
@@ -135,6 +136,11 @@
       </a:defRPr>
     </a:lvl9pPr>
   </p:defaultTextStyle>
+  <p:extLst>
+    <p:ext uri="{EFAFB233-063F-42B5-8137-9DF3F51BA10A}">
+      <p15:sldGuideLst xmlns:p15="http://schemas.microsoft.com/office/powerpoint/2012/main"/>
+    </p:ext>
+  </p:extLst>
 </p:presentation>
 </file>
 
@@ -6523,7 +6529,7 @@
           <a:p>
             <a:fld id="{B4446542-03D0-4276-B6DB-890B87A349C4}" type="datetimeFigureOut">
               <a:rPr lang="it-IT" smtClean="0"/>
-              <a:t>29/12/2021</a:t>
+              <a:t>30/12/2021</a:t>
             </a:fld>
             <a:endParaRPr lang="it-IT"/>
           </a:p>
@@ -6577,7 +6583,7 @@
           <a:p>
             <a:fld id="{A80E3FA6-BB1E-425C-9773-EF561385A5F0}" type="slidenum">
               <a:rPr lang="it-IT" smtClean="0"/>
-              <a:t>‹N›</a:t>
+              <a:t>‹#›</a:t>
             </a:fld>
             <a:endParaRPr lang="it-IT"/>
           </a:p>
@@ -6721,7 +6727,7 @@
           <a:p>
             <a:fld id="{B4446542-03D0-4276-B6DB-890B87A349C4}" type="datetimeFigureOut">
               <a:rPr lang="it-IT" smtClean="0"/>
-              <a:t>29/12/2021</a:t>
+              <a:t>30/12/2021</a:t>
             </a:fld>
             <a:endParaRPr lang="it-IT"/>
           </a:p>
@@ -6775,7 +6781,7 @@
           <a:p>
             <a:fld id="{A80E3FA6-BB1E-425C-9773-EF561385A5F0}" type="slidenum">
               <a:rPr lang="it-IT" smtClean="0"/>
-              <a:t>‹N›</a:t>
+              <a:t>‹#›</a:t>
             </a:fld>
             <a:endParaRPr lang="it-IT"/>
           </a:p>
@@ -6929,7 +6935,7 @@
           <a:p>
             <a:fld id="{B4446542-03D0-4276-B6DB-890B87A349C4}" type="datetimeFigureOut">
               <a:rPr lang="it-IT" smtClean="0"/>
-              <a:t>29/12/2021</a:t>
+              <a:t>30/12/2021</a:t>
             </a:fld>
             <a:endParaRPr lang="it-IT"/>
           </a:p>
@@ -6983,7 +6989,7 @@
           <a:p>
             <a:fld id="{A80E3FA6-BB1E-425C-9773-EF561385A5F0}" type="slidenum">
               <a:rPr lang="it-IT" smtClean="0"/>
-              <a:t>‹N›</a:t>
+              <a:t>‹#›</a:t>
             </a:fld>
             <a:endParaRPr lang="it-IT"/>
           </a:p>
@@ -7127,7 +7133,7 @@
           <a:p>
             <a:fld id="{B4446542-03D0-4276-B6DB-890B87A349C4}" type="datetimeFigureOut">
               <a:rPr lang="it-IT" smtClean="0"/>
-              <a:t>29/12/2021</a:t>
+              <a:t>30/12/2021</a:t>
             </a:fld>
             <a:endParaRPr lang="it-IT"/>
           </a:p>
@@ -7181,7 +7187,7 @@
           <a:p>
             <a:fld id="{A80E3FA6-BB1E-425C-9773-EF561385A5F0}" type="slidenum">
               <a:rPr lang="it-IT" smtClean="0"/>
-              <a:t>‹N›</a:t>
+              <a:t>‹#›</a:t>
             </a:fld>
             <a:endParaRPr lang="it-IT"/>
           </a:p>
@@ -7402,7 +7408,7 @@
           <a:p>
             <a:fld id="{B4446542-03D0-4276-B6DB-890B87A349C4}" type="datetimeFigureOut">
               <a:rPr lang="it-IT" smtClean="0"/>
-              <a:t>29/12/2021</a:t>
+              <a:t>30/12/2021</a:t>
             </a:fld>
             <a:endParaRPr lang="it-IT"/>
           </a:p>
@@ -7456,7 +7462,7 @@
           <a:p>
             <a:fld id="{A80E3FA6-BB1E-425C-9773-EF561385A5F0}" type="slidenum">
               <a:rPr lang="it-IT" smtClean="0"/>
-              <a:t>‹N›</a:t>
+              <a:t>‹#›</a:t>
             </a:fld>
             <a:endParaRPr lang="it-IT"/>
           </a:p>
@@ -7667,7 +7673,7 @@
           <a:p>
             <a:fld id="{B4446542-03D0-4276-B6DB-890B87A349C4}" type="datetimeFigureOut">
               <a:rPr lang="it-IT" smtClean="0"/>
-              <a:t>29/12/2021</a:t>
+              <a:t>30/12/2021</a:t>
             </a:fld>
             <a:endParaRPr lang="it-IT"/>
           </a:p>
@@ -7721,7 +7727,7 @@
           <a:p>
             <a:fld id="{A80E3FA6-BB1E-425C-9773-EF561385A5F0}" type="slidenum">
               <a:rPr lang="it-IT" smtClean="0"/>
-              <a:t>‹N›</a:t>
+              <a:t>‹#›</a:t>
             </a:fld>
             <a:endParaRPr lang="it-IT"/>
           </a:p>
@@ -8079,7 +8085,7 @@
           <a:p>
             <a:fld id="{B4446542-03D0-4276-B6DB-890B87A349C4}" type="datetimeFigureOut">
               <a:rPr lang="it-IT" smtClean="0"/>
-              <a:t>29/12/2021</a:t>
+              <a:t>30/12/2021</a:t>
             </a:fld>
             <a:endParaRPr lang="it-IT"/>
           </a:p>
@@ -8133,7 +8139,7 @@
           <a:p>
             <a:fld id="{A80E3FA6-BB1E-425C-9773-EF561385A5F0}" type="slidenum">
               <a:rPr lang="it-IT" smtClean="0"/>
-              <a:t>‹N›</a:t>
+              <a:t>‹#›</a:t>
             </a:fld>
             <a:endParaRPr lang="it-IT"/>
           </a:p>
@@ -8220,7 +8226,7 @@
           <a:p>
             <a:fld id="{B4446542-03D0-4276-B6DB-890B87A349C4}" type="datetimeFigureOut">
               <a:rPr lang="it-IT" smtClean="0"/>
-              <a:t>29/12/2021</a:t>
+              <a:t>30/12/2021</a:t>
             </a:fld>
             <a:endParaRPr lang="it-IT"/>
           </a:p>
@@ -8274,7 +8280,7 @@
           <a:p>
             <a:fld id="{A80E3FA6-BB1E-425C-9773-EF561385A5F0}" type="slidenum">
               <a:rPr lang="it-IT" smtClean="0"/>
-              <a:t>‹N›</a:t>
+              <a:t>‹#›</a:t>
             </a:fld>
             <a:endParaRPr lang="it-IT"/>
           </a:p>
@@ -8333,7 +8339,7 @@
           <a:p>
             <a:fld id="{B4446542-03D0-4276-B6DB-890B87A349C4}" type="datetimeFigureOut">
               <a:rPr lang="it-IT" smtClean="0"/>
-              <a:t>29/12/2021</a:t>
+              <a:t>30/12/2021</a:t>
             </a:fld>
             <a:endParaRPr lang="it-IT"/>
           </a:p>
@@ -8387,7 +8393,7 @@
           <a:p>
             <a:fld id="{A80E3FA6-BB1E-425C-9773-EF561385A5F0}" type="slidenum">
               <a:rPr lang="it-IT" smtClean="0"/>
-              <a:t>‹N›</a:t>
+              <a:t>‹#›</a:t>
             </a:fld>
             <a:endParaRPr lang="it-IT"/>
           </a:p>
@@ -8644,7 +8650,7 @@
           <a:p>
             <a:fld id="{B4446542-03D0-4276-B6DB-890B87A349C4}" type="datetimeFigureOut">
               <a:rPr lang="it-IT" smtClean="0"/>
-              <a:t>29/12/2021</a:t>
+              <a:t>30/12/2021</a:t>
             </a:fld>
             <a:endParaRPr lang="it-IT"/>
           </a:p>
@@ -8698,7 +8704,7 @@
           <a:p>
             <a:fld id="{A80E3FA6-BB1E-425C-9773-EF561385A5F0}" type="slidenum">
               <a:rPr lang="it-IT" smtClean="0"/>
-              <a:t>‹N›</a:t>
+              <a:t>‹#›</a:t>
             </a:fld>
             <a:endParaRPr lang="it-IT"/>
           </a:p>
@@ -8932,7 +8938,7 @@
           <a:p>
             <a:fld id="{B4446542-03D0-4276-B6DB-890B87A349C4}" type="datetimeFigureOut">
               <a:rPr lang="it-IT" smtClean="0"/>
-              <a:t>29/12/2021</a:t>
+              <a:t>30/12/2021</a:t>
             </a:fld>
             <a:endParaRPr lang="it-IT"/>
           </a:p>
@@ -8986,7 +8992,7 @@
           <a:p>
             <a:fld id="{A80E3FA6-BB1E-425C-9773-EF561385A5F0}" type="slidenum">
               <a:rPr lang="it-IT" smtClean="0"/>
-              <a:t>‹N›</a:t>
+              <a:t>‹#›</a:t>
             </a:fld>
             <a:endParaRPr lang="it-IT"/>
           </a:p>
@@ -9173,7 +9179,7 @@
           <a:p>
             <a:fld id="{B4446542-03D0-4276-B6DB-890B87A349C4}" type="datetimeFigureOut">
               <a:rPr lang="it-IT" smtClean="0"/>
-              <a:t>29/12/2021</a:t>
+              <a:t>30/12/2021</a:t>
             </a:fld>
             <a:endParaRPr lang="it-IT"/>
           </a:p>
@@ -9263,7 +9269,7 @@
           <a:p>
             <a:fld id="{A80E3FA6-BB1E-425C-9773-EF561385A5F0}" type="slidenum">
               <a:rPr lang="it-IT" smtClean="0"/>
-              <a:t>‹N›</a:t>
+              <a:t>‹#›</a:t>
             </a:fld>
             <a:endParaRPr lang="it-IT"/>
           </a:p>
@@ -28576,7 +28582,7 @@
             </a:br>
             <a:r>
               <a:rPr lang="it-IT" sz="4800" dirty="0"/>
-              <a:t>Configurazione</a:t>
+              <a:t>Analisi Comportamento</a:t>
             </a:r>
           </a:p>
         </p:txBody>
@@ -29219,44 +29225,1361 @@
           </a:p>
         </p:txBody>
       </p:sp>
-      <p:sp>
-        <p:nvSpPr>
-          <p:cNvPr id="3" name="Segnaposto contenuto 2">
+      <p:pic>
+        <p:nvPicPr>
+          <p:cNvPr id="9" name="Content Placeholder 8" descr="Chart, line chart&#10;&#10;Description automatically generated">
             <a:extLst>
               <a:ext uri="{FF2B5EF4-FFF2-40B4-BE49-F238E27FC236}">
-                <a16:creationId xmlns:a16="http://schemas.microsoft.com/office/drawing/2014/main" id="{8D553890-C818-4461-BF6A-046A391A1B43}"/>
+                <a16:creationId xmlns:a16="http://schemas.microsoft.com/office/drawing/2014/main" id="{695BF3DE-6BEB-485D-B33D-C83236BC156D}"/>
               </a:ext>
             </a:extLst>
           </p:cNvPr>
-          <p:cNvSpPr>
-            <a:spLocks noGrp="1"/>
-          </p:cNvSpPr>
+          <p:cNvPicPr>
+            <a:picLocks noGrp="1" noChangeAspect="1"/>
+          </p:cNvPicPr>
           <p:nvPr>
             <p:ph idx="1"/>
           </p:nvPr>
+        </p:nvPicPr>
+        <p:blipFill>
+          <a:blip r:embed="rId2">
+            <a:extLst>
+              <a:ext uri="{28A0092B-C50C-407E-A947-70E740481C1C}">
+                <a14:useLocalDpi xmlns:a14="http://schemas.microsoft.com/office/drawing/2010/main" val="0"/>
+              </a:ext>
+            </a:extLst>
+          </a:blip>
+          <a:stretch>
+            <a:fillRect/>
+          </a:stretch>
+        </p:blipFill>
+        <p:spPr>
+          <a:xfrm>
+            <a:off x="5018353" y="1832821"/>
+            <a:ext cx="6761197" cy="5070899"/>
+          </a:xfrm>
+          <a:prstGeom prst="rect">
+            <a:avLst/>
+          </a:prstGeom>
+        </p:spPr>
+      </p:pic>
+      <p:sp>
+        <p:nvSpPr>
+          <p:cNvPr id="12" name="CasellaDiTesto 3">
+            <a:extLst>
+              <a:ext uri="{FF2B5EF4-FFF2-40B4-BE49-F238E27FC236}">
+                <a16:creationId xmlns:a16="http://schemas.microsoft.com/office/drawing/2014/main" id="{B551DA0F-29B9-425F-8DA5-66D1FF8CF974}"/>
+              </a:ext>
+            </a:extLst>
+          </p:cNvPr>
+          <p:cNvSpPr txBox="1"/>
+          <p:nvPr/>
         </p:nvSpPr>
         <p:spPr>
           <a:xfrm>
-            <a:off x="838200" y="1929384"/>
-            <a:ext cx="10515600" cy="4251960"/>
+            <a:off x="307277" y="2464736"/>
+            <a:ext cx="2483893" cy="715089"/>
           </a:xfrm>
+          <a:prstGeom prst="roundRect">
+            <a:avLst/>
+          </a:prstGeom>
+          <a:noFill/>
+          <a:ln w="12700">
+            <a:solidFill>
+              <a:schemeClr val="accent2"/>
+            </a:solidFill>
+            <a:prstDash val="dash"/>
+          </a:ln>
         </p:spPr>
         <p:txBody>
-          <a:bodyPr>
-            <a:normAutofit/>
+          <a:bodyPr wrap="square" rtlCol="0">
+            <a:spAutoFit/>
+          </a:bodyPr>
+          <a:lstStyle/>
+          <a:p>
+            <a:pPr algn="l"/>
+            <a:r>
+              <a:rPr lang="en-US" b="0" i="0" dirty="0" err="1">
+                <a:effectLst/>
+                <a:latin typeface="Segoe UI" panose="020B0502040204020203" pitchFamily="34" charset="0"/>
+              </a:rPr>
+              <a:t>Attack_time</a:t>
+            </a:r>
+            <a:r>
+              <a:rPr lang="en-US" b="0" i="0" dirty="0">
+                <a:effectLst/>
+                <a:latin typeface="Segoe UI" panose="020B0502040204020203" pitchFamily="34" charset="0"/>
+              </a:rPr>
+              <a:t>: 20s</a:t>
+            </a:r>
+          </a:p>
+          <a:p>
+            <a:pPr algn="l"/>
+            <a:r>
+              <a:rPr lang="en-US" b="0" i="0" dirty="0" err="1">
+                <a:effectLst/>
+                <a:latin typeface="Segoe UI" panose="020B0502040204020203" pitchFamily="34" charset="0"/>
+              </a:rPr>
+              <a:t>Attack_value</a:t>
+            </a:r>
+            <a:r>
+              <a:rPr lang="en-US" b="0" i="0" dirty="0">
+                <a:effectLst/>
+                <a:latin typeface="Segoe UI" panose="020B0502040204020203" pitchFamily="34" charset="0"/>
+              </a:rPr>
+              <a:t>: 200</a:t>
+            </a:r>
+          </a:p>
+        </p:txBody>
+      </p:sp>
+      <p:sp>
+        <p:nvSpPr>
+          <p:cNvPr id="6" name="TextBox 5">
+            <a:extLst>
+              <a:ext uri="{FF2B5EF4-FFF2-40B4-BE49-F238E27FC236}">
+                <a16:creationId xmlns:a16="http://schemas.microsoft.com/office/drawing/2014/main" id="{97F0AC7C-FA9D-492A-A599-80166EA126E2}"/>
+              </a:ext>
+            </a:extLst>
+          </p:cNvPr>
+          <p:cNvSpPr txBox="1"/>
+          <p:nvPr/>
+        </p:nvSpPr>
+        <p:spPr>
+          <a:xfrm>
+            <a:off x="467997" y="2035048"/>
+            <a:ext cx="1853671" cy="369332"/>
+          </a:xfrm>
+          <a:prstGeom prst="rect">
+            <a:avLst/>
+          </a:prstGeom>
+          <a:noFill/>
+        </p:spPr>
+        <p:txBody>
+          <a:bodyPr wrap="square" rtlCol="0">
+            <a:spAutoFit/>
           </a:bodyPr>
           <a:lstStyle/>
           <a:p>
             <a:r>
-              <a:rPr lang="it-IT" sz="2400" dirty="0"/>
-              <a:t>Attacco singolo: La condizione di attacco permane dall’istante dell’attacco fino a fine simulazione</a:t>
+              <a:rPr lang="it-IT" b="1" dirty="0"/>
+              <a:t>Configurazione</a:t>
             </a:r>
-          </a:p>
-          <a:p>
-            <a:endParaRPr lang="it-IT" sz="2200" dirty="0"/>
+            <a:endParaRPr lang="en-GB" b="1" dirty="0"/>
           </a:p>
         </p:txBody>
       </p:sp>
+      <p:sp>
+        <p:nvSpPr>
+          <p:cNvPr id="7" name="Rectangle 6">
+            <a:extLst>
+              <a:ext uri="{FF2B5EF4-FFF2-40B4-BE49-F238E27FC236}">
+                <a16:creationId xmlns:a16="http://schemas.microsoft.com/office/drawing/2014/main" id="{6964C1A2-9942-4F7C-8D18-A30AA40C31CA}"/>
+              </a:ext>
+            </a:extLst>
+          </p:cNvPr>
+          <p:cNvSpPr/>
+          <p:nvPr/>
+        </p:nvSpPr>
+        <p:spPr>
+          <a:xfrm>
+            <a:off x="5324274" y="2650449"/>
+            <a:ext cx="1232169" cy="2401974"/>
+          </a:xfrm>
+          <a:prstGeom prst="rect">
+            <a:avLst/>
+          </a:prstGeom>
+          <a:solidFill>
+            <a:srgbClr val="DAE3F3">
+              <a:alpha val="40000"/>
+            </a:srgbClr>
+          </a:solidFill>
+          <a:ln>
+            <a:solidFill>
+              <a:schemeClr val="accent1">
+                <a:lumMod val="40000"/>
+                <a:lumOff val="60000"/>
+              </a:schemeClr>
+            </a:solidFill>
+          </a:ln>
+        </p:spPr>
+        <p:style>
+          <a:lnRef idx="2">
+            <a:schemeClr val="accent1">
+              <a:shade val="50000"/>
+            </a:schemeClr>
+          </a:lnRef>
+          <a:fillRef idx="1">
+            <a:schemeClr val="accent1"/>
+          </a:fillRef>
+          <a:effectRef idx="0">
+            <a:schemeClr val="accent1"/>
+          </a:effectRef>
+          <a:fontRef idx="minor">
+            <a:schemeClr val="lt1"/>
+          </a:fontRef>
+        </p:style>
+        <p:txBody>
+          <a:bodyPr rtlCol="0" anchor="ctr"/>
+          <a:lstStyle/>
+          <a:p>
+            <a:pPr algn="ctr"/>
+            <a:endParaRPr lang="en-GB" dirty="0"/>
+          </a:p>
+        </p:txBody>
+      </p:sp>
+      <p:sp>
+        <p:nvSpPr>
+          <p:cNvPr id="14" name="Rectangle 13">
+            <a:extLst>
+              <a:ext uri="{FF2B5EF4-FFF2-40B4-BE49-F238E27FC236}">
+                <a16:creationId xmlns:a16="http://schemas.microsoft.com/office/drawing/2014/main" id="{1D22BE00-D890-400F-99E0-35A34BF7CACB}"/>
+              </a:ext>
+            </a:extLst>
+          </p:cNvPr>
+          <p:cNvSpPr/>
+          <p:nvPr/>
+        </p:nvSpPr>
+        <p:spPr>
+          <a:xfrm>
+            <a:off x="6619009" y="2650449"/>
+            <a:ext cx="1562910" cy="2401974"/>
+          </a:xfrm>
+          <a:prstGeom prst="rect">
+            <a:avLst/>
+          </a:prstGeom>
+          <a:solidFill>
+            <a:schemeClr val="accent6">
+              <a:lumMod val="20000"/>
+              <a:lumOff val="80000"/>
+              <a:alpha val="40000"/>
+            </a:schemeClr>
+          </a:solidFill>
+          <a:ln>
+            <a:solidFill>
+              <a:schemeClr val="accent6">
+                <a:lumMod val="40000"/>
+                <a:lumOff val="60000"/>
+              </a:schemeClr>
+            </a:solidFill>
+          </a:ln>
+        </p:spPr>
+        <p:style>
+          <a:lnRef idx="2">
+            <a:schemeClr val="accent1">
+              <a:shade val="50000"/>
+            </a:schemeClr>
+          </a:lnRef>
+          <a:fillRef idx="1">
+            <a:schemeClr val="accent1"/>
+          </a:fillRef>
+          <a:effectRef idx="0">
+            <a:schemeClr val="accent1"/>
+          </a:effectRef>
+          <a:fontRef idx="minor">
+            <a:schemeClr val="lt1"/>
+          </a:fontRef>
+        </p:style>
+        <p:txBody>
+          <a:bodyPr rtlCol="0" anchor="ctr"/>
+          <a:lstStyle/>
+          <a:p>
+            <a:pPr algn="ctr"/>
+            <a:endParaRPr lang="en-GB" dirty="0"/>
+          </a:p>
+        </p:txBody>
+      </p:sp>
+      <p:sp>
+        <p:nvSpPr>
+          <p:cNvPr id="15" name="Rectangle 14">
+            <a:extLst>
+              <a:ext uri="{FF2B5EF4-FFF2-40B4-BE49-F238E27FC236}">
+                <a16:creationId xmlns:a16="http://schemas.microsoft.com/office/drawing/2014/main" id="{B606548C-0240-498D-A2DE-479B0269F370}"/>
+              </a:ext>
+            </a:extLst>
+          </p:cNvPr>
+          <p:cNvSpPr/>
+          <p:nvPr/>
+        </p:nvSpPr>
+        <p:spPr>
+          <a:xfrm>
+            <a:off x="8244484" y="2650449"/>
+            <a:ext cx="3208213" cy="2401974"/>
+          </a:xfrm>
+          <a:prstGeom prst="rect">
+            <a:avLst/>
+          </a:prstGeom>
+          <a:solidFill>
+            <a:schemeClr val="accent2">
+              <a:lumMod val="20000"/>
+              <a:lumOff val="80000"/>
+              <a:alpha val="40000"/>
+            </a:schemeClr>
+          </a:solidFill>
+          <a:ln>
+            <a:solidFill>
+              <a:schemeClr val="accent2">
+                <a:lumMod val="40000"/>
+                <a:lumOff val="60000"/>
+              </a:schemeClr>
+            </a:solidFill>
+          </a:ln>
+        </p:spPr>
+        <p:style>
+          <a:lnRef idx="2">
+            <a:schemeClr val="accent1">
+              <a:shade val="50000"/>
+            </a:schemeClr>
+          </a:lnRef>
+          <a:fillRef idx="1">
+            <a:schemeClr val="accent1"/>
+          </a:fillRef>
+          <a:effectRef idx="0">
+            <a:schemeClr val="accent1"/>
+          </a:effectRef>
+          <a:fontRef idx="minor">
+            <a:schemeClr val="lt1"/>
+          </a:fontRef>
+        </p:style>
+        <p:txBody>
+          <a:bodyPr rtlCol="0" anchor="ctr"/>
+          <a:lstStyle/>
+          <a:p>
+            <a:pPr algn="ctr"/>
+            <a:endParaRPr lang="en-GB" dirty="0"/>
+          </a:p>
+        </p:txBody>
+      </p:sp>
+      <p:sp>
+        <p:nvSpPr>
+          <p:cNvPr id="16" name="Ovale 6">
+            <a:extLst>
+              <a:ext uri="{FF2B5EF4-FFF2-40B4-BE49-F238E27FC236}">
+                <a16:creationId xmlns:a16="http://schemas.microsoft.com/office/drawing/2014/main" id="{04CFF9A1-D144-483E-B9CB-593E43FC08A7}"/>
+              </a:ext>
+            </a:extLst>
+          </p:cNvPr>
+          <p:cNvSpPr/>
+          <p:nvPr/>
+        </p:nvSpPr>
+        <p:spPr>
+          <a:xfrm>
+            <a:off x="748506" y="6097666"/>
+            <a:ext cx="504000" cy="504000"/>
+          </a:xfrm>
+          <a:prstGeom prst="ellipse">
+            <a:avLst/>
+          </a:prstGeom>
+          <a:solidFill>
+            <a:schemeClr val="accent2"/>
+          </a:solidFill>
+          <a:ln>
+            <a:solidFill>
+              <a:schemeClr val="accent2"/>
+            </a:solidFill>
+          </a:ln>
+        </p:spPr>
+        <p:style>
+          <a:lnRef idx="2">
+            <a:schemeClr val="accent1">
+              <a:shade val="50000"/>
+            </a:schemeClr>
+          </a:lnRef>
+          <a:fillRef idx="1">
+            <a:schemeClr val="accent1"/>
+          </a:fillRef>
+          <a:effectRef idx="0">
+            <a:schemeClr val="accent1"/>
+          </a:effectRef>
+          <a:fontRef idx="minor">
+            <a:schemeClr val="lt1"/>
+          </a:fontRef>
+        </p:style>
+        <p:txBody>
+          <a:bodyPr rtlCol="0" anchor="ctr"/>
+          <a:lstStyle/>
+          <a:p>
+            <a:pPr algn="ctr"/>
+            <a:r>
+              <a:rPr lang="it-IT" dirty="0"/>
+              <a:t>3</a:t>
+            </a:r>
+          </a:p>
+        </p:txBody>
+      </p:sp>
+      <p:sp>
+        <p:nvSpPr>
+          <p:cNvPr id="17" name="Ovale 6">
+            <a:extLst>
+              <a:ext uri="{FF2B5EF4-FFF2-40B4-BE49-F238E27FC236}">
+                <a16:creationId xmlns:a16="http://schemas.microsoft.com/office/drawing/2014/main" id="{32C8C505-D69A-44A3-9D0A-43CABDF80A1C}"/>
+              </a:ext>
+            </a:extLst>
+          </p:cNvPr>
+          <p:cNvSpPr/>
+          <p:nvPr/>
+        </p:nvSpPr>
+        <p:spPr>
+          <a:xfrm>
+            <a:off x="739303" y="3642836"/>
+            <a:ext cx="504000" cy="504000"/>
+          </a:xfrm>
+          <a:prstGeom prst="ellipse">
+            <a:avLst/>
+          </a:prstGeom>
+          <a:solidFill>
+            <a:schemeClr val="accent1"/>
+          </a:solidFill>
+          <a:ln>
+            <a:solidFill>
+              <a:schemeClr val="accent1"/>
+            </a:solidFill>
+          </a:ln>
+        </p:spPr>
+        <p:style>
+          <a:lnRef idx="2">
+            <a:schemeClr val="accent1">
+              <a:shade val="50000"/>
+            </a:schemeClr>
+          </a:lnRef>
+          <a:fillRef idx="1">
+            <a:schemeClr val="accent1"/>
+          </a:fillRef>
+          <a:effectRef idx="0">
+            <a:schemeClr val="accent1"/>
+          </a:effectRef>
+          <a:fontRef idx="minor">
+            <a:schemeClr val="lt1"/>
+          </a:fontRef>
+        </p:style>
+        <p:txBody>
+          <a:bodyPr rtlCol="0" anchor="ctr"/>
+          <a:lstStyle/>
+          <a:p>
+            <a:pPr algn="ctr"/>
+            <a:r>
+              <a:rPr lang="it-IT" dirty="0"/>
+              <a:t>1</a:t>
+            </a:r>
+          </a:p>
+        </p:txBody>
+      </p:sp>
+      <p:sp>
+        <p:nvSpPr>
+          <p:cNvPr id="18" name="Ovale 6">
+            <a:extLst>
+              <a:ext uri="{FF2B5EF4-FFF2-40B4-BE49-F238E27FC236}">
+                <a16:creationId xmlns:a16="http://schemas.microsoft.com/office/drawing/2014/main" id="{92FD65CF-EA1E-416D-A41C-46D7D973BE7C}"/>
+              </a:ext>
+            </a:extLst>
+          </p:cNvPr>
+          <p:cNvSpPr/>
+          <p:nvPr/>
+        </p:nvSpPr>
+        <p:spPr>
+          <a:xfrm>
+            <a:off x="739303" y="4606603"/>
+            <a:ext cx="504000" cy="504000"/>
+          </a:xfrm>
+          <a:prstGeom prst="ellipse">
+            <a:avLst/>
+          </a:prstGeom>
+          <a:solidFill>
+            <a:schemeClr val="accent6"/>
+          </a:solidFill>
+          <a:ln>
+            <a:solidFill>
+              <a:schemeClr val="accent6"/>
+            </a:solidFill>
+          </a:ln>
+        </p:spPr>
+        <p:style>
+          <a:lnRef idx="2">
+            <a:schemeClr val="accent1">
+              <a:shade val="50000"/>
+            </a:schemeClr>
+          </a:lnRef>
+          <a:fillRef idx="1">
+            <a:schemeClr val="accent1"/>
+          </a:fillRef>
+          <a:effectRef idx="0">
+            <a:schemeClr val="accent1"/>
+          </a:effectRef>
+          <a:fontRef idx="minor">
+            <a:schemeClr val="lt1"/>
+          </a:fontRef>
+        </p:style>
+        <p:txBody>
+          <a:bodyPr rtlCol="0" anchor="ctr"/>
+          <a:lstStyle/>
+          <a:p>
+            <a:pPr algn="ctr"/>
+            <a:r>
+              <a:rPr lang="it-IT" dirty="0"/>
+              <a:t>2</a:t>
+            </a:r>
+          </a:p>
+        </p:txBody>
+      </p:sp>
+      <p:sp>
+        <p:nvSpPr>
+          <p:cNvPr id="19" name="Ovale 6">
+            <a:extLst>
+              <a:ext uri="{FF2B5EF4-FFF2-40B4-BE49-F238E27FC236}">
+                <a16:creationId xmlns:a16="http://schemas.microsoft.com/office/drawing/2014/main" id="{D675FC8C-870E-400B-B930-98C309D0F16C}"/>
+              </a:ext>
+            </a:extLst>
+          </p:cNvPr>
+          <p:cNvSpPr/>
+          <p:nvPr/>
+        </p:nvSpPr>
+        <p:spPr>
+          <a:xfrm>
+            <a:off x="5707814" y="2760359"/>
+            <a:ext cx="504000" cy="504000"/>
+          </a:xfrm>
+          <a:prstGeom prst="ellipse">
+            <a:avLst/>
+          </a:prstGeom>
+          <a:solidFill>
+            <a:schemeClr val="accent1"/>
+          </a:solidFill>
+          <a:ln>
+            <a:solidFill>
+              <a:schemeClr val="accent1"/>
+            </a:solidFill>
+          </a:ln>
+        </p:spPr>
+        <p:style>
+          <a:lnRef idx="2">
+            <a:schemeClr val="accent1">
+              <a:shade val="50000"/>
+            </a:schemeClr>
+          </a:lnRef>
+          <a:fillRef idx="1">
+            <a:schemeClr val="accent1"/>
+          </a:fillRef>
+          <a:effectRef idx="0">
+            <a:schemeClr val="accent1"/>
+          </a:effectRef>
+          <a:fontRef idx="minor">
+            <a:schemeClr val="lt1"/>
+          </a:fontRef>
+        </p:style>
+        <p:txBody>
+          <a:bodyPr rtlCol="0" anchor="ctr"/>
+          <a:lstStyle/>
+          <a:p>
+            <a:pPr algn="ctr"/>
+            <a:r>
+              <a:rPr lang="it-IT" dirty="0"/>
+              <a:t>1</a:t>
+            </a:r>
+          </a:p>
+        </p:txBody>
+      </p:sp>
+      <p:sp>
+        <p:nvSpPr>
+          <p:cNvPr id="20" name="Ovale 6">
+            <a:extLst>
+              <a:ext uri="{FF2B5EF4-FFF2-40B4-BE49-F238E27FC236}">
+                <a16:creationId xmlns:a16="http://schemas.microsoft.com/office/drawing/2014/main" id="{D5EC9DF9-7CF0-438C-ADCB-5FE5434F7ED3}"/>
+              </a:ext>
+            </a:extLst>
+          </p:cNvPr>
+          <p:cNvSpPr/>
+          <p:nvPr/>
+        </p:nvSpPr>
+        <p:spPr>
+          <a:xfrm>
+            <a:off x="7148464" y="2760359"/>
+            <a:ext cx="504000" cy="504000"/>
+          </a:xfrm>
+          <a:prstGeom prst="ellipse">
+            <a:avLst/>
+          </a:prstGeom>
+          <a:solidFill>
+            <a:schemeClr val="accent6"/>
+          </a:solidFill>
+          <a:ln>
+            <a:solidFill>
+              <a:schemeClr val="accent6"/>
+            </a:solidFill>
+          </a:ln>
+        </p:spPr>
+        <p:style>
+          <a:lnRef idx="2">
+            <a:schemeClr val="accent1">
+              <a:shade val="50000"/>
+            </a:schemeClr>
+          </a:lnRef>
+          <a:fillRef idx="1">
+            <a:schemeClr val="accent1"/>
+          </a:fillRef>
+          <a:effectRef idx="0">
+            <a:schemeClr val="accent1"/>
+          </a:effectRef>
+          <a:fontRef idx="minor">
+            <a:schemeClr val="lt1"/>
+          </a:fontRef>
+        </p:style>
+        <p:txBody>
+          <a:bodyPr rtlCol="0" anchor="ctr"/>
+          <a:lstStyle/>
+          <a:p>
+            <a:pPr algn="ctr"/>
+            <a:r>
+              <a:rPr lang="it-IT" dirty="0"/>
+              <a:t>2</a:t>
+            </a:r>
+          </a:p>
+        </p:txBody>
+      </p:sp>
+      <p:sp>
+        <p:nvSpPr>
+          <p:cNvPr id="22" name="Ovale 6">
+            <a:extLst>
+              <a:ext uri="{FF2B5EF4-FFF2-40B4-BE49-F238E27FC236}">
+                <a16:creationId xmlns:a16="http://schemas.microsoft.com/office/drawing/2014/main" id="{30F17709-AD82-4884-A484-1F8C6F96F336}"/>
+              </a:ext>
+            </a:extLst>
+          </p:cNvPr>
+          <p:cNvSpPr/>
+          <p:nvPr/>
+        </p:nvSpPr>
+        <p:spPr>
+          <a:xfrm>
+            <a:off x="9596590" y="2760359"/>
+            <a:ext cx="504000" cy="504000"/>
+          </a:xfrm>
+          <a:prstGeom prst="ellipse">
+            <a:avLst/>
+          </a:prstGeom>
+          <a:solidFill>
+            <a:schemeClr val="accent2"/>
+          </a:solidFill>
+          <a:ln>
+            <a:solidFill>
+              <a:schemeClr val="accent2"/>
+            </a:solidFill>
+          </a:ln>
+        </p:spPr>
+        <p:style>
+          <a:lnRef idx="2">
+            <a:schemeClr val="accent1">
+              <a:shade val="50000"/>
+            </a:schemeClr>
+          </a:lnRef>
+          <a:fillRef idx="1">
+            <a:schemeClr val="accent1"/>
+          </a:fillRef>
+          <a:effectRef idx="0">
+            <a:schemeClr val="accent1"/>
+          </a:effectRef>
+          <a:fontRef idx="minor">
+            <a:schemeClr val="lt1"/>
+          </a:fontRef>
+        </p:style>
+        <p:txBody>
+          <a:bodyPr rtlCol="0" anchor="ctr"/>
+          <a:lstStyle/>
+          <a:p>
+            <a:pPr algn="ctr"/>
+            <a:r>
+              <a:rPr lang="it-IT" dirty="0"/>
+              <a:t>3</a:t>
+            </a:r>
+          </a:p>
+        </p:txBody>
+      </p:sp>
+      <mc:AlternateContent xmlns:mc="http://schemas.openxmlformats.org/markup-compatibility/2006" xmlns:a14="http://schemas.microsoft.com/office/drawing/2010/main">
+        <mc:Choice Requires="a14">
+          <p:sp>
+            <p:nvSpPr>
+              <p:cNvPr id="23" name="TextBox 22">
+                <a:extLst>
+                  <a:ext uri="{FF2B5EF4-FFF2-40B4-BE49-F238E27FC236}">
+                    <a16:creationId xmlns:a16="http://schemas.microsoft.com/office/drawing/2014/main" id="{32FF6D04-264D-483F-852A-665080A40534}"/>
+                  </a:ext>
+                </a:extLst>
+              </p:cNvPr>
+              <p:cNvSpPr txBox="1"/>
+              <p:nvPr/>
+            </p:nvSpPr>
+            <p:spPr>
+              <a:xfrm>
+                <a:off x="1549224" y="3697237"/>
+                <a:ext cx="2146036" cy="369332"/>
+              </a:xfrm>
+              <a:prstGeom prst="rect">
+                <a:avLst/>
+              </a:prstGeom>
+              <a:noFill/>
+            </p:spPr>
+            <p:txBody>
+              <a:bodyPr wrap="square" rtlCol="0">
+                <a:spAutoFit/>
+              </a:bodyPr>
+              <a:lstStyle/>
+              <a:p>
+                <a:pPr/>
+                <a14:m>
+                  <m:oMathPara xmlns:m="http://schemas.openxmlformats.org/officeDocument/2006/math">
+                    <m:oMathParaPr>
+                      <m:jc m:val="centerGroup"/>
+                    </m:oMathParaPr>
+                    <m:oMath xmlns:m="http://schemas.openxmlformats.org/officeDocument/2006/math">
+                      <m:r>
+                        <a:rPr lang="it-IT" b="0" i="1" smtClean="0">
+                          <a:latin typeface="Cambria Math" panose="02040503050406030204" pitchFamily="18" charset="0"/>
+                        </a:rPr>
+                        <m:t>𝑡</m:t>
+                      </m:r>
+                      <m:r>
+                        <a:rPr lang="it-IT" b="0" i="1" smtClean="0">
+                          <a:latin typeface="Cambria Math" panose="02040503050406030204" pitchFamily="18" charset="0"/>
+                        </a:rPr>
+                        <m:t>&lt;</m:t>
+                      </m:r>
+                      <m:r>
+                        <a:rPr lang="it-IT" b="0" i="1" smtClean="0">
+                          <a:latin typeface="Cambria Math" panose="02040503050406030204" pitchFamily="18" charset="0"/>
+                        </a:rPr>
+                        <m:t>𝑎𝑡𝑡𝑎𝑐</m:t>
+                      </m:r>
+                      <m:sSub>
+                        <m:sSubPr>
+                          <m:ctrlPr>
+                            <a:rPr lang="it-IT" b="0" i="1" smtClean="0">
+                              <a:latin typeface="Cambria Math" panose="02040503050406030204" pitchFamily="18" charset="0"/>
+                            </a:rPr>
+                          </m:ctrlPr>
+                        </m:sSubPr>
+                        <m:e>
+                          <m:r>
+                            <a:rPr lang="it-IT" b="0" i="1" smtClean="0">
+                              <a:latin typeface="Cambria Math" panose="02040503050406030204" pitchFamily="18" charset="0"/>
+                            </a:rPr>
+                            <m:t>𝑘</m:t>
+                          </m:r>
+                        </m:e>
+                        <m:sub>
+                          <m:r>
+                            <a:rPr lang="it-IT" b="0" i="1" smtClean="0">
+                              <a:latin typeface="Cambria Math" panose="02040503050406030204" pitchFamily="18" charset="0"/>
+                            </a:rPr>
+                            <m:t>𝑡𝑖𝑚𝑒</m:t>
+                          </m:r>
+                        </m:sub>
+                      </m:sSub>
+                    </m:oMath>
+                  </m:oMathPara>
+                </a14:m>
+                <a:endParaRPr lang="en-GB" dirty="0"/>
+              </a:p>
+            </p:txBody>
+          </p:sp>
+        </mc:Choice>
+        <mc:Fallback xmlns="">
+          <p:sp>
+            <p:nvSpPr>
+              <p:cNvPr id="23" name="TextBox 22">
+                <a:extLst>
+                  <a:ext uri="{FF2B5EF4-FFF2-40B4-BE49-F238E27FC236}">
+                    <a16:creationId xmlns:a16="http://schemas.microsoft.com/office/drawing/2014/main" id="{32FF6D04-264D-483F-852A-665080A40534}"/>
+                  </a:ext>
+                </a:extLst>
+              </p:cNvPr>
+              <p:cNvSpPr txBox="1">
+                <a:spLocks noRot="1" noChangeAspect="1" noMove="1" noResize="1" noEditPoints="1" noAdjustHandles="1" noChangeArrowheads="1" noChangeShapeType="1" noTextEdit="1"/>
+              </p:cNvSpPr>
+              <p:nvPr/>
+            </p:nvSpPr>
+            <p:spPr>
+              <a:xfrm>
+                <a:off x="1549224" y="3697237"/>
+                <a:ext cx="2146036" cy="369332"/>
+              </a:xfrm>
+              <a:prstGeom prst="rect">
+                <a:avLst/>
+              </a:prstGeom>
+              <a:blipFill>
+                <a:blip r:embed="rId3"/>
+                <a:stretch>
+                  <a:fillRect b="-1667"/>
+                </a:stretch>
+              </a:blipFill>
+            </p:spPr>
+            <p:txBody>
+              <a:bodyPr/>
+              <a:lstStyle/>
+              <a:p>
+                <a:r>
+                  <a:rPr lang="en-GB">
+                    <a:noFill/>
+                  </a:rPr>
+                  <a:t> </a:t>
+                </a:r>
+              </a:p>
+            </p:txBody>
+          </p:sp>
+        </mc:Fallback>
+      </mc:AlternateContent>
+      <mc:AlternateContent xmlns:mc="http://schemas.openxmlformats.org/markup-compatibility/2006" xmlns:a14="http://schemas.microsoft.com/office/drawing/2010/main">
+        <mc:Choice Requires="a14">
+          <p:sp>
+            <p:nvSpPr>
+              <p:cNvPr id="24" name="TextBox 23">
+                <a:extLst>
+                  <a:ext uri="{FF2B5EF4-FFF2-40B4-BE49-F238E27FC236}">
+                    <a16:creationId xmlns:a16="http://schemas.microsoft.com/office/drawing/2014/main" id="{70F0060C-49DF-4D60-995D-17110DEEB57B}"/>
+                  </a:ext>
+                </a:extLst>
+              </p:cNvPr>
+              <p:cNvSpPr txBox="1"/>
+              <p:nvPr/>
+            </p:nvSpPr>
+            <p:spPr>
+              <a:xfrm>
+                <a:off x="1549224" y="4673937"/>
+                <a:ext cx="2146036" cy="369332"/>
+              </a:xfrm>
+              <a:prstGeom prst="rect">
+                <a:avLst/>
+              </a:prstGeom>
+              <a:noFill/>
+            </p:spPr>
+            <p:txBody>
+              <a:bodyPr wrap="square" rtlCol="0">
+                <a:spAutoFit/>
+              </a:bodyPr>
+              <a:lstStyle/>
+              <a:p>
+                <a:pPr/>
+                <a14:m>
+                  <m:oMathPara xmlns:m="http://schemas.openxmlformats.org/officeDocument/2006/math">
+                    <m:oMathParaPr>
+                      <m:jc m:val="centerGroup"/>
+                    </m:oMathParaPr>
+                    <m:oMath xmlns:m="http://schemas.openxmlformats.org/officeDocument/2006/math">
+                      <m:r>
+                        <a:rPr lang="it-IT" b="0" i="1" smtClean="0">
+                          <a:latin typeface="Cambria Math" panose="02040503050406030204" pitchFamily="18" charset="0"/>
+                        </a:rPr>
+                        <m:t>𝑎𝑡𝑡𝑎𝑐</m:t>
+                      </m:r>
+                      <m:sSub>
+                        <m:sSubPr>
+                          <m:ctrlPr>
+                            <a:rPr lang="it-IT" b="0" i="1" smtClean="0">
+                              <a:latin typeface="Cambria Math" panose="02040503050406030204" pitchFamily="18" charset="0"/>
+                            </a:rPr>
+                          </m:ctrlPr>
+                        </m:sSubPr>
+                        <m:e>
+                          <m:r>
+                            <a:rPr lang="it-IT" b="0" i="1" smtClean="0">
+                              <a:latin typeface="Cambria Math" panose="02040503050406030204" pitchFamily="18" charset="0"/>
+                            </a:rPr>
+                            <m:t>𝑘</m:t>
+                          </m:r>
+                        </m:e>
+                        <m:sub>
+                          <m:r>
+                            <a:rPr lang="it-IT" b="0" i="1" smtClean="0">
+                              <a:latin typeface="Cambria Math" panose="02040503050406030204" pitchFamily="18" charset="0"/>
+                            </a:rPr>
+                            <m:t>𝑡𝑖𝑚𝑒</m:t>
+                          </m:r>
+                        </m:sub>
+                      </m:sSub>
+                      <m:r>
+                        <a:rPr lang="it-IT" b="0" i="1" smtClean="0">
+                          <a:latin typeface="Cambria Math" panose="02040503050406030204" pitchFamily="18" charset="0"/>
+                        </a:rPr>
+                        <m:t>≤</m:t>
+                      </m:r>
+                      <m:r>
+                        <a:rPr lang="it-IT" b="0" i="1" smtClean="0">
+                          <a:latin typeface="Cambria Math" panose="02040503050406030204" pitchFamily="18" charset="0"/>
+                        </a:rPr>
+                        <m:t>𝑡</m:t>
+                      </m:r>
+                      <m:r>
+                        <a:rPr lang="it-IT" b="0" i="1" smtClean="0">
+                          <a:latin typeface="Cambria Math" panose="02040503050406030204" pitchFamily="18" charset="0"/>
+                        </a:rPr>
+                        <m:t>≤</m:t>
+                      </m:r>
+                      <m:sSup>
+                        <m:sSupPr>
+                          <m:ctrlPr>
+                            <a:rPr lang="it-IT" b="0" i="1" smtClean="0">
+                              <a:latin typeface="Cambria Math" panose="02040503050406030204" pitchFamily="18" charset="0"/>
+                            </a:rPr>
+                          </m:ctrlPr>
+                        </m:sSupPr>
+                        <m:e>
+                          <m:r>
+                            <a:rPr lang="it-IT" b="0" i="1" smtClean="0">
+                              <a:latin typeface="Cambria Math" panose="02040503050406030204" pitchFamily="18" charset="0"/>
+                            </a:rPr>
+                            <m:t>𝑡</m:t>
+                          </m:r>
+                        </m:e>
+                        <m:sup>
+                          <m:r>
+                            <a:rPr lang="it-IT" b="0" i="1" smtClean="0">
+                              <a:latin typeface="Cambria Math" panose="02040503050406030204" pitchFamily="18" charset="0"/>
+                            </a:rPr>
+                            <m:t>∗</m:t>
+                          </m:r>
+                        </m:sup>
+                      </m:sSup>
+                    </m:oMath>
+                  </m:oMathPara>
+                </a14:m>
+                <a:endParaRPr lang="en-GB" dirty="0"/>
+              </a:p>
+            </p:txBody>
+          </p:sp>
+        </mc:Choice>
+        <mc:Fallback xmlns="">
+          <p:sp>
+            <p:nvSpPr>
+              <p:cNvPr id="24" name="TextBox 23">
+                <a:extLst>
+                  <a:ext uri="{FF2B5EF4-FFF2-40B4-BE49-F238E27FC236}">
+                    <a16:creationId xmlns:a16="http://schemas.microsoft.com/office/drawing/2014/main" id="{70F0060C-49DF-4D60-995D-17110DEEB57B}"/>
+                  </a:ext>
+                </a:extLst>
+              </p:cNvPr>
+              <p:cNvSpPr txBox="1">
+                <a:spLocks noRot="1" noChangeAspect="1" noMove="1" noResize="1" noEditPoints="1" noAdjustHandles="1" noChangeArrowheads="1" noChangeShapeType="1" noTextEdit="1"/>
+              </p:cNvSpPr>
+              <p:nvPr/>
+            </p:nvSpPr>
+            <p:spPr>
+              <a:xfrm>
+                <a:off x="1549224" y="4673937"/>
+                <a:ext cx="2146036" cy="369332"/>
+              </a:xfrm>
+              <a:prstGeom prst="rect">
+                <a:avLst/>
+              </a:prstGeom>
+              <a:blipFill>
+                <a:blip r:embed="rId4"/>
+                <a:stretch>
+                  <a:fillRect b="-1667"/>
+                </a:stretch>
+              </a:blipFill>
+            </p:spPr>
+            <p:txBody>
+              <a:bodyPr/>
+              <a:lstStyle/>
+              <a:p>
+                <a:r>
+                  <a:rPr lang="en-GB">
+                    <a:noFill/>
+                  </a:rPr>
+                  <a:t> </a:t>
+                </a:r>
+              </a:p>
+            </p:txBody>
+          </p:sp>
+        </mc:Fallback>
+      </mc:AlternateContent>
+      <mc:AlternateContent xmlns:mc="http://schemas.openxmlformats.org/markup-compatibility/2006" xmlns:a14="http://schemas.microsoft.com/office/drawing/2010/main">
+        <mc:Choice Requires="a14">
+          <p:sp>
+            <p:nvSpPr>
+              <p:cNvPr id="25" name="TextBox 24">
+                <a:extLst>
+                  <a:ext uri="{FF2B5EF4-FFF2-40B4-BE49-F238E27FC236}">
+                    <a16:creationId xmlns:a16="http://schemas.microsoft.com/office/drawing/2014/main" id="{943B17E7-A128-4EF9-9046-BB94092F33EA}"/>
+                  </a:ext>
+                </a:extLst>
+              </p:cNvPr>
+              <p:cNvSpPr txBox="1"/>
+              <p:nvPr/>
+            </p:nvSpPr>
+            <p:spPr>
+              <a:xfrm>
+                <a:off x="1436159" y="6169062"/>
+                <a:ext cx="2146036" cy="369332"/>
+              </a:xfrm>
+              <a:prstGeom prst="rect">
+                <a:avLst/>
+              </a:prstGeom>
+              <a:noFill/>
+            </p:spPr>
+            <p:txBody>
+              <a:bodyPr wrap="square" rtlCol="0">
+                <a:spAutoFit/>
+              </a:bodyPr>
+              <a:lstStyle/>
+              <a:p>
+                <a:pPr/>
+                <a14:m>
+                  <m:oMathPara xmlns:m="http://schemas.openxmlformats.org/officeDocument/2006/math">
+                    <m:oMathParaPr>
+                      <m:jc m:val="centerGroup"/>
+                    </m:oMathParaPr>
+                    <m:oMath xmlns:m="http://schemas.openxmlformats.org/officeDocument/2006/math">
+                      <m:r>
+                        <a:rPr lang="it-IT" b="0" i="1" smtClean="0">
+                          <a:latin typeface="Cambria Math" panose="02040503050406030204" pitchFamily="18" charset="0"/>
+                        </a:rPr>
+                        <m:t>𝑡</m:t>
+                      </m:r>
+                      <m:r>
+                        <a:rPr lang="it-IT" b="0" i="1" smtClean="0">
+                          <a:latin typeface="Cambria Math" panose="02040503050406030204" pitchFamily="18" charset="0"/>
+                        </a:rPr>
+                        <m:t>&gt;</m:t>
+                      </m:r>
+                      <m:sSup>
+                        <m:sSupPr>
+                          <m:ctrlPr>
+                            <a:rPr lang="it-IT" b="0" i="1" smtClean="0">
+                              <a:latin typeface="Cambria Math" panose="02040503050406030204" pitchFamily="18" charset="0"/>
+                            </a:rPr>
+                          </m:ctrlPr>
+                        </m:sSupPr>
+                        <m:e>
+                          <m:r>
+                            <a:rPr lang="it-IT" b="0" i="1" smtClean="0">
+                              <a:latin typeface="Cambria Math" panose="02040503050406030204" pitchFamily="18" charset="0"/>
+                            </a:rPr>
+                            <m:t>𝑡</m:t>
+                          </m:r>
+                        </m:e>
+                        <m:sup>
+                          <m:r>
+                            <a:rPr lang="it-IT" b="0" i="1" smtClean="0">
+                              <a:latin typeface="Cambria Math" panose="02040503050406030204" pitchFamily="18" charset="0"/>
+                            </a:rPr>
+                            <m:t>∗</m:t>
+                          </m:r>
+                        </m:sup>
+                      </m:sSup>
+                    </m:oMath>
+                  </m:oMathPara>
+                </a14:m>
+                <a:endParaRPr lang="en-GB" dirty="0"/>
+              </a:p>
+            </p:txBody>
+          </p:sp>
+        </mc:Choice>
+        <mc:Fallback xmlns="">
+          <p:sp>
+            <p:nvSpPr>
+              <p:cNvPr id="25" name="TextBox 24">
+                <a:extLst>
+                  <a:ext uri="{FF2B5EF4-FFF2-40B4-BE49-F238E27FC236}">
+                    <a16:creationId xmlns:a16="http://schemas.microsoft.com/office/drawing/2014/main" id="{943B17E7-A128-4EF9-9046-BB94092F33EA}"/>
+                  </a:ext>
+                </a:extLst>
+              </p:cNvPr>
+              <p:cNvSpPr txBox="1">
+                <a:spLocks noRot="1" noChangeAspect="1" noMove="1" noResize="1" noEditPoints="1" noAdjustHandles="1" noChangeArrowheads="1" noChangeShapeType="1" noTextEdit="1"/>
+              </p:cNvSpPr>
+              <p:nvPr/>
+            </p:nvSpPr>
+            <p:spPr>
+              <a:xfrm>
+                <a:off x="1436159" y="6169062"/>
+                <a:ext cx="2146036" cy="369332"/>
+              </a:xfrm>
+              <a:prstGeom prst="rect">
+                <a:avLst/>
+              </a:prstGeom>
+              <a:blipFill>
+                <a:blip r:embed="rId5"/>
+                <a:stretch>
+                  <a:fillRect/>
+                </a:stretch>
+              </a:blipFill>
+            </p:spPr>
+            <p:txBody>
+              <a:bodyPr/>
+              <a:lstStyle/>
+              <a:p>
+                <a:r>
+                  <a:rPr lang="en-GB">
+                    <a:noFill/>
+                  </a:rPr>
+                  <a:t> </a:t>
+                </a:r>
+              </a:p>
+            </p:txBody>
+          </p:sp>
+        </mc:Fallback>
+      </mc:AlternateContent>
+      <mc:AlternateContent xmlns:mc="http://schemas.openxmlformats.org/markup-compatibility/2006" xmlns:a14="http://schemas.microsoft.com/office/drawing/2010/main">
+        <mc:Choice Requires="a14">
+          <p:sp>
+            <p:nvSpPr>
+              <p:cNvPr id="27" name="TextBox 26">
+                <a:extLst>
+                  <a:ext uri="{FF2B5EF4-FFF2-40B4-BE49-F238E27FC236}">
+                    <a16:creationId xmlns:a16="http://schemas.microsoft.com/office/drawing/2014/main" id="{F1BCB816-2BF0-48ED-A006-807217A93FDC}"/>
+                  </a:ext>
+                </a:extLst>
+              </p:cNvPr>
+              <p:cNvSpPr txBox="1"/>
+              <p:nvPr/>
+            </p:nvSpPr>
+            <p:spPr>
+              <a:xfrm>
+                <a:off x="739303" y="5174667"/>
+                <a:ext cx="3747472" cy="646331"/>
+              </a:xfrm>
+              <a:prstGeom prst="rect">
+                <a:avLst/>
+              </a:prstGeom>
+              <a:noFill/>
+            </p:spPr>
+            <p:txBody>
+              <a:bodyPr wrap="square">
+                <a:spAutoFit/>
+              </a:bodyPr>
+              <a:lstStyle/>
+              <a:p>
+                <a:pPr/>
+                <a14:m>
+                  <m:oMathPara xmlns:m="http://schemas.openxmlformats.org/officeDocument/2006/math">
+                    <m:oMathParaPr>
+                      <m:jc m:val="centerGroup"/>
+                    </m:oMathParaPr>
+                    <m:oMath xmlns:m="http://schemas.openxmlformats.org/officeDocument/2006/math">
+                      <m:sSup>
+                        <m:sSupPr>
+                          <m:ctrlPr>
+                            <a:rPr lang="it-IT" b="0" i="1" smtClean="0">
+                              <a:latin typeface="Cambria Math" panose="02040503050406030204" pitchFamily="18" charset="0"/>
+                            </a:rPr>
+                          </m:ctrlPr>
+                        </m:sSupPr>
+                        <m:e>
+                          <m:r>
+                            <a:rPr lang="it-IT" b="0" i="1" smtClean="0">
+                              <a:latin typeface="Cambria Math" panose="02040503050406030204" pitchFamily="18" charset="0"/>
+                            </a:rPr>
+                            <m:t>𝑡</m:t>
+                          </m:r>
+                        </m:e>
+                        <m:sup>
+                          <m:r>
+                            <a:rPr lang="it-IT" b="0" i="1" smtClean="0">
+                              <a:latin typeface="Cambria Math" panose="02040503050406030204" pitchFamily="18" charset="0"/>
+                            </a:rPr>
+                            <m:t>∗</m:t>
+                          </m:r>
+                        </m:sup>
+                      </m:sSup>
+                      <m:r>
+                        <a:rPr lang="it-IT" b="0" i="0" smtClean="0">
+                          <a:latin typeface="Cambria Math" panose="02040503050406030204" pitchFamily="18" charset="0"/>
+                        </a:rPr>
+                        <m:t>→</m:t>
+                      </m:r>
+                      <m:r>
+                        <m:rPr>
+                          <m:sty m:val="p"/>
+                        </m:rPr>
+                        <a:rPr lang="it-IT" b="0" i="0" smtClean="0">
+                          <a:latin typeface="Cambria Math" panose="02040503050406030204" pitchFamily="18" charset="0"/>
+                        </a:rPr>
+                        <m:t>tempo</m:t>
+                      </m:r>
+                      <m:r>
+                        <a:rPr lang="it-IT" b="0" i="0" smtClean="0">
+                          <a:latin typeface="Cambria Math" panose="02040503050406030204" pitchFamily="18" charset="0"/>
+                        </a:rPr>
+                        <m:t> </m:t>
+                      </m:r>
+                      <m:r>
+                        <m:rPr>
+                          <m:sty m:val="p"/>
+                        </m:rPr>
+                        <a:rPr lang="it-IT" b="0" i="0" smtClean="0">
+                          <a:latin typeface="Cambria Math" panose="02040503050406030204" pitchFamily="18" charset="0"/>
+                        </a:rPr>
+                        <m:t>in</m:t>
+                      </m:r>
+                      <m:r>
+                        <a:rPr lang="it-IT" b="0" i="0" smtClean="0">
+                          <a:latin typeface="Cambria Math" panose="02040503050406030204" pitchFamily="18" charset="0"/>
+                        </a:rPr>
+                        <m:t> </m:t>
+                      </m:r>
+                      <m:r>
+                        <m:rPr>
+                          <m:sty m:val="p"/>
+                        </m:rPr>
+                        <a:rPr lang="it-IT" b="0" i="0" smtClean="0">
+                          <a:latin typeface="Cambria Math" panose="02040503050406030204" pitchFamily="18" charset="0"/>
+                        </a:rPr>
+                        <m:t>cui</m:t>
+                      </m:r>
+                      <m:r>
+                        <a:rPr lang="it-IT" b="0" i="0" smtClean="0">
+                          <a:latin typeface="Cambria Math" panose="02040503050406030204" pitchFamily="18" charset="0"/>
+                        </a:rPr>
+                        <m:t> </m:t>
+                      </m:r>
+                      <m:r>
+                        <m:rPr>
+                          <m:sty m:val="p"/>
+                        </m:rPr>
+                        <a:rPr lang="it-IT" b="0" i="0" smtClean="0">
+                          <a:latin typeface="Cambria Math" panose="02040503050406030204" pitchFamily="18" charset="0"/>
+                        </a:rPr>
+                        <m:t>leading</m:t>
+                      </m:r>
+                      <m:r>
+                        <a:rPr lang="it-IT" b="0" i="0" smtClean="0">
+                          <a:latin typeface="Cambria Math" panose="02040503050406030204" pitchFamily="18" charset="0"/>
+                        </a:rPr>
+                        <m:t> </m:t>
+                      </m:r>
+                      <m:r>
+                        <m:rPr>
+                          <m:sty m:val="p"/>
+                        </m:rPr>
+                        <a:rPr lang="it-IT" b="0" i="0" smtClean="0">
+                          <a:latin typeface="Cambria Math" panose="02040503050406030204" pitchFamily="18" charset="0"/>
+                        </a:rPr>
+                        <m:t>car</m:t>
+                      </m:r>
+                      <m:r>
+                        <a:rPr lang="it-IT" b="0" i="0" smtClean="0">
+                          <a:latin typeface="Cambria Math" panose="02040503050406030204" pitchFamily="18" charset="0"/>
+                        </a:rPr>
+                        <m:t> </m:t>
+                      </m:r>
+                    </m:oMath>
+                  </m:oMathPara>
+                </a14:m>
+                <a:endParaRPr lang="it-IT" b="0" i="0" dirty="0">
+                  <a:latin typeface="Cambria Math" panose="02040503050406030204" pitchFamily="18" charset="0"/>
+                </a:endParaRPr>
+              </a:p>
+              <a:p>
+                <a:pPr/>
+                <a14:m>
+                  <m:oMathPara xmlns:m="http://schemas.openxmlformats.org/officeDocument/2006/math">
+                    <m:oMathParaPr>
+                      <m:jc m:val="centerGroup"/>
+                    </m:oMathParaPr>
+                    <m:oMath xmlns:m="http://schemas.openxmlformats.org/officeDocument/2006/math">
+                      <m:r>
+                        <m:rPr>
+                          <m:sty m:val="p"/>
+                        </m:rPr>
+                        <a:rPr lang="it-IT" b="0" i="0" smtClean="0">
+                          <a:latin typeface="Cambria Math" panose="02040503050406030204" pitchFamily="18" charset="0"/>
+                        </a:rPr>
+                        <m:t>supera</m:t>
+                      </m:r>
+                      <m:r>
+                        <a:rPr lang="it-IT" b="0" i="0" smtClean="0">
+                          <a:latin typeface="Cambria Math" panose="02040503050406030204" pitchFamily="18" charset="0"/>
+                        </a:rPr>
+                        <m:t> </m:t>
+                      </m:r>
+                      <m:r>
+                        <m:rPr>
+                          <m:sty m:val="p"/>
+                        </m:rPr>
+                        <a:rPr lang="it-IT" b="0" i="0" smtClean="0">
+                          <a:latin typeface="Cambria Math" panose="02040503050406030204" pitchFamily="18" charset="0"/>
+                        </a:rPr>
+                        <m:t>posizione</m:t>
+                      </m:r>
+                      <m:r>
+                        <a:rPr lang="it-IT" b="0" i="0" smtClean="0">
+                          <a:latin typeface="Cambria Math" panose="02040503050406030204" pitchFamily="18" charset="0"/>
+                        </a:rPr>
+                        <m:t> </m:t>
+                      </m:r>
+                      <m:r>
+                        <m:rPr>
+                          <m:sty m:val="p"/>
+                        </m:rPr>
+                        <a:rPr lang="it-IT" b="0" i="0" smtClean="0">
+                          <a:latin typeface="Cambria Math" panose="02040503050406030204" pitchFamily="18" charset="0"/>
+                        </a:rPr>
+                        <m:t>attack</m:t>
+                      </m:r>
+                      <m:r>
+                        <a:rPr lang="it-IT" b="0" i="0" smtClean="0">
+                          <a:latin typeface="Cambria Math" panose="02040503050406030204" pitchFamily="18" charset="0"/>
+                        </a:rPr>
+                        <m:t>_</m:t>
+                      </m:r>
+                      <m:r>
+                        <m:rPr>
+                          <m:sty m:val="p"/>
+                        </m:rPr>
+                        <a:rPr lang="it-IT" b="0" i="0" smtClean="0">
+                          <a:latin typeface="Cambria Math" panose="02040503050406030204" pitchFamily="18" charset="0"/>
+                        </a:rPr>
+                        <m:t>value</m:t>
+                      </m:r>
+                    </m:oMath>
+                  </m:oMathPara>
+                </a14:m>
+                <a:endParaRPr lang="en-GB" dirty="0"/>
+              </a:p>
+            </p:txBody>
+          </p:sp>
+        </mc:Choice>
+        <mc:Fallback xmlns="">
+          <p:sp>
+            <p:nvSpPr>
+              <p:cNvPr id="27" name="TextBox 26">
+                <a:extLst>
+                  <a:ext uri="{FF2B5EF4-FFF2-40B4-BE49-F238E27FC236}">
+                    <a16:creationId xmlns:a16="http://schemas.microsoft.com/office/drawing/2014/main" id="{F1BCB816-2BF0-48ED-A006-807217A93FDC}"/>
+                  </a:ext>
+                </a:extLst>
+              </p:cNvPr>
+              <p:cNvSpPr txBox="1">
+                <a:spLocks noRot="1" noChangeAspect="1" noMove="1" noResize="1" noEditPoints="1" noAdjustHandles="1" noChangeArrowheads="1" noChangeShapeType="1" noTextEdit="1"/>
+              </p:cNvSpPr>
+              <p:nvPr/>
+            </p:nvSpPr>
+            <p:spPr>
+              <a:xfrm>
+                <a:off x="739303" y="5174667"/>
+                <a:ext cx="3747472" cy="646331"/>
+              </a:xfrm>
+              <a:prstGeom prst="rect">
+                <a:avLst/>
+              </a:prstGeom>
+              <a:blipFill>
+                <a:blip r:embed="rId6"/>
+                <a:stretch>
+                  <a:fillRect b="-6604"/>
+                </a:stretch>
+              </a:blipFill>
+            </p:spPr>
+            <p:txBody>
+              <a:bodyPr/>
+              <a:lstStyle/>
+              <a:p>
+                <a:r>
+                  <a:rPr lang="en-GB">
+                    <a:noFill/>
+                  </a:rPr>
+                  <a:t> </a:t>
+                </a:r>
+              </a:p>
+            </p:txBody>
+          </p:sp>
+        </mc:Fallback>
+      </mc:AlternateContent>
     </p:spTree>
     <p:extLst>
       <p:ext uri="{BB962C8B-B14F-4D97-AF65-F5344CB8AC3E}">
@@ -29267,6 +30590,703 @@
   <p:clrMapOvr>
     <a:masterClrMapping/>
   </p:clrMapOvr>
+  <p:timing>
+    <p:tnLst>
+      <p:par>
+        <p:cTn id="1" dur="indefinite" restart="never" nodeType="tmRoot">
+          <p:childTnLst>
+            <p:seq concurrent="1" nextAc="seek">
+              <p:cTn id="2" dur="indefinite" nodeType="mainSeq">
+                <p:childTnLst>
+                  <p:par>
+                    <p:cTn id="3" fill="hold">
+                      <p:stCondLst>
+                        <p:cond delay="indefinite"/>
+                      </p:stCondLst>
+                      <p:childTnLst>
+                        <p:par>
+                          <p:cTn id="4" fill="hold">
+                            <p:stCondLst>
+                              <p:cond delay="0"/>
+                            </p:stCondLst>
+                            <p:childTnLst>
+                              <p:par>
+                                <p:cTn id="5" presetID="10" presetClass="entr" presetSubtype="0" fill="hold" grpId="0" nodeType="clickEffect">
+                                  <p:stCondLst>
+                                    <p:cond delay="0"/>
+                                  </p:stCondLst>
+                                  <p:childTnLst>
+                                    <p:set>
+                                      <p:cBhvr>
+                                        <p:cTn id="6" dur="1" fill="hold">
+                                          <p:stCondLst>
+                                            <p:cond delay="0"/>
+                                          </p:stCondLst>
+                                        </p:cTn>
+                                        <p:tgtEl>
+                                          <p:spTgt spid="6"/>
+                                        </p:tgtEl>
+                                        <p:attrNameLst>
+                                          <p:attrName>style.visibility</p:attrName>
+                                        </p:attrNameLst>
+                                      </p:cBhvr>
+                                      <p:to>
+                                        <p:strVal val="visible"/>
+                                      </p:to>
+                                    </p:set>
+                                    <p:animEffect transition="in" filter="fade">
+                                      <p:cBhvr>
+                                        <p:cTn id="7" dur="500"/>
+                                        <p:tgtEl>
+                                          <p:spTgt spid="6"/>
+                                        </p:tgtEl>
+                                      </p:cBhvr>
+                                    </p:animEffect>
+                                  </p:childTnLst>
+                                </p:cTn>
+                              </p:par>
+                              <p:par>
+                                <p:cTn id="8" presetID="10" presetClass="entr" presetSubtype="0" fill="hold" grpId="0" nodeType="withEffect">
+                                  <p:stCondLst>
+                                    <p:cond delay="0"/>
+                                  </p:stCondLst>
+                                  <p:childTnLst>
+                                    <p:set>
+                                      <p:cBhvr>
+                                        <p:cTn id="9" dur="1" fill="hold">
+                                          <p:stCondLst>
+                                            <p:cond delay="0"/>
+                                          </p:stCondLst>
+                                        </p:cTn>
+                                        <p:tgtEl>
+                                          <p:spTgt spid="12"/>
+                                        </p:tgtEl>
+                                        <p:attrNameLst>
+                                          <p:attrName>style.visibility</p:attrName>
+                                        </p:attrNameLst>
+                                      </p:cBhvr>
+                                      <p:to>
+                                        <p:strVal val="visible"/>
+                                      </p:to>
+                                    </p:set>
+                                    <p:animEffect transition="in" filter="fade">
+                                      <p:cBhvr>
+                                        <p:cTn id="10" dur="500"/>
+                                        <p:tgtEl>
+                                          <p:spTgt spid="12"/>
+                                        </p:tgtEl>
+                                      </p:cBhvr>
+                                    </p:animEffect>
+                                  </p:childTnLst>
+                                </p:cTn>
+                              </p:par>
+                            </p:childTnLst>
+                          </p:cTn>
+                        </p:par>
+                      </p:childTnLst>
+                    </p:cTn>
+                  </p:par>
+                  <p:par>
+                    <p:cTn id="11" fill="hold">
+                      <p:stCondLst>
+                        <p:cond delay="indefinite"/>
+                      </p:stCondLst>
+                      <p:childTnLst>
+                        <p:par>
+                          <p:cTn id="12" fill="hold">
+                            <p:stCondLst>
+                              <p:cond delay="0"/>
+                            </p:stCondLst>
+                            <p:childTnLst>
+                              <p:par>
+                                <p:cTn id="13" presetID="10" presetClass="entr" presetSubtype="0" fill="hold" nodeType="clickEffect">
+                                  <p:stCondLst>
+                                    <p:cond delay="0"/>
+                                  </p:stCondLst>
+                                  <p:childTnLst>
+                                    <p:set>
+                                      <p:cBhvr>
+                                        <p:cTn id="14" dur="1" fill="hold">
+                                          <p:stCondLst>
+                                            <p:cond delay="0"/>
+                                          </p:stCondLst>
+                                        </p:cTn>
+                                        <p:tgtEl>
+                                          <p:spTgt spid="9"/>
+                                        </p:tgtEl>
+                                        <p:attrNameLst>
+                                          <p:attrName>style.visibility</p:attrName>
+                                        </p:attrNameLst>
+                                      </p:cBhvr>
+                                      <p:to>
+                                        <p:strVal val="visible"/>
+                                      </p:to>
+                                    </p:set>
+                                    <p:animEffect transition="in" filter="fade">
+                                      <p:cBhvr>
+                                        <p:cTn id="15" dur="500"/>
+                                        <p:tgtEl>
+                                          <p:spTgt spid="9"/>
+                                        </p:tgtEl>
+                                      </p:cBhvr>
+                                    </p:animEffect>
+                                  </p:childTnLst>
+                                </p:cTn>
+                              </p:par>
+                            </p:childTnLst>
+                          </p:cTn>
+                        </p:par>
+                      </p:childTnLst>
+                    </p:cTn>
+                  </p:par>
+                  <p:par>
+                    <p:cTn id="16" fill="hold">
+                      <p:stCondLst>
+                        <p:cond delay="indefinite"/>
+                      </p:stCondLst>
+                      <p:childTnLst>
+                        <p:par>
+                          <p:cTn id="17" fill="hold">
+                            <p:stCondLst>
+                              <p:cond delay="0"/>
+                            </p:stCondLst>
+                            <p:childTnLst>
+                              <p:par>
+                                <p:cTn id="18" presetID="10" presetClass="entr" presetSubtype="0" fill="hold" grpId="0" nodeType="clickEffect">
+                                  <p:stCondLst>
+                                    <p:cond delay="0"/>
+                                  </p:stCondLst>
+                                  <p:childTnLst>
+                                    <p:set>
+                                      <p:cBhvr>
+                                        <p:cTn id="19" dur="1" fill="hold">
+                                          <p:stCondLst>
+                                            <p:cond delay="0"/>
+                                          </p:stCondLst>
+                                        </p:cTn>
+                                        <p:tgtEl>
+                                          <p:spTgt spid="19"/>
+                                        </p:tgtEl>
+                                        <p:attrNameLst>
+                                          <p:attrName>style.visibility</p:attrName>
+                                        </p:attrNameLst>
+                                      </p:cBhvr>
+                                      <p:to>
+                                        <p:strVal val="visible"/>
+                                      </p:to>
+                                    </p:set>
+                                    <p:animEffect transition="in" filter="fade">
+                                      <p:cBhvr>
+                                        <p:cTn id="20" dur="500"/>
+                                        <p:tgtEl>
+                                          <p:spTgt spid="19"/>
+                                        </p:tgtEl>
+                                      </p:cBhvr>
+                                    </p:animEffect>
+                                  </p:childTnLst>
+                                </p:cTn>
+                              </p:par>
+                              <p:par>
+                                <p:cTn id="21" presetID="10" presetClass="entr" presetSubtype="0" fill="hold" grpId="0" nodeType="withEffect">
+                                  <p:stCondLst>
+                                    <p:cond delay="0"/>
+                                  </p:stCondLst>
+                                  <p:childTnLst>
+                                    <p:set>
+                                      <p:cBhvr>
+                                        <p:cTn id="22" dur="1" fill="hold">
+                                          <p:stCondLst>
+                                            <p:cond delay="0"/>
+                                          </p:stCondLst>
+                                        </p:cTn>
+                                        <p:tgtEl>
+                                          <p:spTgt spid="7"/>
+                                        </p:tgtEl>
+                                        <p:attrNameLst>
+                                          <p:attrName>style.visibility</p:attrName>
+                                        </p:attrNameLst>
+                                      </p:cBhvr>
+                                      <p:to>
+                                        <p:strVal val="visible"/>
+                                      </p:to>
+                                    </p:set>
+                                    <p:animEffect transition="in" filter="fade">
+                                      <p:cBhvr>
+                                        <p:cTn id="23" dur="500"/>
+                                        <p:tgtEl>
+                                          <p:spTgt spid="7"/>
+                                        </p:tgtEl>
+                                      </p:cBhvr>
+                                    </p:animEffect>
+                                  </p:childTnLst>
+                                </p:cTn>
+                              </p:par>
+                              <p:par>
+                                <p:cTn id="24" presetID="10" presetClass="entr" presetSubtype="0" fill="hold" grpId="0" nodeType="withEffect">
+                                  <p:stCondLst>
+                                    <p:cond delay="0"/>
+                                  </p:stCondLst>
+                                  <p:childTnLst>
+                                    <p:set>
+                                      <p:cBhvr>
+                                        <p:cTn id="25" dur="1" fill="hold">
+                                          <p:stCondLst>
+                                            <p:cond delay="0"/>
+                                          </p:stCondLst>
+                                        </p:cTn>
+                                        <p:tgtEl>
+                                          <p:spTgt spid="17"/>
+                                        </p:tgtEl>
+                                        <p:attrNameLst>
+                                          <p:attrName>style.visibility</p:attrName>
+                                        </p:attrNameLst>
+                                      </p:cBhvr>
+                                      <p:to>
+                                        <p:strVal val="visible"/>
+                                      </p:to>
+                                    </p:set>
+                                    <p:animEffect transition="in" filter="fade">
+                                      <p:cBhvr>
+                                        <p:cTn id="26" dur="500"/>
+                                        <p:tgtEl>
+                                          <p:spTgt spid="17"/>
+                                        </p:tgtEl>
+                                      </p:cBhvr>
+                                    </p:animEffect>
+                                  </p:childTnLst>
+                                </p:cTn>
+                              </p:par>
+                              <p:par>
+                                <p:cTn id="27" presetID="10" presetClass="entr" presetSubtype="0" fill="hold" grpId="0" nodeType="withEffect">
+                                  <p:stCondLst>
+                                    <p:cond delay="0"/>
+                                  </p:stCondLst>
+                                  <p:childTnLst>
+                                    <p:set>
+                                      <p:cBhvr>
+                                        <p:cTn id="28" dur="1" fill="hold">
+                                          <p:stCondLst>
+                                            <p:cond delay="0"/>
+                                          </p:stCondLst>
+                                        </p:cTn>
+                                        <p:tgtEl>
+                                          <p:spTgt spid="23"/>
+                                        </p:tgtEl>
+                                        <p:attrNameLst>
+                                          <p:attrName>style.visibility</p:attrName>
+                                        </p:attrNameLst>
+                                      </p:cBhvr>
+                                      <p:to>
+                                        <p:strVal val="visible"/>
+                                      </p:to>
+                                    </p:set>
+                                    <p:animEffect transition="in" filter="fade">
+                                      <p:cBhvr>
+                                        <p:cTn id="29" dur="500"/>
+                                        <p:tgtEl>
+                                          <p:spTgt spid="23"/>
+                                        </p:tgtEl>
+                                      </p:cBhvr>
+                                    </p:animEffect>
+                                  </p:childTnLst>
+                                </p:cTn>
+                              </p:par>
+                            </p:childTnLst>
+                          </p:cTn>
+                        </p:par>
+                      </p:childTnLst>
+                    </p:cTn>
+                  </p:par>
+                  <p:par>
+                    <p:cTn id="30" fill="hold">
+                      <p:stCondLst>
+                        <p:cond delay="indefinite"/>
+                      </p:stCondLst>
+                      <p:childTnLst>
+                        <p:par>
+                          <p:cTn id="31" fill="hold">
+                            <p:stCondLst>
+                              <p:cond delay="0"/>
+                            </p:stCondLst>
+                            <p:childTnLst>
+                              <p:par>
+                                <p:cTn id="32" presetID="10" presetClass="entr" presetSubtype="0" fill="hold" grpId="0" nodeType="clickEffect">
+                                  <p:stCondLst>
+                                    <p:cond delay="0"/>
+                                  </p:stCondLst>
+                                  <p:childTnLst>
+                                    <p:set>
+                                      <p:cBhvr>
+                                        <p:cTn id="33" dur="1" fill="hold">
+                                          <p:stCondLst>
+                                            <p:cond delay="0"/>
+                                          </p:stCondLst>
+                                        </p:cTn>
+                                        <p:tgtEl>
+                                          <p:spTgt spid="20"/>
+                                        </p:tgtEl>
+                                        <p:attrNameLst>
+                                          <p:attrName>style.visibility</p:attrName>
+                                        </p:attrNameLst>
+                                      </p:cBhvr>
+                                      <p:to>
+                                        <p:strVal val="visible"/>
+                                      </p:to>
+                                    </p:set>
+                                    <p:animEffect transition="in" filter="fade">
+                                      <p:cBhvr>
+                                        <p:cTn id="34" dur="500"/>
+                                        <p:tgtEl>
+                                          <p:spTgt spid="20"/>
+                                        </p:tgtEl>
+                                      </p:cBhvr>
+                                    </p:animEffect>
+                                  </p:childTnLst>
+                                </p:cTn>
+                              </p:par>
+                              <p:par>
+                                <p:cTn id="35" presetID="10" presetClass="entr" presetSubtype="0" fill="hold" grpId="0" nodeType="withEffect">
+                                  <p:stCondLst>
+                                    <p:cond delay="0"/>
+                                  </p:stCondLst>
+                                  <p:childTnLst>
+                                    <p:set>
+                                      <p:cBhvr>
+                                        <p:cTn id="36" dur="1" fill="hold">
+                                          <p:stCondLst>
+                                            <p:cond delay="0"/>
+                                          </p:stCondLst>
+                                        </p:cTn>
+                                        <p:tgtEl>
+                                          <p:spTgt spid="14"/>
+                                        </p:tgtEl>
+                                        <p:attrNameLst>
+                                          <p:attrName>style.visibility</p:attrName>
+                                        </p:attrNameLst>
+                                      </p:cBhvr>
+                                      <p:to>
+                                        <p:strVal val="visible"/>
+                                      </p:to>
+                                    </p:set>
+                                    <p:animEffect transition="in" filter="fade">
+                                      <p:cBhvr>
+                                        <p:cTn id="37" dur="500"/>
+                                        <p:tgtEl>
+                                          <p:spTgt spid="14"/>
+                                        </p:tgtEl>
+                                      </p:cBhvr>
+                                    </p:animEffect>
+                                  </p:childTnLst>
+                                </p:cTn>
+                              </p:par>
+                              <p:par>
+                                <p:cTn id="38" presetID="10" presetClass="entr" presetSubtype="0" fill="hold" grpId="0" nodeType="withEffect">
+                                  <p:stCondLst>
+                                    <p:cond delay="0"/>
+                                  </p:stCondLst>
+                                  <p:childTnLst>
+                                    <p:set>
+                                      <p:cBhvr>
+                                        <p:cTn id="39" dur="1" fill="hold">
+                                          <p:stCondLst>
+                                            <p:cond delay="0"/>
+                                          </p:stCondLst>
+                                        </p:cTn>
+                                        <p:tgtEl>
+                                          <p:spTgt spid="24"/>
+                                        </p:tgtEl>
+                                        <p:attrNameLst>
+                                          <p:attrName>style.visibility</p:attrName>
+                                        </p:attrNameLst>
+                                      </p:cBhvr>
+                                      <p:to>
+                                        <p:strVal val="visible"/>
+                                      </p:to>
+                                    </p:set>
+                                    <p:animEffect transition="in" filter="fade">
+                                      <p:cBhvr>
+                                        <p:cTn id="40" dur="500"/>
+                                        <p:tgtEl>
+                                          <p:spTgt spid="24"/>
+                                        </p:tgtEl>
+                                      </p:cBhvr>
+                                    </p:animEffect>
+                                  </p:childTnLst>
+                                </p:cTn>
+                              </p:par>
+                              <p:par>
+                                <p:cTn id="41" presetID="10" presetClass="entr" presetSubtype="0" fill="hold" grpId="0" nodeType="withEffect">
+                                  <p:stCondLst>
+                                    <p:cond delay="0"/>
+                                  </p:stCondLst>
+                                  <p:childTnLst>
+                                    <p:set>
+                                      <p:cBhvr>
+                                        <p:cTn id="42" dur="1" fill="hold">
+                                          <p:stCondLst>
+                                            <p:cond delay="0"/>
+                                          </p:stCondLst>
+                                        </p:cTn>
+                                        <p:tgtEl>
+                                          <p:spTgt spid="18"/>
+                                        </p:tgtEl>
+                                        <p:attrNameLst>
+                                          <p:attrName>style.visibility</p:attrName>
+                                        </p:attrNameLst>
+                                      </p:cBhvr>
+                                      <p:to>
+                                        <p:strVal val="visible"/>
+                                      </p:to>
+                                    </p:set>
+                                    <p:animEffect transition="in" filter="fade">
+                                      <p:cBhvr>
+                                        <p:cTn id="43" dur="500"/>
+                                        <p:tgtEl>
+                                          <p:spTgt spid="18"/>
+                                        </p:tgtEl>
+                                      </p:cBhvr>
+                                    </p:animEffect>
+                                  </p:childTnLst>
+                                </p:cTn>
+                              </p:par>
+                              <p:par>
+                                <p:cTn id="44" presetID="10" presetClass="entr" presetSubtype="0" fill="hold" grpId="0" nodeType="withEffect">
+                                  <p:stCondLst>
+                                    <p:cond delay="0"/>
+                                  </p:stCondLst>
+                                  <p:childTnLst>
+                                    <p:set>
+                                      <p:cBhvr>
+                                        <p:cTn id="45" dur="1" fill="hold">
+                                          <p:stCondLst>
+                                            <p:cond delay="0"/>
+                                          </p:stCondLst>
+                                        </p:cTn>
+                                        <p:tgtEl>
+                                          <p:spTgt spid="27"/>
+                                        </p:tgtEl>
+                                        <p:attrNameLst>
+                                          <p:attrName>style.visibility</p:attrName>
+                                        </p:attrNameLst>
+                                      </p:cBhvr>
+                                      <p:to>
+                                        <p:strVal val="visible"/>
+                                      </p:to>
+                                    </p:set>
+                                    <p:animEffect transition="in" filter="fade">
+                                      <p:cBhvr>
+                                        <p:cTn id="46" dur="500"/>
+                                        <p:tgtEl>
+                                          <p:spTgt spid="27"/>
+                                        </p:tgtEl>
+                                      </p:cBhvr>
+                                    </p:animEffect>
+                                  </p:childTnLst>
+                                </p:cTn>
+                              </p:par>
+                            </p:childTnLst>
+                          </p:cTn>
+                        </p:par>
+                      </p:childTnLst>
+                    </p:cTn>
+                  </p:par>
+                  <p:par>
+                    <p:cTn id="47" fill="hold">
+                      <p:stCondLst>
+                        <p:cond delay="indefinite"/>
+                      </p:stCondLst>
+                      <p:childTnLst>
+                        <p:par>
+                          <p:cTn id="48" fill="hold">
+                            <p:stCondLst>
+                              <p:cond delay="0"/>
+                            </p:stCondLst>
+                            <p:childTnLst>
+                              <p:par>
+                                <p:cTn id="49" presetID="10" presetClass="entr" presetSubtype="0" fill="hold" grpId="0" nodeType="clickEffect">
+                                  <p:stCondLst>
+                                    <p:cond delay="0"/>
+                                  </p:stCondLst>
+                                  <p:childTnLst>
+                                    <p:set>
+                                      <p:cBhvr>
+                                        <p:cTn id="50" dur="1" fill="hold">
+                                          <p:stCondLst>
+                                            <p:cond delay="0"/>
+                                          </p:stCondLst>
+                                        </p:cTn>
+                                        <p:tgtEl>
+                                          <p:spTgt spid="15"/>
+                                        </p:tgtEl>
+                                        <p:attrNameLst>
+                                          <p:attrName>style.visibility</p:attrName>
+                                        </p:attrNameLst>
+                                      </p:cBhvr>
+                                      <p:to>
+                                        <p:strVal val="visible"/>
+                                      </p:to>
+                                    </p:set>
+                                    <p:animEffect transition="in" filter="fade">
+                                      <p:cBhvr>
+                                        <p:cTn id="51" dur="500"/>
+                                        <p:tgtEl>
+                                          <p:spTgt spid="15"/>
+                                        </p:tgtEl>
+                                      </p:cBhvr>
+                                    </p:animEffect>
+                                  </p:childTnLst>
+                                </p:cTn>
+                              </p:par>
+                              <p:par>
+                                <p:cTn id="52" presetID="10" presetClass="entr" presetSubtype="0" fill="hold" grpId="0" nodeType="withEffect">
+                                  <p:stCondLst>
+                                    <p:cond delay="0"/>
+                                  </p:stCondLst>
+                                  <p:childTnLst>
+                                    <p:set>
+                                      <p:cBhvr>
+                                        <p:cTn id="53" dur="1" fill="hold">
+                                          <p:stCondLst>
+                                            <p:cond delay="0"/>
+                                          </p:stCondLst>
+                                        </p:cTn>
+                                        <p:tgtEl>
+                                          <p:spTgt spid="22"/>
+                                        </p:tgtEl>
+                                        <p:attrNameLst>
+                                          <p:attrName>style.visibility</p:attrName>
+                                        </p:attrNameLst>
+                                      </p:cBhvr>
+                                      <p:to>
+                                        <p:strVal val="visible"/>
+                                      </p:to>
+                                    </p:set>
+                                    <p:animEffect transition="in" filter="fade">
+                                      <p:cBhvr>
+                                        <p:cTn id="54" dur="500"/>
+                                        <p:tgtEl>
+                                          <p:spTgt spid="22"/>
+                                        </p:tgtEl>
+                                      </p:cBhvr>
+                                    </p:animEffect>
+                                  </p:childTnLst>
+                                </p:cTn>
+                              </p:par>
+                              <p:par>
+                                <p:cTn id="55" presetID="10" presetClass="entr" presetSubtype="0" fill="hold" grpId="0" nodeType="withEffect">
+                                  <p:stCondLst>
+                                    <p:cond delay="0"/>
+                                  </p:stCondLst>
+                                  <p:childTnLst>
+                                    <p:set>
+                                      <p:cBhvr>
+                                        <p:cTn id="56" dur="1" fill="hold">
+                                          <p:stCondLst>
+                                            <p:cond delay="0"/>
+                                          </p:stCondLst>
+                                        </p:cTn>
+                                        <p:tgtEl>
+                                          <p:spTgt spid="16"/>
+                                        </p:tgtEl>
+                                        <p:attrNameLst>
+                                          <p:attrName>style.visibility</p:attrName>
+                                        </p:attrNameLst>
+                                      </p:cBhvr>
+                                      <p:to>
+                                        <p:strVal val="visible"/>
+                                      </p:to>
+                                    </p:set>
+                                    <p:animEffect transition="in" filter="fade">
+                                      <p:cBhvr>
+                                        <p:cTn id="57" dur="500"/>
+                                        <p:tgtEl>
+                                          <p:spTgt spid="16"/>
+                                        </p:tgtEl>
+                                      </p:cBhvr>
+                                    </p:animEffect>
+                                  </p:childTnLst>
+                                </p:cTn>
+                              </p:par>
+                              <p:par>
+                                <p:cTn id="58" presetID="10" presetClass="entr" presetSubtype="0" fill="hold" grpId="0" nodeType="withEffect">
+                                  <p:stCondLst>
+                                    <p:cond delay="0"/>
+                                  </p:stCondLst>
+                                  <p:childTnLst>
+                                    <p:set>
+                                      <p:cBhvr>
+                                        <p:cTn id="59" dur="1" fill="hold">
+                                          <p:stCondLst>
+                                            <p:cond delay="0"/>
+                                          </p:stCondLst>
+                                        </p:cTn>
+                                        <p:tgtEl>
+                                          <p:spTgt spid="25"/>
+                                        </p:tgtEl>
+                                        <p:attrNameLst>
+                                          <p:attrName>style.visibility</p:attrName>
+                                        </p:attrNameLst>
+                                      </p:cBhvr>
+                                      <p:to>
+                                        <p:strVal val="visible"/>
+                                      </p:to>
+                                    </p:set>
+                                    <p:animEffect transition="in" filter="fade">
+                                      <p:cBhvr>
+                                        <p:cTn id="60" dur="500"/>
+                                        <p:tgtEl>
+                                          <p:spTgt spid="25"/>
+                                        </p:tgtEl>
+                                      </p:cBhvr>
+                                    </p:animEffect>
+                                  </p:childTnLst>
+                                </p:cTn>
+                              </p:par>
+                            </p:childTnLst>
+                          </p:cTn>
+                        </p:par>
+                      </p:childTnLst>
+                    </p:cTn>
+                  </p:par>
+                </p:childTnLst>
+              </p:cTn>
+              <p:prevCondLst>
+                <p:cond evt="onPrev" delay="0">
+                  <p:tgtEl>
+                    <p:sldTgt/>
+                  </p:tgtEl>
+                </p:cond>
+              </p:prevCondLst>
+              <p:nextCondLst>
+                <p:cond evt="onNext" delay="0">
+                  <p:tgtEl>
+                    <p:sldTgt/>
+                  </p:tgtEl>
+                </p:cond>
+              </p:nextCondLst>
+            </p:seq>
+          </p:childTnLst>
+        </p:cTn>
+      </p:par>
+    </p:tnLst>
+    <p:bldLst>
+      <p:bldP spid="12" grpId="0" animBg="1"/>
+      <p:bldP spid="6" grpId="0"/>
+      <p:bldP spid="7" grpId="0" animBg="1"/>
+      <p:bldP spid="14" grpId="0" animBg="1"/>
+      <p:bldP spid="15" grpId="0" animBg="1"/>
+      <p:bldP spid="16" grpId="0" animBg="1"/>
+      <p:bldP spid="17" grpId="0" animBg="1"/>
+      <p:bldP spid="18" grpId="0" animBg="1"/>
+      <p:bldP spid="19" grpId="0" animBg="1"/>
+      <p:bldP spid="20" grpId="0" animBg="1"/>
+      <p:bldP spid="22" grpId="0" animBg="1"/>
+      <p:bldP spid="23" grpId="0"/>
+      <p:bldP spid="24" grpId="0"/>
+      <p:bldP spid="25" grpId="0"/>
+      <p:bldP spid="27" grpId="0"/>
+    </p:bldLst>
+  </p:timing>
 </p:sld>
 </file>
 
@@ -29379,13 +31399,13 @@
         </p:spPr>
         <p:txBody>
           <a:bodyPr>
-            <a:normAutofit/>
+            <a:normAutofit fontScale="90000"/>
           </a:bodyPr>
           <a:lstStyle/>
           <a:p>
             <a:r>
               <a:rPr lang="it-IT" sz="4800" dirty="0"/>
-              <a:t>Attacco singolo alla posizione: Risultati</a:t>
+              <a:t>Attacco singolo alla posizione: Risultati Studio</a:t>
             </a:r>
           </a:p>
         </p:txBody>
@@ -30056,7 +32076,234 @@
           </a:bodyPr>
           <a:lstStyle/>
           <a:p>
-            <a:endParaRPr lang="it-IT" sz="2200"/>
+            <a:r>
+              <a:rPr lang="it-IT" sz="2200" b="1" dirty="0"/>
+              <a:t>Configurazione</a:t>
+            </a:r>
+          </a:p>
+          <a:p>
+            <a:endParaRPr lang="it-IT" sz="2200" b="1" dirty="0"/>
+          </a:p>
+        </p:txBody>
+      </p:sp>
+      <p:sp>
+        <p:nvSpPr>
+          <p:cNvPr id="7" name="CasellaDiTesto 3">
+            <a:extLst>
+              <a:ext uri="{FF2B5EF4-FFF2-40B4-BE49-F238E27FC236}">
+                <a16:creationId xmlns:a16="http://schemas.microsoft.com/office/drawing/2014/main" id="{5A0A5F8A-C6A0-4060-BBF1-ABDD3962477F}"/>
+              </a:ext>
+            </a:extLst>
+          </p:cNvPr>
+          <p:cNvSpPr txBox="1"/>
+          <p:nvPr/>
+        </p:nvSpPr>
+        <p:spPr>
+          <a:xfrm>
+            <a:off x="1117916" y="2399885"/>
+            <a:ext cx="3253046" cy="1021556"/>
+          </a:xfrm>
+          <a:prstGeom prst="roundRect">
+            <a:avLst/>
+          </a:prstGeom>
+          <a:noFill/>
+          <a:ln w="12700">
+            <a:solidFill>
+              <a:schemeClr val="accent2"/>
+            </a:solidFill>
+            <a:prstDash val="dash"/>
+          </a:ln>
+        </p:spPr>
+        <p:txBody>
+          <a:bodyPr wrap="square" rtlCol="0">
+            <a:spAutoFit/>
+          </a:bodyPr>
+          <a:lstStyle/>
+          <a:p>
+            <a:pPr algn="l"/>
+            <a:r>
+              <a:rPr lang="en-US" b="0" i="0" dirty="0" err="1">
+                <a:effectLst/>
+                <a:latin typeface="Segoe UI" panose="020B0502040204020203" pitchFamily="34" charset="0"/>
+              </a:rPr>
+              <a:t>Attack_time</a:t>
+            </a:r>
+            <a:r>
+              <a:rPr lang="en-US" b="0" i="0" dirty="0">
+                <a:effectLst/>
+                <a:latin typeface="Segoe UI" panose="020B0502040204020203" pitchFamily="34" charset="0"/>
+              </a:rPr>
+              <a:t>: 20s</a:t>
+            </a:r>
+          </a:p>
+          <a:p>
+            <a:pPr algn="l"/>
+            <a:r>
+              <a:rPr lang="en-US" b="0" i="0" dirty="0" err="1">
+                <a:effectLst/>
+                <a:latin typeface="Segoe UI" panose="020B0502040204020203" pitchFamily="34" charset="0"/>
+              </a:rPr>
+              <a:t>Attack_value</a:t>
+            </a:r>
+            <a:r>
+              <a:rPr lang="en-US" b="0" i="0" dirty="0">
+                <a:effectLst/>
+                <a:latin typeface="Segoe UI" panose="020B0502040204020203" pitchFamily="34" charset="0"/>
+              </a:rPr>
+              <a:t>: [0… 200] step 1</a:t>
+            </a:r>
+          </a:p>
+          <a:p>
+            <a:pPr algn="l"/>
+            <a:r>
+              <a:rPr lang="en-US" dirty="0" err="1">
+                <a:latin typeface="Segoe UI" panose="020B0502040204020203" pitchFamily="34" charset="0"/>
+              </a:rPr>
+              <a:t>Simulation_time</a:t>
+            </a:r>
+            <a:r>
+              <a:rPr lang="en-US" dirty="0">
+                <a:latin typeface="Segoe UI" panose="020B0502040204020203" pitchFamily="34" charset="0"/>
+              </a:rPr>
+              <a:t> = [50s, 100s]</a:t>
+            </a:r>
+            <a:endParaRPr lang="en-US" b="0" i="0" dirty="0">
+              <a:effectLst/>
+              <a:latin typeface="Segoe UI" panose="020B0502040204020203" pitchFamily="34" charset="0"/>
+            </a:endParaRPr>
+          </a:p>
+        </p:txBody>
+      </p:sp>
+      <p:pic>
+        <p:nvPicPr>
+          <p:cNvPr id="11" name="Picture 10" descr="Table&#10;&#10;Description automatically generated">
+            <a:extLst>
+              <a:ext uri="{FF2B5EF4-FFF2-40B4-BE49-F238E27FC236}">
+                <a16:creationId xmlns:a16="http://schemas.microsoft.com/office/drawing/2014/main" id="{437659D1-C6C9-4B15-9244-CAF3098B1B94}"/>
+              </a:ext>
+            </a:extLst>
+          </p:cNvPr>
+          <p:cNvPicPr>
+            <a:picLocks noChangeAspect="1"/>
+          </p:cNvPicPr>
+          <p:nvPr/>
+        </p:nvPicPr>
+        <p:blipFill>
+          <a:blip r:embed="rId2">
+            <a:extLst>
+              <a:ext uri="{28A0092B-C50C-407E-A947-70E740481C1C}">
+                <a14:useLocalDpi xmlns:a14="http://schemas.microsoft.com/office/drawing/2010/main" val="0"/>
+              </a:ext>
+            </a:extLst>
+          </a:blip>
+          <a:stretch>
+            <a:fillRect/>
+          </a:stretch>
+        </p:blipFill>
+        <p:spPr>
+          <a:xfrm>
+            <a:off x="1117916" y="3579641"/>
+            <a:ext cx="7150467" cy="2654436"/>
+          </a:xfrm>
+          <a:prstGeom prst="rect">
+            <a:avLst/>
+          </a:prstGeom>
+        </p:spPr>
+      </p:pic>
+      <p:cxnSp>
+        <p:nvCxnSpPr>
+          <p:cNvPr id="5" name="Straight Arrow Connector 4">
+            <a:extLst>
+              <a:ext uri="{FF2B5EF4-FFF2-40B4-BE49-F238E27FC236}">
+                <a16:creationId xmlns:a16="http://schemas.microsoft.com/office/drawing/2014/main" id="{933B1B93-B65A-408E-9A2A-E73614F56E83}"/>
+              </a:ext>
+            </a:extLst>
+          </p:cNvPr>
+          <p:cNvCxnSpPr/>
+          <p:nvPr/>
+        </p:nvCxnSpPr>
+        <p:spPr>
+          <a:xfrm>
+            <a:off x="8359302" y="4792494"/>
+            <a:ext cx="1031132" cy="0"/>
+          </a:xfrm>
+          <a:prstGeom prst="straightConnector1">
+            <a:avLst/>
+          </a:prstGeom>
+          <a:ln>
+            <a:tailEnd type="triangle"/>
+          </a:ln>
+        </p:spPr>
+        <p:style>
+          <a:lnRef idx="1">
+            <a:schemeClr val="accent2"/>
+          </a:lnRef>
+          <a:fillRef idx="0">
+            <a:schemeClr val="accent2"/>
+          </a:fillRef>
+          <a:effectRef idx="0">
+            <a:schemeClr val="accent2"/>
+          </a:effectRef>
+          <a:fontRef idx="minor">
+            <a:schemeClr val="tx1"/>
+          </a:fontRef>
+        </p:style>
+      </p:cxnSp>
+      <p:sp>
+        <p:nvSpPr>
+          <p:cNvPr id="6" name="Rectangle: Rounded Corners 5">
+            <a:extLst>
+              <a:ext uri="{FF2B5EF4-FFF2-40B4-BE49-F238E27FC236}">
+                <a16:creationId xmlns:a16="http://schemas.microsoft.com/office/drawing/2014/main" id="{2C40A556-1161-4716-88E0-16F7F9B2CFCF}"/>
+              </a:ext>
+            </a:extLst>
+          </p:cNvPr>
+          <p:cNvSpPr/>
+          <p:nvPr/>
+        </p:nvSpPr>
+        <p:spPr>
+          <a:xfrm>
+            <a:off x="9547762" y="3973445"/>
+            <a:ext cx="2367064" cy="1569396"/>
+          </a:xfrm>
+          <a:prstGeom prst="roundRect">
+            <a:avLst/>
+          </a:prstGeom>
+          <a:solidFill>
+            <a:schemeClr val="accent2"/>
+          </a:solidFill>
+          <a:ln>
+            <a:solidFill>
+              <a:schemeClr val="accent2"/>
+            </a:solidFill>
+          </a:ln>
+        </p:spPr>
+        <p:style>
+          <a:lnRef idx="2">
+            <a:schemeClr val="accent1">
+              <a:shade val="50000"/>
+            </a:schemeClr>
+          </a:lnRef>
+          <a:fillRef idx="1">
+            <a:schemeClr val="accent1"/>
+          </a:fillRef>
+          <a:effectRef idx="0">
+            <a:schemeClr val="accent1"/>
+          </a:effectRef>
+          <a:fontRef idx="minor">
+            <a:schemeClr val="lt1"/>
+          </a:fontRef>
+        </p:style>
+        <p:txBody>
+          <a:bodyPr rtlCol="0" anchor="ctr"/>
+          <a:lstStyle/>
+          <a:p>
+            <a:pPr algn="ctr"/>
+            <a:r>
+              <a:rPr lang="it-IT" dirty="0"/>
+              <a:t>Nel dominio di interesse un incidente è molto probabile</a:t>
+            </a:r>
+            <a:endParaRPr lang="en-GB" dirty="0"/>
           </a:p>
         </p:txBody>
       </p:sp>
@@ -30070,6 +32317,278 @@
   <p:clrMapOvr>
     <a:masterClrMapping/>
   </p:clrMapOvr>
+  <p:timing>
+    <p:tnLst>
+      <p:par>
+        <p:cTn id="1" dur="indefinite" restart="never" nodeType="tmRoot">
+          <p:childTnLst>
+            <p:seq concurrent="1" nextAc="seek">
+              <p:cTn id="2" dur="indefinite" nodeType="mainSeq">
+                <p:childTnLst>
+                  <p:par>
+                    <p:cTn id="3" fill="hold">
+                      <p:stCondLst>
+                        <p:cond delay="indefinite"/>
+                      </p:stCondLst>
+                      <p:childTnLst>
+                        <p:par>
+                          <p:cTn id="4" fill="hold">
+                            <p:stCondLst>
+                              <p:cond delay="0"/>
+                            </p:stCondLst>
+                            <p:childTnLst>
+                              <p:par>
+                                <p:cTn id="5" presetID="10" presetClass="entr" presetSubtype="0" fill="hold" grpId="0" nodeType="clickEffect">
+                                  <p:stCondLst>
+                                    <p:cond delay="0"/>
+                                  </p:stCondLst>
+                                  <p:childTnLst>
+                                    <p:set>
+                                      <p:cBhvr>
+                                        <p:cTn id="6" dur="1" fill="hold">
+                                          <p:stCondLst>
+                                            <p:cond delay="0"/>
+                                          </p:stCondLst>
+                                        </p:cTn>
+                                        <p:tgtEl>
+                                          <p:spTgt spid="7"/>
+                                        </p:tgtEl>
+                                        <p:attrNameLst>
+                                          <p:attrName>style.visibility</p:attrName>
+                                        </p:attrNameLst>
+                                      </p:cBhvr>
+                                      <p:to>
+                                        <p:strVal val="visible"/>
+                                      </p:to>
+                                    </p:set>
+                                    <p:animEffect transition="in" filter="fade">
+                                      <p:cBhvr>
+                                        <p:cTn id="7" dur="500"/>
+                                        <p:tgtEl>
+                                          <p:spTgt spid="7"/>
+                                        </p:tgtEl>
+                                      </p:cBhvr>
+                                    </p:animEffect>
+                                  </p:childTnLst>
+                                </p:cTn>
+                              </p:par>
+                              <p:par>
+                                <p:cTn id="8" presetID="10" presetClass="entr" presetSubtype="0" fill="hold" grpId="0" nodeType="withEffect">
+                                  <p:stCondLst>
+                                    <p:cond delay="0"/>
+                                  </p:stCondLst>
+                                  <p:childTnLst>
+                                    <p:set>
+                                      <p:cBhvr>
+                                        <p:cTn id="9" dur="1" fill="hold">
+                                          <p:stCondLst>
+                                            <p:cond delay="0"/>
+                                          </p:stCondLst>
+                                        </p:cTn>
+                                        <p:tgtEl>
+                                          <p:spTgt spid="3">
+                                            <p:txEl>
+                                              <p:pRg st="0" end="0"/>
+                                            </p:txEl>
+                                          </p:spTgt>
+                                        </p:tgtEl>
+                                        <p:attrNameLst>
+                                          <p:attrName>style.visibility</p:attrName>
+                                        </p:attrNameLst>
+                                      </p:cBhvr>
+                                      <p:to>
+                                        <p:strVal val="visible"/>
+                                      </p:to>
+                                    </p:set>
+                                    <p:animEffect transition="in" filter="fade">
+                                      <p:cBhvr>
+                                        <p:cTn id="10" dur="500"/>
+                                        <p:tgtEl>
+                                          <p:spTgt spid="3">
+                                            <p:txEl>
+                                              <p:pRg st="0" end="0"/>
+                                            </p:txEl>
+                                          </p:spTgt>
+                                        </p:tgtEl>
+                                      </p:cBhvr>
+                                    </p:animEffect>
+                                  </p:childTnLst>
+                                </p:cTn>
+                              </p:par>
+                            </p:childTnLst>
+                          </p:cTn>
+                        </p:par>
+                      </p:childTnLst>
+                    </p:cTn>
+                  </p:par>
+                  <p:par>
+                    <p:cTn id="11" fill="hold">
+                      <p:stCondLst>
+                        <p:cond delay="indefinite"/>
+                      </p:stCondLst>
+                      <p:childTnLst>
+                        <p:par>
+                          <p:cTn id="12" fill="hold">
+                            <p:stCondLst>
+                              <p:cond delay="0"/>
+                            </p:stCondLst>
+                            <p:childTnLst>
+                              <p:par>
+                                <p:cTn id="13" presetID="10" presetClass="entr" presetSubtype="0" fill="hold" nodeType="clickEffect">
+                                  <p:stCondLst>
+                                    <p:cond delay="0"/>
+                                  </p:stCondLst>
+                                  <p:childTnLst>
+                                    <p:set>
+                                      <p:cBhvr>
+                                        <p:cTn id="14" dur="1" fill="hold">
+                                          <p:stCondLst>
+                                            <p:cond delay="0"/>
+                                          </p:stCondLst>
+                                        </p:cTn>
+                                        <p:tgtEl>
+                                          <p:spTgt spid="11"/>
+                                        </p:tgtEl>
+                                        <p:attrNameLst>
+                                          <p:attrName>style.visibility</p:attrName>
+                                        </p:attrNameLst>
+                                      </p:cBhvr>
+                                      <p:to>
+                                        <p:strVal val="visible"/>
+                                      </p:to>
+                                    </p:set>
+                                    <p:animEffect transition="in" filter="fade">
+                                      <p:cBhvr>
+                                        <p:cTn id="15" dur="500"/>
+                                        <p:tgtEl>
+                                          <p:spTgt spid="11"/>
+                                        </p:tgtEl>
+                                      </p:cBhvr>
+                                    </p:animEffect>
+                                  </p:childTnLst>
+                                </p:cTn>
+                              </p:par>
+                            </p:childTnLst>
+                          </p:cTn>
+                        </p:par>
+                      </p:childTnLst>
+                    </p:cTn>
+                  </p:par>
+                  <p:par>
+                    <p:cTn id="16" fill="hold">
+                      <p:stCondLst>
+                        <p:cond delay="indefinite"/>
+                      </p:stCondLst>
+                      <p:childTnLst>
+                        <p:par>
+                          <p:cTn id="17" fill="hold">
+                            <p:stCondLst>
+                              <p:cond delay="0"/>
+                            </p:stCondLst>
+                            <p:childTnLst>
+                              <p:par>
+                                <p:cTn id="18" presetID="10" presetClass="entr" presetSubtype="0" fill="hold" nodeType="clickEffect">
+                                  <p:stCondLst>
+                                    <p:cond delay="0"/>
+                                  </p:stCondLst>
+                                  <p:childTnLst>
+                                    <p:set>
+                                      <p:cBhvr>
+                                        <p:cTn id="19" dur="1" fill="hold">
+                                          <p:stCondLst>
+                                            <p:cond delay="0"/>
+                                          </p:stCondLst>
+                                        </p:cTn>
+                                        <p:tgtEl>
+                                          <p:spTgt spid="5"/>
+                                        </p:tgtEl>
+                                        <p:attrNameLst>
+                                          <p:attrName>style.visibility</p:attrName>
+                                        </p:attrNameLst>
+                                      </p:cBhvr>
+                                      <p:to>
+                                        <p:strVal val="visible"/>
+                                      </p:to>
+                                    </p:set>
+                                    <p:animEffect transition="in" filter="fade">
+                                      <p:cBhvr>
+                                        <p:cTn id="20" dur="500"/>
+                                        <p:tgtEl>
+                                          <p:spTgt spid="5"/>
+                                        </p:tgtEl>
+                                      </p:cBhvr>
+                                    </p:animEffect>
+                                  </p:childTnLst>
+                                </p:cTn>
+                              </p:par>
+                              <p:par>
+                                <p:cTn id="21" presetID="10" presetClass="entr" presetSubtype="0" fill="hold" grpId="0" nodeType="withEffect">
+                                  <p:stCondLst>
+                                    <p:cond delay="0"/>
+                                  </p:stCondLst>
+                                  <p:childTnLst>
+                                    <p:set>
+                                      <p:cBhvr>
+                                        <p:cTn id="22" dur="1" fill="hold">
+                                          <p:stCondLst>
+                                            <p:cond delay="0"/>
+                                          </p:stCondLst>
+                                        </p:cTn>
+                                        <p:tgtEl>
+                                          <p:spTgt spid="6"/>
+                                        </p:tgtEl>
+                                        <p:attrNameLst>
+                                          <p:attrName>style.visibility</p:attrName>
+                                        </p:attrNameLst>
+                                      </p:cBhvr>
+                                      <p:to>
+                                        <p:strVal val="visible"/>
+                                      </p:to>
+                                    </p:set>
+                                    <p:animEffect transition="in" filter="fade">
+                                      <p:cBhvr>
+                                        <p:cTn id="23" dur="500"/>
+                                        <p:tgtEl>
+                                          <p:spTgt spid="6"/>
+                                        </p:tgtEl>
+                                      </p:cBhvr>
+                                    </p:animEffect>
+                                  </p:childTnLst>
+                                </p:cTn>
+                              </p:par>
+                            </p:childTnLst>
+                          </p:cTn>
+                        </p:par>
+                      </p:childTnLst>
+                    </p:cTn>
+                  </p:par>
+                </p:childTnLst>
+              </p:cTn>
+              <p:prevCondLst>
+                <p:cond evt="onPrev" delay="0">
+                  <p:tgtEl>
+                    <p:sldTgt/>
+                  </p:tgtEl>
+                </p:cond>
+              </p:prevCondLst>
+              <p:nextCondLst>
+                <p:cond evt="onNext" delay="0">
+                  <p:tgtEl>
+                    <p:sldTgt/>
+                  </p:tgtEl>
+                </p:cond>
+              </p:nextCondLst>
+            </p:seq>
+          </p:childTnLst>
+        </p:cTn>
+      </p:par>
+    </p:tnLst>
+    <p:bldLst>
+      <p:bldP spid="3" grpId="0" build="p"/>
+      <p:bldP spid="7" grpId="0" animBg="1"/>
+      <p:bldP spid="6" grpId="0" animBg="1"/>
+    </p:bldLst>
+  </p:timing>
 </p:sld>
 </file>
 
@@ -30182,13 +32701,13 @@
         </p:spPr>
         <p:txBody>
           <a:bodyPr>
-            <a:normAutofit/>
+            <a:normAutofit fontScale="90000"/>
           </a:bodyPr>
           <a:lstStyle/>
           <a:p>
             <a:r>
               <a:rPr lang="it-IT" sz="4800" dirty="0"/>
-              <a:t>Attacco multiplo alla posizione</a:t>
+              <a:t>Attacco multiplo alla posizione: studio comportamento</a:t>
             </a:r>
           </a:p>
         </p:txBody>
@@ -30860,12 +33379,399 @@
           <a:lstStyle/>
           <a:p>
             <a:r>
-              <a:rPr lang="it-IT" sz="2400" dirty="0"/>
-              <a:t>Attacco multiplo: La condizione di attacco permane dall’istante dell’attacco per una certa durata fissata. L’attacco si verifica per più di una volta in una stessa simulazione, a una certa distanza l’uno dall’altro</a:t>
+              <a:rPr lang="it-IT" sz="2000" b="1" dirty="0"/>
+              <a:t>Configurazione</a:t>
             </a:r>
           </a:p>
           <a:p>
-            <a:endParaRPr lang="it-IT" sz="2200" dirty="0"/>
+            <a:endParaRPr lang="it-IT" sz="2000" b="1" dirty="0"/>
+          </a:p>
+          <a:p>
+            <a:endParaRPr lang="it-IT" sz="2000" b="1" dirty="0"/>
+          </a:p>
+          <a:p>
+            <a:endParaRPr lang="it-IT" sz="2000" b="1" dirty="0"/>
+          </a:p>
+          <a:p>
+            <a:endParaRPr lang="it-IT" sz="2000" b="1" dirty="0"/>
+          </a:p>
+        </p:txBody>
+      </p:sp>
+      <p:sp>
+        <p:nvSpPr>
+          <p:cNvPr id="6" name="CasellaDiTesto 3">
+            <a:extLst>
+              <a:ext uri="{FF2B5EF4-FFF2-40B4-BE49-F238E27FC236}">
+                <a16:creationId xmlns:a16="http://schemas.microsoft.com/office/drawing/2014/main" id="{32D10D33-2ABE-4ED5-8A39-3E898910816D}"/>
+              </a:ext>
+            </a:extLst>
+          </p:cNvPr>
+          <p:cNvSpPr txBox="1"/>
+          <p:nvPr/>
+        </p:nvSpPr>
+        <p:spPr>
+          <a:xfrm>
+            <a:off x="1117916" y="2399885"/>
+            <a:ext cx="3253046" cy="1328023"/>
+          </a:xfrm>
+          <a:prstGeom prst="roundRect">
+            <a:avLst/>
+          </a:prstGeom>
+          <a:noFill/>
+          <a:ln w="12700">
+            <a:solidFill>
+              <a:schemeClr val="accent2"/>
+            </a:solidFill>
+            <a:prstDash val="dash"/>
+          </a:ln>
+        </p:spPr>
+        <p:txBody>
+          <a:bodyPr wrap="square" rtlCol="0">
+            <a:spAutoFit/>
+          </a:bodyPr>
+          <a:lstStyle/>
+          <a:p>
+            <a:pPr algn="l"/>
+            <a:r>
+              <a:rPr lang="en-US" b="0" i="0" dirty="0" err="1">
+                <a:effectLst/>
+                <a:latin typeface="Segoe UI" panose="020B0502040204020203" pitchFamily="34" charset="0"/>
+              </a:rPr>
+              <a:t>Attack_</a:t>
+            </a:r>
+            <a:r>
+              <a:rPr lang="en-US" dirty="0" err="1">
+                <a:latin typeface="Segoe UI" panose="020B0502040204020203" pitchFamily="34" charset="0"/>
+              </a:rPr>
+              <a:t>occurrencies</a:t>
+            </a:r>
+            <a:r>
+              <a:rPr lang="en-US" b="0" i="0" dirty="0">
+                <a:effectLst/>
+                <a:latin typeface="Segoe UI" panose="020B0502040204020203" pitchFamily="34" charset="0"/>
+              </a:rPr>
+              <a:t>: 3</a:t>
+            </a:r>
+          </a:p>
+          <a:p>
+            <a:pPr algn="l"/>
+            <a:r>
+              <a:rPr lang="en-US" b="0" i="0" dirty="0" err="1">
+                <a:effectLst/>
+                <a:latin typeface="Segoe UI" panose="020B0502040204020203" pitchFamily="34" charset="0"/>
+              </a:rPr>
+              <a:t>Attack_time</a:t>
+            </a:r>
+            <a:r>
+              <a:rPr lang="en-US" dirty="0">
+                <a:latin typeface="Segoe UI" panose="020B0502040204020203" pitchFamily="34" charset="0"/>
+              </a:rPr>
+              <a:t>: [30s, 50s, 70s]</a:t>
+            </a:r>
+          </a:p>
+          <a:p>
+            <a:pPr algn="l"/>
+            <a:r>
+              <a:rPr lang="en-US" b="0" i="0" dirty="0" err="1">
+                <a:effectLst/>
+                <a:latin typeface="Segoe UI" panose="020B0502040204020203" pitchFamily="34" charset="0"/>
+              </a:rPr>
+              <a:t>Attack_value</a:t>
+            </a:r>
+            <a:r>
+              <a:rPr lang="en-US" b="0" i="0" dirty="0">
+                <a:effectLst/>
+                <a:latin typeface="Segoe UI" panose="020B0502040204020203" pitchFamily="34" charset="0"/>
+              </a:rPr>
+              <a:t>: 200</a:t>
+            </a:r>
+          </a:p>
+          <a:p>
+            <a:pPr algn="l"/>
+            <a:r>
+              <a:rPr lang="en-US" dirty="0" err="1">
+                <a:latin typeface="Segoe UI" panose="020B0502040204020203" pitchFamily="34" charset="0"/>
+              </a:rPr>
+              <a:t>Attack_distance</a:t>
+            </a:r>
+            <a:r>
+              <a:rPr lang="en-US" dirty="0">
+                <a:latin typeface="Segoe UI" panose="020B0502040204020203" pitchFamily="34" charset="0"/>
+              </a:rPr>
+              <a:t>: 5s</a:t>
+            </a:r>
+          </a:p>
+        </p:txBody>
+      </p:sp>
+      <p:sp>
+        <p:nvSpPr>
+          <p:cNvPr id="4" name="Rectangle: Rounded Corners 3">
+            <a:extLst>
+              <a:ext uri="{FF2B5EF4-FFF2-40B4-BE49-F238E27FC236}">
+                <a16:creationId xmlns:a16="http://schemas.microsoft.com/office/drawing/2014/main" id="{A27DD503-0B04-4D4A-88C4-96026F037F12}"/>
+              </a:ext>
+            </a:extLst>
+          </p:cNvPr>
+          <p:cNvSpPr/>
+          <p:nvPr/>
+        </p:nvSpPr>
+        <p:spPr>
+          <a:xfrm>
+            <a:off x="1403350" y="4666277"/>
+            <a:ext cx="2368550" cy="1028700"/>
+          </a:xfrm>
+          <a:prstGeom prst="roundRect">
+            <a:avLst/>
+          </a:prstGeom>
+          <a:solidFill>
+            <a:schemeClr val="accent2"/>
+          </a:solidFill>
+          <a:ln>
+            <a:solidFill>
+              <a:schemeClr val="accent2"/>
+            </a:solidFill>
+          </a:ln>
+        </p:spPr>
+        <p:style>
+          <a:lnRef idx="2">
+            <a:schemeClr val="accent1">
+              <a:shade val="50000"/>
+            </a:schemeClr>
+          </a:lnRef>
+          <a:fillRef idx="1">
+            <a:schemeClr val="accent1"/>
+          </a:fillRef>
+          <a:effectRef idx="0">
+            <a:schemeClr val="accent1"/>
+          </a:effectRef>
+          <a:fontRef idx="minor">
+            <a:schemeClr val="lt1"/>
+          </a:fontRef>
+        </p:style>
+        <p:txBody>
+          <a:bodyPr rtlCol="0" anchor="ctr"/>
+          <a:lstStyle/>
+          <a:p>
+            <a:pPr algn="ctr"/>
+            <a:r>
+              <a:rPr lang="it-IT" dirty="0" err="1"/>
+              <a:t>Attack_time</a:t>
+            </a:r>
+            <a:r>
+              <a:rPr lang="it-IT" dirty="0"/>
+              <a:t> maggiore</a:t>
+            </a:r>
+            <a:endParaRPr lang="en-GB" dirty="0"/>
+          </a:p>
+        </p:txBody>
+      </p:sp>
+      <p:cxnSp>
+        <p:nvCxnSpPr>
+          <p:cNvPr id="9" name="Straight Arrow Connector 8">
+            <a:extLst>
+              <a:ext uri="{FF2B5EF4-FFF2-40B4-BE49-F238E27FC236}">
+                <a16:creationId xmlns:a16="http://schemas.microsoft.com/office/drawing/2014/main" id="{DB311F5D-C762-48DD-A75D-A0C87B08B49F}"/>
+              </a:ext>
+            </a:extLst>
+          </p:cNvPr>
+          <p:cNvCxnSpPr/>
+          <p:nvPr/>
+        </p:nvCxnSpPr>
+        <p:spPr>
+          <a:xfrm>
+            <a:off x="4038600" y="5180627"/>
+            <a:ext cx="1155700" cy="0"/>
+          </a:xfrm>
+          <a:prstGeom prst="straightConnector1">
+            <a:avLst/>
+          </a:prstGeom>
+          <a:ln>
+            <a:tailEnd type="triangle"/>
+          </a:ln>
+        </p:spPr>
+        <p:style>
+          <a:lnRef idx="1">
+            <a:schemeClr val="accent2"/>
+          </a:lnRef>
+          <a:fillRef idx="0">
+            <a:schemeClr val="accent2"/>
+          </a:fillRef>
+          <a:effectRef idx="0">
+            <a:schemeClr val="accent2"/>
+          </a:effectRef>
+          <a:fontRef idx="minor">
+            <a:schemeClr val="tx1"/>
+          </a:fontRef>
+        </p:style>
+      </p:cxnSp>
+      <p:sp>
+        <p:nvSpPr>
+          <p:cNvPr id="12" name="Rectangle: Rounded Corners 11">
+            <a:extLst>
+              <a:ext uri="{FF2B5EF4-FFF2-40B4-BE49-F238E27FC236}">
+                <a16:creationId xmlns:a16="http://schemas.microsoft.com/office/drawing/2014/main" id="{990D8650-C347-4226-898B-6802E0F9A613}"/>
+              </a:ext>
+            </a:extLst>
+          </p:cNvPr>
+          <p:cNvSpPr/>
+          <p:nvPr/>
+        </p:nvSpPr>
+        <p:spPr>
+          <a:xfrm>
+            <a:off x="5461000" y="4718050"/>
+            <a:ext cx="2368550" cy="1028700"/>
+          </a:xfrm>
+          <a:prstGeom prst="roundRect">
+            <a:avLst/>
+          </a:prstGeom>
+          <a:solidFill>
+            <a:schemeClr val="accent2"/>
+          </a:solidFill>
+          <a:ln>
+            <a:solidFill>
+              <a:schemeClr val="accent2"/>
+            </a:solidFill>
+          </a:ln>
+        </p:spPr>
+        <p:style>
+          <a:lnRef idx="2">
+            <a:schemeClr val="accent1">
+              <a:shade val="50000"/>
+            </a:schemeClr>
+          </a:lnRef>
+          <a:fillRef idx="1">
+            <a:schemeClr val="accent1"/>
+          </a:fillRef>
+          <a:effectRef idx="0">
+            <a:schemeClr val="accent1"/>
+          </a:effectRef>
+          <a:fontRef idx="minor">
+            <a:schemeClr val="lt1"/>
+          </a:fontRef>
+        </p:style>
+        <p:txBody>
+          <a:bodyPr rtlCol="0" anchor="ctr"/>
+          <a:lstStyle/>
+          <a:p>
+            <a:pPr algn="ctr"/>
+            <a:r>
+              <a:rPr lang="it-IT" dirty="0"/>
+              <a:t>Maggiore distanza tra </a:t>
+            </a:r>
+            <a:r>
+              <a:rPr lang="it-IT" dirty="0" err="1"/>
+              <a:t>attack_value</a:t>
+            </a:r>
+            <a:r>
+              <a:rPr lang="it-IT" dirty="0"/>
+              <a:t> e </a:t>
+            </a:r>
+            <a:r>
+              <a:rPr lang="it-IT" dirty="0" err="1"/>
+              <a:t>leading</a:t>
+            </a:r>
+            <a:r>
+              <a:rPr lang="it-IT" dirty="0"/>
+              <a:t> car position</a:t>
+            </a:r>
+            <a:endParaRPr lang="en-GB" dirty="0"/>
+          </a:p>
+        </p:txBody>
+      </p:sp>
+      <p:cxnSp>
+        <p:nvCxnSpPr>
+          <p:cNvPr id="13" name="Straight Arrow Connector 12">
+            <a:extLst>
+              <a:ext uri="{FF2B5EF4-FFF2-40B4-BE49-F238E27FC236}">
+                <a16:creationId xmlns:a16="http://schemas.microsoft.com/office/drawing/2014/main" id="{85F6D658-61E4-4368-BCE9-DA1DD4BA0FD2}"/>
+              </a:ext>
+            </a:extLst>
+          </p:cNvPr>
+          <p:cNvCxnSpPr/>
+          <p:nvPr/>
+        </p:nvCxnSpPr>
+        <p:spPr>
+          <a:xfrm>
+            <a:off x="8039100" y="5276850"/>
+            <a:ext cx="1155700" cy="0"/>
+          </a:xfrm>
+          <a:prstGeom prst="straightConnector1">
+            <a:avLst/>
+          </a:prstGeom>
+          <a:ln>
+            <a:tailEnd type="triangle"/>
+          </a:ln>
+        </p:spPr>
+        <p:style>
+          <a:lnRef idx="1">
+            <a:schemeClr val="accent2"/>
+          </a:lnRef>
+          <a:fillRef idx="0">
+            <a:schemeClr val="accent2"/>
+          </a:fillRef>
+          <a:effectRef idx="0">
+            <a:schemeClr val="accent2"/>
+          </a:effectRef>
+          <a:fontRef idx="minor">
+            <a:schemeClr val="tx1"/>
+          </a:fontRef>
+        </p:style>
+      </p:cxnSp>
+      <p:sp>
+        <p:nvSpPr>
+          <p:cNvPr id="15" name="Rectangle: Rounded Corners 14">
+            <a:extLst>
+              <a:ext uri="{FF2B5EF4-FFF2-40B4-BE49-F238E27FC236}">
+                <a16:creationId xmlns:a16="http://schemas.microsoft.com/office/drawing/2014/main" id="{051FF31D-C6D7-4168-B26C-E28BA38FC910}"/>
+              </a:ext>
+            </a:extLst>
+          </p:cNvPr>
+          <p:cNvSpPr/>
+          <p:nvPr/>
+        </p:nvSpPr>
+        <p:spPr>
+          <a:xfrm>
+            <a:off x="9251950" y="4499110"/>
+            <a:ext cx="2368550" cy="1466580"/>
+          </a:xfrm>
+          <a:prstGeom prst="roundRect">
+            <a:avLst/>
+          </a:prstGeom>
+          <a:solidFill>
+            <a:schemeClr val="accent2"/>
+          </a:solidFill>
+          <a:ln>
+            <a:solidFill>
+              <a:schemeClr val="accent2"/>
+            </a:solidFill>
+          </a:ln>
+        </p:spPr>
+        <p:style>
+          <a:lnRef idx="2">
+            <a:schemeClr val="accent1">
+              <a:shade val="50000"/>
+            </a:schemeClr>
+          </a:lnRef>
+          <a:fillRef idx="1">
+            <a:schemeClr val="accent1"/>
+          </a:fillRef>
+          <a:effectRef idx="0">
+            <a:schemeClr val="accent1"/>
+          </a:effectRef>
+          <a:fontRef idx="minor">
+            <a:schemeClr val="lt1"/>
+          </a:fontRef>
+        </p:style>
+        <p:txBody>
+          <a:bodyPr rtlCol="0" anchor="ctr"/>
+          <a:lstStyle/>
+          <a:p>
+            <a:pPr algn="ctr"/>
+            <a:r>
+              <a:rPr lang="it-IT" dirty="0"/>
+              <a:t>Maggior accelerazione following car durante l’attacco</a:t>
+            </a:r>
+            <a:endParaRPr lang="en-GB" dirty="0"/>
           </a:p>
         </p:txBody>
       </p:sp>
@@ -30879,6 +33785,368 @@
   <p:clrMapOvr>
     <a:masterClrMapping/>
   </p:clrMapOvr>
+  <p:timing>
+    <p:tnLst>
+      <p:par>
+        <p:cTn id="1" dur="indefinite" restart="never" nodeType="tmRoot">
+          <p:childTnLst>
+            <p:seq concurrent="1" nextAc="seek">
+              <p:cTn id="2" dur="indefinite" nodeType="mainSeq">
+                <p:childTnLst>
+                  <p:par>
+                    <p:cTn id="3" fill="hold">
+                      <p:stCondLst>
+                        <p:cond delay="indefinite"/>
+                      </p:stCondLst>
+                      <p:childTnLst>
+                        <p:par>
+                          <p:cTn id="4" fill="hold">
+                            <p:stCondLst>
+                              <p:cond delay="0"/>
+                            </p:stCondLst>
+                            <p:childTnLst>
+                              <p:par>
+                                <p:cTn id="5" presetID="10" presetClass="entr" presetSubtype="0" fill="hold" grpId="0" nodeType="clickEffect">
+                                  <p:stCondLst>
+                                    <p:cond delay="0"/>
+                                  </p:stCondLst>
+                                  <p:childTnLst>
+                                    <p:set>
+                                      <p:cBhvr>
+                                        <p:cTn id="6" dur="1" fill="hold">
+                                          <p:stCondLst>
+                                            <p:cond delay="0"/>
+                                          </p:stCondLst>
+                                        </p:cTn>
+                                        <p:tgtEl>
+                                          <p:spTgt spid="3">
+                                            <p:txEl>
+                                              <p:pRg st="0" end="0"/>
+                                            </p:txEl>
+                                          </p:spTgt>
+                                        </p:tgtEl>
+                                        <p:attrNameLst>
+                                          <p:attrName>style.visibility</p:attrName>
+                                        </p:attrNameLst>
+                                      </p:cBhvr>
+                                      <p:to>
+                                        <p:strVal val="visible"/>
+                                      </p:to>
+                                    </p:set>
+                                    <p:animEffect transition="in" filter="fade">
+                                      <p:cBhvr>
+                                        <p:cTn id="7" dur="500"/>
+                                        <p:tgtEl>
+                                          <p:spTgt spid="3">
+                                            <p:txEl>
+                                              <p:pRg st="0" end="0"/>
+                                            </p:txEl>
+                                          </p:spTgt>
+                                        </p:tgtEl>
+                                      </p:cBhvr>
+                                    </p:animEffect>
+                                  </p:childTnLst>
+                                </p:cTn>
+                              </p:par>
+                              <p:par>
+                                <p:cTn id="8" presetID="10" presetClass="entr" presetSubtype="0" fill="hold" grpId="0" nodeType="withEffect">
+                                  <p:stCondLst>
+                                    <p:cond delay="0"/>
+                                  </p:stCondLst>
+                                  <p:childTnLst>
+                                    <p:set>
+                                      <p:cBhvr>
+                                        <p:cTn id="9" dur="1" fill="hold">
+                                          <p:stCondLst>
+                                            <p:cond delay="0"/>
+                                          </p:stCondLst>
+                                        </p:cTn>
+                                        <p:tgtEl>
+                                          <p:spTgt spid="6"/>
+                                        </p:tgtEl>
+                                        <p:attrNameLst>
+                                          <p:attrName>style.visibility</p:attrName>
+                                        </p:attrNameLst>
+                                      </p:cBhvr>
+                                      <p:to>
+                                        <p:strVal val="visible"/>
+                                      </p:to>
+                                    </p:set>
+                                    <p:animEffect transition="in" filter="fade">
+                                      <p:cBhvr>
+                                        <p:cTn id="10" dur="500"/>
+                                        <p:tgtEl>
+                                          <p:spTgt spid="6"/>
+                                        </p:tgtEl>
+                                      </p:cBhvr>
+                                    </p:animEffect>
+                                  </p:childTnLst>
+                                </p:cTn>
+                              </p:par>
+                            </p:childTnLst>
+                          </p:cTn>
+                        </p:par>
+                      </p:childTnLst>
+                    </p:cTn>
+                  </p:par>
+                  <p:par>
+                    <p:cTn id="11" fill="hold">
+                      <p:stCondLst>
+                        <p:cond delay="indefinite"/>
+                      </p:stCondLst>
+                      <p:childTnLst>
+                        <p:par>
+                          <p:cTn id="12" fill="hold">
+                            <p:stCondLst>
+                              <p:cond delay="0"/>
+                            </p:stCondLst>
+                            <p:childTnLst>
+                              <p:par>
+                                <p:cTn id="13" presetID="10" presetClass="entr" presetSubtype="0" fill="hold" grpId="0" nodeType="clickEffect">
+                                  <p:stCondLst>
+                                    <p:cond delay="0"/>
+                                  </p:stCondLst>
+                                  <p:childTnLst>
+                                    <p:set>
+                                      <p:cBhvr>
+                                        <p:cTn id="14" dur="1" fill="hold">
+                                          <p:stCondLst>
+                                            <p:cond delay="0"/>
+                                          </p:stCondLst>
+                                        </p:cTn>
+                                        <p:tgtEl>
+                                          <p:spTgt spid="4"/>
+                                        </p:tgtEl>
+                                        <p:attrNameLst>
+                                          <p:attrName>style.visibility</p:attrName>
+                                        </p:attrNameLst>
+                                      </p:cBhvr>
+                                      <p:to>
+                                        <p:strVal val="visible"/>
+                                      </p:to>
+                                    </p:set>
+                                    <p:animEffect transition="in" filter="fade">
+                                      <p:cBhvr>
+                                        <p:cTn id="15" dur="500"/>
+                                        <p:tgtEl>
+                                          <p:spTgt spid="4"/>
+                                        </p:tgtEl>
+                                      </p:cBhvr>
+                                    </p:animEffect>
+                                  </p:childTnLst>
+                                </p:cTn>
+                              </p:par>
+                            </p:childTnLst>
+                          </p:cTn>
+                        </p:par>
+                      </p:childTnLst>
+                    </p:cTn>
+                  </p:par>
+                  <p:par>
+                    <p:cTn id="16" fill="hold">
+                      <p:stCondLst>
+                        <p:cond delay="indefinite"/>
+                      </p:stCondLst>
+                      <p:childTnLst>
+                        <p:par>
+                          <p:cTn id="17" fill="hold">
+                            <p:stCondLst>
+                              <p:cond delay="0"/>
+                            </p:stCondLst>
+                            <p:childTnLst>
+                              <p:par>
+                                <p:cTn id="18" presetID="10" presetClass="entr" presetSubtype="0" fill="hold" nodeType="clickEffect">
+                                  <p:stCondLst>
+                                    <p:cond delay="0"/>
+                                  </p:stCondLst>
+                                  <p:childTnLst>
+                                    <p:set>
+                                      <p:cBhvr>
+                                        <p:cTn id="19" dur="1" fill="hold">
+                                          <p:stCondLst>
+                                            <p:cond delay="0"/>
+                                          </p:stCondLst>
+                                        </p:cTn>
+                                        <p:tgtEl>
+                                          <p:spTgt spid="9"/>
+                                        </p:tgtEl>
+                                        <p:attrNameLst>
+                                          <p:attrName>style.visibility</p:attrName>
+                                        </p:attrNameLst>
+                                      </p:cBhvr>
+                                      <p:to>
+                                        <p:strVal val="visible"/>
+                                      </p:to>
+                                    </p:set>
+                                    <p:animEffect transition="in" filter="fade">
+                                      <p:cBhvr>
+                                        <p:cTn id="20" dur="500"/>
+                                        <p:tgtEl>
+                                          <p:spTgt spid="9"/>
+                                        </p:tgtEl>
+                                      </p:cBhvr>
+                                    </p:animEffect>
+                                  </p:childTnLst>
+                                </p:cTn>
+                              </p:par>
+                              <p:par>
+                                <p:cTn id="21" presetID="10" presetClass="entr" presetSubtype="0" fill="hold" grpId="0" nodeType="withEffect">
+                                  <p:stCondLst>
+                                    <p:cond delay="0"/>
+                                  </p:stCondLst>
+                                  <p:childTnLst>
+                                    <p:set>
+                                      <p:cBhvr>
+                                        <p:cTn id="22" dur="1" fill="hold">
+                                          <p:stCondLst>
+                                            <p:cond delay="0"/>
+                                          </p:stCondLst>
+                                        </p:cTn>
+                                        <p:tgtEl>
+                                          <p:spTgt spid="12"/>
+                                        </p:tgtEl>
+                                        <p:attrNameLst>
+                                          <p:attrName>style.visibility</p:attrName>
+                                        </p:attrNameLst>
+                                      </p:cBhvr>
+                                      <p:to>
+                                        <p:strVal val="visible"/>
+                                      </p:to>
+                                    </p:set>
+                                    <p:animEffect transition="in" filter="fade">
+                                      <p:cBhvr>
+                                        <p:cTn id="23" dur="500"/>
+                                        <p:tgtEl>
+                                          <p:spTgt spid="12"/>
+                                        </p:tgtEl>
+                                      </p:cBhvr>
+                                    </p:animEffect>
+                                  </p:childTnLst>
+                                </p:cTn>
+                              </p:par>
+                            </p:childTnLst>
+                          </p:cTn>
+                        </p:par>
+                      </p:childTnLst>
+                    </p:cTn>
+                  </p:par>
+                  <p:par>
+                    <p:cTn id="24" fill="hold">
+                      <p:stCondLst>
+                        <p:cond delay="indefinite"/>
+                      </p:stCondLst>
+                      <p:childTnLst>
+                        <p:par>
+                          <p:cTn id="25" fill="hold">
+                            <p:stCondLst>
+                              <p:cond delay="0"/>
+                            </p:stCondLst>
+                            <p:childTnLst>
+                              <p:par>
+                                <p:cTn id="26" presetID="10" presetClass="entr" presetSubtype="0" fill="hold" nodeType="clickEffect">
+                                  <p:stCondLst>
+                                    <p:cond delay="0"/>
+                                  </p:stCondLst>
+                                  <p:childTnLst>
+                                    <p:set>
+                                      <p:cBhvr>
+                                        <p:cTn id="27" dur="1" fill="hold">
+                                          <p:stCondLst>
+                                            <p:cond delay="0"/>
+                                          </p:stCondLst>
+                                        </p:cTn>
+                                        <p:tgtEl>
+                                          <p:spTgt spid="13"/>
+                                        </p:tgtEl>
+                                        <p:attrNameLst>
+                                          <p:attrName>style.visibility</p:attrName>
+                                        </p:attrNameLst>
+                                      </p:cBhvr>
+                                      <p:to>
+                                        <p:strVal val="visible"/>
+                                      </p:to>
+                                    </p:set>
+                                    <p:animEffect transition="in" filter="fade">
+                                      <p:cBhvr>
+                                        <p:cTn id="28" dur="500"/>
+                                        <p:tgtEl>
+                                          <p:spTgt spid="13"/>
+                                        </p:tgtEl>
+                                      </p:cBhvr>
+                                    </p:animEffect>
+                                  </p:childTnLst>
+                                </p:cTn>
+                              </p:par>
+                              <p:par>
+                                <p:cTn id="29" presetID="10" presetClass="entr" presetSubtype="0" fill="hold" grpId="0" nodeType="withEffect">
+                                  <p:stCondLst>
+                                    <p:cond delay="0"/>
+                                  </p:stCondLst>
+                                  <p:childTnLst>
+                                    <p:set>
+                                      <p:cBhvr>
+                                        <p:cTn id="30" dur="1" fill="hold">
+                                          <p:stCondLst>
+                                            <p:cond delay="0"/>
+                                          </p:stCondLst>
+                                        </p:cTn>
+                                        <p:tgtEl>
+                                          <p:spTgt spid="15"/>
+                                        </p:tgtEl>
+                                        <p:attrNameLst>
+                                          <p:attrName>style.visibility</p:attrName>
+                                        </p:attrNameLst>
+                                      </p:cBhvr>
+                                      <p:to>
+                                        <p:strVal val="visible"/>
+                                      </p:to>
+                                    </p:set>
+                                    <p:animEffect transition="in" filter="fade">
+                                      <p:cBhvr>
+                                        <p:cTn id="31" dur="500"/>
+                                        <p:tgtEl>
+                                          <p:spTgt spid="15"/>
+                                        </p:tgtEl>
+                                      </p:cBhvr>
+                                    </p:animEffect>
+                                  </p:childTnLst>
+                                </p:cTn>
+                              </p:par>
+                            </p:childTnLst>
+                          </p:cTn>
+                        </p:par>
+                      </p:childTnLst>
+                    </p:cTn>
+                  </p:par>
+                </p:childTnLst>
+              </p:cTn>
+              <p:prevCondLst>
+                <p:cond evt="onPrev" delay="0">
+                  <p:tgtEl>
+                    <p:sldTgt/>
+                  </p:tgtEl>
+                </p:cond>
+              </p:prevCondLst>
+              <p:nextCondLst>
+                <p:cond evt="onNext" delay="0">
+                  <p:tgtEl>
+                    <p:sldTgt/>
+                  </p:tgtEl>
+                </p:cond>
+              </p:nextCondLst>
+            </p:seq>
+          </p:childTnLst>
+        </p:cTn>
+      </p:par>
+    </p:tnLst>
+    <p:bldLst>
+      <p:bldP spid="3" grpId="0" build="p"/>
+      <p:bldP spid="6" grpId="0" animBg="1"/>
+      <p:bldP spid="4" grpId="0" animBg="1"/>
+      <p:bldP spid="12" grpId="0" animBg="1"/>
+      <p:bldP spid="15" grpId="0" animBg="1"/>
+    </p:bldLst>
+  </p:timing>
 </p:sld>
 </file>
 
@@ -31494,20 +34762,13 @@
         </p:spPr>
         <p:txBody>
           <a:bodyPr>
-            <a:normAutofit fontScale="90000"/>
+            <a:normAutofit/>
           </a:bodyPr>
           <a:lstStyle/>
           <a:p>
             <a:r>
               <a:rPr lang="it-IT" sz="4800" dirty="0"/>
               <a:t>Attacco multiplo alla posizione: </a:t>
-            </a:r>
-            <a:br>
-              <a:rPr lang="it-IT" sz="4800" dirty="0"/>
-            </a:br>
-            <a:r>
-              <a:rPr lang="it-IT" sz="4800" dirty="0"/>
-              <a:t>Con incidente</a:t>
             </a:r>
           </a:p>
         </p:txBody>
@@ -32152,33 +35413,128 @@
       </p:sp>
       <p:sp>
         <p:nvSpPr>
-          <p:cNvPr id="3" name="Segnaposto contenuto 2">
+          <p:cNvPr id="11" name="TextBox 10">
             <a:extLst>
               <a:ext uri="{FF2B5EF4-FFF2-40B4-BE49-F238E27FC236}">
-                <a16:creationId xmlns:a16="http://schemas.microsoft.com/office/drawing/2014/main" id="{8D553890-C818-4461-BF6A-046A391A1B43}"/>
+                <a16:creationId xmlns:a16="http://schemas.microsoft.com/office/drawing/2014/main" id="{D804175E-43DD-4281-868F-88F496225045}"/>
               </a:ext>
             </a:extLst>
           </p:cNvPr>
-          <p:cNvSpPr>
-            <a:spLocks noGrp="1"/>
-          </p:cNvSpPr>
-          <p:nvPr>
-            <p:ph idx="1"/>
-          </p:nvPr>
+          <p:cNvSpPr txBox="1"/>
+          <p:nvPr/>
         </p:nvSpPr>
         <p:spPr>
           <a:xfrm>
-            <a:off x="838200" y="1929384"/>
-            <a:ext cx="10515600" cy="4251960"/>
+            <a:off x="463550" y="2406134"/>
+            <a:ext cx="1803400" cy="369332"/>
           </a:xfrm>
+          <a:prstGeom prst="rect">
+            <a:avLst/>
+          </a:prstGeom>
+          <a:noFill/>
         </p:spPr>
         <p:txBody>
-          <a:bodyPr>
-            <a:normAutofit/>
+          <a:bodyPr wrap="square">
+            <a:spAutoFit/>
           </a:bodyPr>
           <a:lstStyle/>
           <a:p>
-            <a:endParaRPr lang="it-IT" sz="2200"/>
+            <a:r>
+              <a:rPr lang="it-IT" sz="1800" b="1" dirty="0"/>
+              <a:t>Attack Time 30s</a:t>
+            </a:r>
+            <a:endParaRPr lang="en-GB" b="1" dirty="0"/>
+          </a:p>
+        </p:txBody>
+      </p:sp>
+      <p:pic>
+        <p:nvPicPr>
+          <p:cNvPr id="7" name="Picture 6" descr="Chart, line chart&#10;&#10;Description automatically generated">
+            <a:extLst>
+              <a:ext uri="{FF2B5EF4-FFF2-40B4-BE49-F238E27FC236}">
+                <a16:creationId xmlns:a16="http://schemas.microsoft.com/office/drawing/2014/main" id="{054D0489-7525-4301-AC6A-DB0B98F5B9AA}"/>
+              </a:ext>
+            </a:extLst>
+          </p:cNvPr>
+          <p:cNvPicPr>
+            <a:picLocks noChangeAspect="1"/>
+          </p:cNvPicPr>
+          <p:nvPr/>
+        </p:nvPicPr>
+        <p:blipFill>
+          <a:blip r:embed="rId2">
+            <a:extLst>
+              <a:ext uri="{28A0092B-C50C-407E-A947-70E740481C1C}">
+                <a14:useLocalDpi xmlns:a14="http://schemas.microsoft.com/office/drawing/2010/main" val="0"/>
+              </a:ext>
+            </a:extLst>
+          </a:blip>
+          <a:stretch>
+            <a:fillRect/>
+          </a:stretch>
+        </p:blipFill>
+        <p:spPr>
+          <a:xfrm>
+            <a:off x="2509737" y="1763193"/>
+            <a:ext cx="6796391" cy="5097293"/>
+          </a:xfrm>
+          <a:prstGeom prst="rect">
+            <a:avLst/>
+          </a:prstGeom>
+        </p:spPr>
+      </p:pic>
+      <p:sp>
+        <p:nvSpPr>
+          <p:cNvPr id="13" name="CasellaDiTesto 8">
+            <a:extLst>
+              <a:ext uri="{FF2B5EF4-FFF2-40B4-BE49-F238E27FC236}">
+                <a16:creationId xmlns:a16="http://schemas.microsoft.com/office/drawing/2014/main" id="{B8B907B1-C58D-4913-8DB6-8EC0CD6DB263}"/>
+              </a:ext>
+            </a:extLst>
+          </p:cNvPr>
+          <p:cNvSpPr txBox="1"/>
+          <p:nvPr/>
+        </p:nvSpPr>
+        <p:spPr>
+          <a:xfrm rot="20175499">
+            <a:off x="8371131" y="5323143"/>
+            <a:ext cx="3533973" cy="646331"/>
+          </a:xfrm>
+          <a:prstGeom prst="rect">
+            <a:avLst/>
+          </a:prstGeom>
+          <a:noFill/>
+          <a:ln>
+            <a:noFill/>
+          </a:ln>
+          <a:effectLst/>
+          <a:scene3d>
+            <a:camera prst="orthographicFront">
+              <a:rot lat="0" lon="0" rev="0"/>
+            </a:camera>
+            <a:lightRig rig="chilly" dir="t">
+              <a:rot lat="0" lon="0" rev="18480000"/>
+            </a:lightRig>
+          </a:scene3d>
+          <a:sp3d prstMaterial="clear">
+            <a:bevelT h="63500"/>
+          </a:sp3d>
+        </p:spPr>
+        <p:txBody>
+          <a:bodyPr wrap="square" rtlCol="0">
+            <a:spAutoFit/>
+          </a:bodyPr>
+          <a:lstStyle/>
+          <a:p>
+            <a:r>
+              <a:rPr lang="it-IT" sz="3600" dirty="0">
+                <a:solidFill>
+                  <a:srgbClr val="00B050"/>
+                </a:solidFill>
+                <a:latin typeface="Amasis MT Pro Medium" panose="02040604050005020304" pitchFamily="18" charset="0"/>
+              </a:rPr>
+              <a:t>NO INCIDENTE</a:t>
+            </a:r>
           </a:p>
         </p:txBody>
       </p:sp>
@@ -32192,6 +35548,237 @@
   <p:clrMapOvr>
     <a:masterClrMapping/>
   </p:clrMapOvr>
+  <p:timing>
+    <p:tnLst>
+      <p:par>
+        <p:cTn id="1" dur="indefinite" restart="never" nodeType="tmRoot">
+          <p:childTnLst>
+            <p:seq concurrent="1" nextAc="seek">
+              <p:cTn id="2" dur="indefinite" nodeType="mainSeq">
+                <p:childTnLst>
+                  <p:par>
+                    <p:cTn id="3" fill="hold">
+                      <p:stCondLst>
+                        <p:cond delay="indefinite"/>
+                      </p:stCondLst>
+                      <p:childTnLst>
+                        <p:par>
+                          <p:cTn id="4" fill="hold">
+                            <p:stCondLst>
+                              <p:cond delay="0"/>
+                            </p:stCondLst>
+                            <p:childTnLst>
+                              <p:par>
+                                <p:cTn id="5" presetID="10" presetClass="entr" presetSubtype="0" fill="hold" grpId="0" nodeType="clickEffect">
+                                  <p:stCondLst>
+                                    <p:cond delay="0"/>
+                                  </p:stCondLst>
+                                  <p:childTnLst>
+                                    <p:set>
+                                      <p:cBhvr>
+                                        <p:cTn id="6" dur="1" fill="hold">
+                                          <p:stCondLst>
+                                            <p:cond delay="0"/>
+                                          </p:stCondLst>
+                                        </p:cTn>
+                                        <p:tgtEl>
+                                          <p:spTgt spid="11"/>
+                                        </p:tgtEl>
+                                        <p:attrNameLst>
+                                          <p:attrName>style.visibility</p:attrName>
+                                        </p:attrNameLst>
+                                      </p:cBhvr>
+                                      <p:to>
+                                        <p:strVal val="visible"/>
+                                      </p:to>
+                                    </p:set>
+                                    <p:animEffect transition="in" filter="fade">
+                                      <p:cBhvr>
+                                        <p:cTn id="7" dur="500"/>
+                                        <p:tgtEl>
+                                          <p:spTgt spid="11"/>
+                                        </p:tgtEl>
+                                      </p:cBhvr>
+                                    </p:animEffect>
+                                  </p:childTnLst>
+                                </p:cTn>
+                              </p:par>
+                            </p:childTnLst>
+                          </p:cTn>
+                        </p:par>
+                      </p:childTnLst>
+                    </p:cTn>
+                  </p:par>
+                  <p:par>
+                    <p:cTn id="8" fill="hold">
+                      <p:stCondLst>
+                        <p:cond delay="indefinite"/>
+                      </p:stCondLst>
+                      <p:childTnLst>
+                        <p:par>
+                          <p:cTn id="9" fill="hold">
+                            <p:stCondLst>
+                              <p:cond delay="0"/>
+                            </p:stCondLst>
+                            <p:childTnLst>
+                              <p:par>
+                                <p:cTn id="10" presetID="10" presetClass="entr" presetSubtype="0" fill="hold" nodeType="clickEffect">
+                                  <p:stCondLst>
+                                    <p:cond delay="0"/>
+                                  </p:stCondLst>
+                                  <p:childTnLst>
+                                    <p:set>
+                                      <p:cBhvr>
+                                        <p:cTn id="11" dur="1" fill="hold">
+                                          <p:stCondLst>
+                                            <p:cond delay="0"/>
+                                          </p:stCondLst>
+                                        </p:cTn>
+                                        <p:tgtEl>
+                                          <p:spTgt spid="7"/>
+                                        </p:tgtEl>
+                                        <p:attrNameLst>
+                                          <p:attrName>style.visibility</p:attrName>
+                                        </p:attrNameLst>
+                                      </p:cBhvr>
+                                      <p:to>
+                                        <p:strVal val="visible"/>
+                                      </p:to>
+                                    </p:set>
+                                    <p:animEffect transition="in" filter="fade">
+                                      <p:cBhvr>
+                                        <p:cTn id="12" dur="500"/>
+                                        <p:tgtEl>
+                                          <p:spTgt spid="7"/>
+                                        </p:tgtEl>
+                                      </p:cBhvr>
+                                    </p:animEffect>
+                                  </p:childTnLst>
+                                </p:cTn>
+                              </p:par>
+                            </p:childTnLst>
+                          </p:cTn>
+                        </p:par>
+                      </p:childTnLst>
+                    </p:cTn>
+                  </p:par>
+                  <p:par>
+                    <p:cTn id="13" fill="hold">
+                      <p:stCondLst>
+                        <p:cond delay="indefinite"/>
+                      </p:stCondLst>
+                      <p:childTnLst>
+                        <p:par>
+                          <p:cTn id="14" fill="hold">
+                            <p:stCondLst>
+                              <p:cond delay="0"/>
+                            </p:stCondLst>
+                            <p:childTnLst>
+                              <p:par>
+                                <p:cTn id="15" presetID="2" presetClass="entr" presetSubtype="4" fill="hold" grpId="0" nodeType="clickEffect">
+                                  <p:stCondLst>
+                                    <p:cond delay="0"/>
+                                  </p:stCondLst>
+                                  <p:childTnLst>
+                                    <p:set>
+                                      <p:cBhvr>
+                                        <p:cTn id="16" dur="1" fill="hold">
+                                          <p:stCondLst>
+                                            <p:cond delay="0"/>
+                                          </p:stCondLst>
+                                        </p:cTn>
+                                        <p:tgtEl>
+                                          <p:spTgt spid="13"/>
+                                        </p:tgtEl>
+                                        <p:attrNameLst>
+                                          <p:attrName>style.visibility</p:attrName>
+                                        </p:attrNameLst>
+                                      </p:cBhvr>
+                                      <p:to>
+                                        <p:strVal val="visible"/>
+                                      </p:to>
+                                    </p:set>
+                                    <p:anim calcmode="lin" valueType="num">
+                                      <p:cBhvr additive="base">
+                                        <p:cTn id="17" dur="500" fill="hold"/>
+                                        <p:tgtEl>
+                                          <p:spTgt spid="13"/>
+                                        </p:tgtEl>
+                                        <p:attrNameLst>
+                                          <p:attrName>ppt_x</p:attrName>
+                                        </p:attrNameLst>
+                                      </p:cBhvr>
+                                      <p:tavLst>
+                                        <p:tav tm="0">
+                                          <p:val>
+                                            <p:strVal val="#ppt_x"/>
+                                          </p:val>
+                                        </p:tav>
+                                        <p:tav tm="100000">
+                                          <p:val>
+                                            <p:strVal val="#ppt_x"/>
+                                          </p:val>
+                                        </p:tav>
+                                      </p:tavLst>
+                                    </p:anim>
+                                    <p:anim calcmode="lin" valueType="num">
+                                      <p:cBhvr additive="base">
+                                        <p:cTn id="18" dur="500" fill="hold"/>
+                                        <p:tgtEl>
+                                          <p:spTgt spid="13"/>
+                                        </p:tgtEl>
+                                        <p:attrNameLst>
+                                          <p:attrName>ppt_y</p:attrName>
+                                        </p:attrNameLst>
+                                      </p:cBhvr>
+                                      <p:tavLst>
+                                        <p:tav tm="0">
+                                          <p:val>
+                                            <p:strVal val="1+#ppt_h/2"/>
+                                          </p:val>
+                                        </p:tav>
+                                        <p:tav tm="100000">
+                                          <p:val>
+                                            <p:strVal val="#ppt_y"/>
+                                          </p:val>
+                                        </p:tav>
+                                      </p:tavLst>
+                                    </p:anim>
+                                  </p:childTnLst>
+                                </p:cTn>
+                              </p:par>
+                            </p:childTnLst>
+                          </p:cTn>
+                        </p:par>
+                      </p:childTnLst>
+                    </p:cTn>
+                  </p:par>
+                </p:childTnLst>
+              </p:cTn>
+              <p:prevCondLst>
+                <p:cond evt="onPrev" delay="0">
+                  <p:tgtEl>
+                    <p:sldTgt/>
+                  </p:tgtEl>
+                </p:cond>
+              </p:prevCondLst>
+              <p:nextCondLst>
+                <p:cond evt="onNext" delay="0">
+                  <p:tgtEl>
+                    <p:sldTgt/>
+                  </p:tgtEl>
+                </p:cond>
+              </p:nextCondLst>
+            </p:seq>
+          </p:childTnLst>
+        </p:cTn>
+      </p:par>
+    </p:tnLst>
+    <p:bldLst>
+      <p:bldP spid="11" grpId="0"/>
+      <p:bldP spid="13" grpId="0"/>
+    </p:bldLst>
+  </p:timing>
 </p:sld>
 </file>
 
@@ -32304,20 +35891,13 @@
         </p:spPr>
         <p:txBody>
           <a:bodyPr>
-            <a:normAutofit fontScale="90000"/>
+            <a:normAutofit/>
           </a:bodyPr>
           <a:lstStyle/>
           <a:p>
             <a:r>
               <a:rPr lang="it-IT" sz="4800" dirty="0"/>
-              <a:t>Attacco multiplo alla posizione:</a:t>
-            </a:r>
-            <a:br>
-              <a:rPr lang="it-IT" sz="4800" dirty="0"/>
-            </a:br>
-            <a:r>
-              <a:rPr lang="it-IT" sz="4800" dirty="0"/>
-              <a:t>Senza incidente</a:t>
+              <a:t>Attacco multiplo alla posizione: </a:t>
             </a:r>
           </a:p>
         </p:txBody>
@@ -32962,10 +36542,763 @@
       </p:sp>
       <p:sp>
         <p:nvSpPr>
-          <p:cNvPr id="3" name="Segnaposto contenuto 2">
+          <p:cNvPr id="9" name="TextBox 8">
             <a:extLst>
               <a:ext uri="{FF2B5EF4-FFF2-40B4-BE49-F238E27FC236}">
-                <a16:creationId xmlns:a16="http://schemas.microsoft.com/office/drawing/2014/main" id="{8D553890-C818-4461-BF6A-046A391A1B43}"/>
+                <a16:creationId xmlns:a16="http://schemas.microsoft.com/office/drawing/2014/main" id="{9F61B224-439E-4ED0-B61E-E52167ECFBFC}"/>
+              </a:ext>
+            </a:extLst>
+          </p:cNvPr>
+          <p:cNvSpPr txBox="1"/>
+          <p:nvPr/>
+        </p:nvSpPr>
+        <p:spPr>
+          <a:xfrm>
+            <a:off x="895350" y="2633604"/>
+            <a:ext cx="1930400" cy="369332"/>
+          </a:xfrm>
+          <a:prstGeom prst="rect">
+            <a:avLst/>
+          </a:prstGeom>
+          <a:noFill/>
+        </p:spPr>
+        <p:txBody>
+          <a:bodyPr wrap="square">
+            <a:spAutoFit/>
+          </a:bodyPr>
+          <a:lstStyle/>
+          <a:p>
+            <a:r>
+              <a:rPr lang="it-IT" sz="1800" b="1" dirty="0"/>
+              <a:t>Attack Time 50s</a:t>
+            </a:r>
+            <a:endParaRPr lang="en-GB" b="1" dirty="0"/>
+          </a:p>
+        </p:txBody>
+      </p:sp>
+      <p:sp>
+        <p:nvSpPr>
+          <p:cNvPr id="13" name="TextBox 12">
+            <a:extLst>
+              <a:ext uri="{FF2B5EF4-FFF2-40B4-BE49-F238E27FC236}">
+                <a16:creationId xmlns:a16="http://schemas.microsoft.com/office/drawing/2014/main" id="{F4F88634-F7E5-4138-AF3A-EA5494EF9FD0}"/>
+              </a:ext>
+            </a:extLst>
+          </p:cNvPr>
+          <p:cNvSpPr txBox="1"/>
+          <p:nvPr/>
+        </p:nvSpPr>
+        <p:spPr>
+          <a:xfrm>
+            <a:off x="10194993" y="2516065"/>
+            <a:ext cx="1930400" cy="646331"/>
+          </a:xfrm>
+          <a:prstGeom prst="rect">
+            <a:avLst/>
+          </a:prstGeom>
+          <a:noFill/>
+        </p:spPr>
+        <p:txBody>
+          <a:bodyPr wrap="square">
+            <a:spAutoFit/>
+          </a:bodyPr>
+          <a:lstStyle/>
+          <a:p>
+            <a:r>
+              <a:rPr lang="it-IT" sz="1800" b="1" dirty="0">
+                <a:solidFill>
+                  <a:schemeClr val="accent2"/>
+                </a:solidFill>
+              </a:rPr>
+              <a:t>Minimum </a:t>
+            </a:r>
+            <a:r>
+              <a:rPr lang="it-IT" sz="1800" b="1" dirty="0" err="1">
+                <a:solidFill>
+                  <a:schemeClr val="accent2"/>
+                </a:solidFill>
+              </a:rPr>
+              <a:t>distance</a:t>
+            </a:r>
+            <a:r>
+              <a:rPr lang="it-IT" b="1" dirty="0">
+                <a:solidFill>
+                  <a:schemeClr val="accent2"/>
+                </a:solidFill>
+              </a:rPr>
+              <a:t>: 0.6392m</a:t>
+            </a:r>
+            <a:endParaRPr lang="en-GB" b="1" dirty="0">
+              <a:solidFill>
+                <a:schemeClr val="accent2"/>
+              </a:solidFill>
+            </a:endParaRPr>
+          </a:p>
+        </p:txBody>
+      </p:sp>
+      <p:pic>
+        <p:nvPicPr>
+          <p:cNvPr id="7" name="Content Placeholder 6" descr="Chart, line chart&#10;&#10;Description automatically generated">
+            <a:extLst>
+              <a:ext uri="{FF2B5EF4-FFF2-40B4-BE49-F238E27FC236}">
+                <a16:creationId xmlns:a16="http://schemas.microsoft.com/office/drawing/2014/main" id="{E0A8CA39-DBCA-43CA-815A-AB6E1125A0D8}"/>
+              </a:ext>
+            </a:extLst>
+          </p:cNvPr>
+          <p:cNvPicPr>
+            <a:picLocks noGrp="1" noChangeAspect="1"/>
+          </p:cNvPicPr>
+          <p:nvPr>
+            <p:ph idx="1"/>
+          </p:nvPr>
+        </p:nvPicPr>
+        <p:blipFill>
+          <a:blip r:embed="rId2">
+            <a:extLst>
+              <a:ext uri="{28A0092B-C50C-407E-A947-70E740481C1C}">
+                <a14:useLocalDpi xmlns:a14="http://schemas.microsoft.com/office/drawing/2010/main" val="0"/>
+              </a:ext>
+            </a:extLst>
+          </a:blip>
+          <a:stretch>
+            <a:fillRect/>
+          </a:stretch>
+        </p:blipFill>
+        <p:spPr>
+          <a:xfrm>
+            <a:off x="3195108" y="1825624"/>
+            <a:ext cx="6733590" cy="5050193"/>
+          </a:xfrm>
+        </p:spPr>
+      </p:pic>
+      <p:sp>
+        <p:nvSpPr>
+          <p:cNvPr id="11" name="CasellaDiTesto 8">
+            <a:extLst>
+              <a:ext uri="{FF2B5EF4-FFF2-40B4-BE49-F238E27FC236}">
+                <a16:creationId xmlns:a16="http://schemas.microsoft.com/office/drawing/2014/main" id="{E65849CE-80F7-4965-83C9-955EBD6533D7}"/>
+              </a:ext>
+            </a:extLst>
+          </p:cNvPr>
+          <p:cNvSpPr txBox="1"/>
+          <p:nvPr/>
+        </p:nvSpPr>
+        <p:spPr>
+          <a:xfrm rot="20175499">
+            <a:off x="8371131" y="5323143"/>
+            <a:ext cx="3533973" cy="646331"/>
+          </a:xfrm>
+          <a:prstGeom prst="rect">
+            <a:avLst/>
+          </a:prstGeom>
+          <a:noFill/>
+          <a:ln>
+            <a:noFill/>
+          </a:ln>
+          <a:effectLst/>
+          <a:scene3d>
+            <a:camera prst="orthographicFront">
+              <a:rot lat="0" lon="0" rev="0"/>
+            </a:camera>
+            <a:lightRig rig="chilly" dir="t">
+              <a:rot lat="0" lon="0" rev="18480000"/>
+            </a:lightRig>
+          </a:scene3d>
+          <a:sp3d prstMaterial="clear">
+            <a:bevelT h="63500"/>
+          </a:sp3d>
+        </p:spPr>
+        <p:txBody>
+          <a:bodyPr wrap="square" rtlCol="0">
+            <a:spAutoFit/>
+          </a:bodyPr>
+          <a:lstStyle/>
+          <a:p>
+            <a:r>
+              <a:rPr lang="it-IT" sz="3600" dirty="0">
+                <a:solidFill>
+                  <a:srgbClr val="00B050"/>
+                </a:solidFill>
+                <a:latin typeface="Amasis MT Pro Medium" panose="02040604050005020304" pitchFamily="18" charset="0"/>
+              </a:rPr>
+              <a:t>NO INCIDENTE</a:t>
+            </a:r>
+          </a:p>
+        </p:txBody>
+      </p:sp>
+      <p:sp>
+        <p:nvSpPr>
+          <p:cNvPr id="14" name="Oval 13">
+            <a:extLst>
+              <a:ext uri="{FF2B5EF4-FFF2-40B4-BE49-F238E27FC236}">
+                <a16:creationId xmlns:a16="http://schemas.microsoft.com/office/drawing/2014/main" id="{94475455-0CAA-4AF2-B2EE-C29B75F3E58F}"/>
+              </a:ext>
+            </a:extLst>
+          </p:cNvPr>
+          <p:cNvSpPr/>
+          <p:nvPr/>
+        </p:nvSpPr>
+        <p:spPr>
+          <a:xfrm>
+            <a:off x="7211438" y="2713422"/>
+            <a:ext cx="1102468" cy="1012922"/>
+          </a:xfrm>
+          <a:prstGeom prst="ellipse">
+            <a:avLst/>
+          </a:prstGeom>
+          <a:solidFill>
+            <a:srgbClr val="FFFFFF">
+              <a:alpha val="0"/>
+            </a:srgbClr>
+          </a:solidFill>
+          <a:ln w="38100">
+            <a:solidFill>
+              <a:schemeClr val="accent2"/>
+            </a:solidFill>
+          </a:ln>
+        </p:spPr>
+        <p:style>
+          <a:lnRef idx="2">
+            <a:schemeClr val="accent1">
+              <a:shade val="50000"/>
+            </a:schemeClr>
+          </a:lnRef>
+          <a:fillRef idx="1">
+            <a:schemeClr val="accent1"/>
+          </a:fillRef>
+          <a:effectRef idx="0">
+            <a:schemeClr val="accent1"/>
+          </a:effectRef>
+          <a:fontRef idx="minor">
+            <a:schemeClr val="lt1"/>
+          </a:fontRef>
+        </p:style>
+        <p:txBody>
+          <a:bodyPr rtlCol="0" anchor="ctr"/>
+          <a:lstStyle/>
+          <a:p>
+            <a:pPr algn="ctr"/>
+            <a:endParaRPr lang="en-GB"/>
+          </a:p>
+        </p:txBody>
+      </p:sp>
+      <p:cxnSp>
+        <p:nvCxnSpPr>
+          <p:cNvPr id="21" name="Straight Arrow Connector 20">
+            <a:extLst>
+              <a:ext uri="{FF2B5EF4-FFF2-40B4-BE49-F238E27FC236}">
+                <a16:creationId xmlns:a16="http://schemas.microsoft.com/office/drawing/2014/main" id="{125548BF-332F-402D-878A-27FD2AFE9C7D}"/>
+              </a:ext>
+            </a:extLst>
+          </p:cNvPr>
+          <p:cNvCxnSpPr/>
+          <p:nvPr/>
+        </p:nvCxnSpPr>
+        <p:spPr>
+          <a:xfrm flipV="1">
+            <a:off x="8670587" y="3060970"/>
+            <a:ext cx="1329447" cy="307091"/>
+          </a:xfrm>
+          <a:prstGeom prst="straightConnector1">
+            <a:avLst/>
+          </a:prstGeom>
+          <a:ln>
+            <a:tailEnd type="triangle"/>
+          </a:ln>
+        </p:spPr>
+        <p:style>
+          <a:lnRef idx="1">
+            <a:schemeClr val="accent2"/>
+          </a:lnRef>
+          <a:fillRef idx="0">
+            <a:schemeClr val="accent2"/>
+          </a:fillRef>
+          <a:effectRef idx="0">
+            <a:schemeClr val="accent2"/>
+          </a:effectRef>
+          <a:fontRef idx="minor">
+            <a:schemeClr val="tx1"/>
+          </a:fontRef>
+        </p:style>
+      </p:cxnSp>
+    </p:spTree>
+    <p:extLst>
+      <p:ext uri="{BB962C8B-B14F-4D97-AF65-F5344CB8AC3E}">
+        <p14:creationId xmlns:p14="http://schemas.microsoft.com/office/powerpoint/2010/main" val="1885548377"/>
+      </p:ext>
+    </p:extLst>
+  </p:cSld>
+  <p:clrMapOvr>
+    <a:masterClrMapping/>
+  </p:clrMapOvr>
+  <p:timing>
+    <p:tnLst>
+      <p:par>
+        <p:cTn id="1" dur="indefinite" restart="never" nodeType="tmRoot">
+          <p:childTnLst>
+            <p:seq concurrent="1" nextAc="seek">
+              <p:cTn id="2" dur="indefinite" nodeType="mainSeq">
+                <p:childTnLst>
+                  <p:par>
+                    <p:cTn id="3" fill="hold">
+                      <p:stCondLst>
+                        <p:cond delay="indefinite"/>
+                      </p:stCondLst>
+                      <p:childTnLst>
+                        <p:par>
+                          <p:cTn id="4" fill="hold">
+                            <p:stCondLst>
+                              <p:cond delay="0"/>
+                            </p:stCondLst>
+                            <p:childTnLst>
+                              <p:par>
+                                <p:cTn id="5" presetID="10" presetClass="entr" presetSubtype="0" fill="hold" grpId="0" nodeType="clickEffect">
+                                  <p:stCondLst>
+                                    <p:cond delay="0"/>
+                                  </p:stCondLst>
+                                  <p:childTnLst>
+                                    <p:set>
+                                      <p:cBhvr>
+                                        <p:cTn id="6" dur="1" fill="hold">
+                                          <p:stCondLst>
+                                            <p:cond delay="0"/>
+                                          </p:stCondLst>
+                                        </p:cTn>
+                                        <p:tgtEl>
+                                          <p:spTgt spid="9"/>
+                                        </p:tgtEl>
+                                        <p:attrNameLst>
+                                          <p:attrName>style.visibility</p:attrName>
+                                        </p:attrNameLst>
+                                      </p:cBhvr>
+                                      <p:to>
+                                        <p:strVal val="visible"/>
+                                      </p:to>
+                                    </p:set>
+                                    <p:animEffect transition="in" filter="fade">
+                                      <p:cBhvr>
+                                        <p:cTn id="7" dur="500"/>
+                                        <p:tgtEl>
+                                          <p:spTgt spid="9"/>
+                                        </p:tgtEl>
+                                      </p:cBhvr>
+                                    </p:animEffect>
+                                  </p:childTnLst>
+                                </p:cTn>
+                              </p:par>
+                            </p:childTnLst>
+                          </p:cTn>
+                        </p:par>
+                      </p:childTnLst>
+                    </p:cTn>
+                  </p:par>
+                  <p:par>
+                    <p:cTn id="8" fill="hold">
+                      <p:stCondLst>
+                        <p:cond delay="indefinite"/>
+                      </p:stCondLst>
+                      <p:childTnLst>
+                        <p:par>
+                          <p:cTn id="9" fill="hold">
+                            <p:stCondLst>
+                              <p:cond delay="0"/>
+                            </p:stCondLst>
+                            <p:childTnLst>
+                              <p:par>
+                                <p:cTn id="10" presetID="10" presetClass="entr" presetSubtype="0" fill="hold" nodeType="clickEffect">
+                                  <p:stCondLst>
+                                    <p:cond delay="0"/>
+                                  </p:stCondLst>
+                                  <p:childTnLst>
+                                    <p:set>
+                                      <p:cBhvr>
+                                        <p:cTn id="11" dur="1" fill="hold">
+                                          <p:stCondLst>
+                                            <p:cond delay="0"/>
+                                          </p:stCondLst>
+                                        </p:cTn>
+                                        <p:tgtEl>
+                                          <p:spTgt spid="7"/>
+                                        </p:tgtEl>
+                                        <p:attrNameLst>
+                                          <p:attrName>style.visibility</p:attrName>
+                                        </p:attrNameLst>
+                                      </p:cBhvr>
+                                      <p:to>
+                                        <p:strVal val="visible"/>
+                                      </p:to>
+                                    </p:set>
+                                    <p:animEffect transition="in" filter="fade">
+                                      <p:cBhvr>
+                                        <p:cTn id="12" dur="500"/>
+                                        <p:tgtEl>
+                                          <p:spTgt spid="7"/>
+                                        </p:tgtEl>
+                                      </p:cBhvr>
+                                    </p:animEffect>
+                                  </p:childTnLst>
+                                </p:cTn>
+                              </p:par>
+                            </p:childTnLst>
+                          </p:cTn>
+                        </p:par>
+                      </p:childTnLst>
+                    </p:cTn>
+                  </p:par>
+                  <p:par>
+                    <p:cTn id="13" fill="hold">
+                      <p:stCondLst>
+                        <p:cond delay="indefinite"/>
+                      </p:stCondLst>
+                      <p:childTnLst>
+                        <p:par>
+                          <p:cTn id="14" fill="hold">
+                            <p:stCondLst>
+                              <p:cond delay="0"/>
+                            </p:stCondLst>
+                            <p:childTnLst>
+                              <p:par>
+                                <p:cTn id="15" presetID="16" presetClass="entr" presetSubtype="21" fill="hold" grpId="0" nodeType="clickEffect">
+                                  <p:stCondLst>
+                                    <p:cond delay="0"/>
+                                  </p:stCondLst>
+                                  <p:childTnLst>
+                                    <p:set>
+                                      <p:cBhvr>
+                                        <p:cTn id="16" dur="1" fill="hold">
+                                          <p:stCondLst>
+                                            <p:cond delay="0"/>
+                                          </p:stCondLst>
+                                        </p:cTn>
+                                        <p:tgtEl>
+                                          <p:spTgt spid="14"/>
+                                        </p:tgtEl>
+                                        <p:attrNameLst>
+                                          <p:attrName>style.visibility</p:attrName>
+                                        </p:attrNameLst>
+                                      </p:cBhvr>
+                                      <p:to>
+                                        <p:strVal val="visible"/>
+                                      </p:to>
+                                    </p:set>
+                                    <p:animEffect transition="in" filter="barn(inVertical)">
+                                      <p:cBhvr>
+                                        <p:cTn id="17" dur="500"/>
+                                        <p:tgtEl>
+                                          <p:spTgt spid="14"/>
+                                        </p:tgtEl>
+                                      </p:cBhvr>
+                                    </p:animEffect>
+                                  </p:childTnLst>
+                                </p:cTn>
+                              </p:par>
+                            </p:childTnLst>
+                          </p:cTn>
+                        </p:par>
+                      </p:childTnLst>
+                    </p:cTn>
+                  </p:par>
+                  <p:par>
+                    <p:cTn id="18" fill="hold">
+                      <p:stCondLst>
+                        <p:cond delay="indefinite"/>
+                      </p:stCondLst>
+                      <p:childTnLst>
+                        <p:par>
+                          <p:cTn id="19" fill="hold">
+                            <p:stCondLst>
+                              <p:cond delay="0"/>
+                            </p:stCondLst>
+                            <p:childTnLst>
+                              <p:par>
+                                <p:cTn id="20" presetID="10" presetClass="entr" presetSubtype="0" fill="hold" nodeType="clickEffect">
+                                  <p:stCondLst>
+                                    <p:cond delay="0"/>
+                                  </p:stCondLst>
+                                  <p:childTnLst>
+                                    <p:set>
+                                      <p:cBhvr>
+                                        <p:cTn id="21" dur="1" fill="hold">
+                                          <p:stCondLst>
+                                            <p:cond delay="0"/>
+                                          </p:stCondLst>
+                                        </p:cTn>
+                                        <p:tgtEl>
+                                          <p:spTgt spid="21"/>
+                                        </p:tgtEl>
+                                        <p:attrNameLst>
+                                          <p:attrName>style.visibility</p:attrName>
+                                        </p:attrNameLst>
+                                      </p:cBhvr>
+                                      <p:to>
+                                        <p:strVal val="visible"/>
+                                      </p:to>
+                                    </p:set>
+                                    <p:animEffect transition="in" filter="fade">
+                                      <p:cBhvr>
+                                        <p:cTn id="22" dur="500"/>
+                                        <p:tgtEl>
+                                          <p:spTgt spid="21"/>
+                                        </p:tgtEl>
+                                      </p:cBhvr>
+                                    </p:animEffect>
+                                  </p:childTnLst>
+                                </p:cTn>
+                              </p:par>
+                              <p:par>
+                                <p:cTn id="23" presetID="10" presetClass="entr" presetSubtype="0" fill="hold" grpId="0" nodeType="withEffect">
+                                  <p:stCondLst>
+                                    <p:cond delay="0"/>
+                                  </p:stCondLst>
+                                  <p:childTnLst>
+                                    <p:set>
+                                      <p:cBhvr>
+                                        <p:cTn id="24" dur="1" fill="hold">
+                                          <p:stCondLst>
+                                            <p:cond delay="0"/>
+                                          </p:stCondLst>
+                                        </p:cTn>
+                                        <p:tgtEl>
+                                          <p:spTgt spid="13"/>
+                                        </p:tgtEl>
+                                        <p:attrNameLst>
+                                          <p:attrName>style.visibility</p:attrName>
+                                        </p:attrNameLst>
+                                      </p:cBhvr>
+                                      <p:to>
+                                        <p:strVal val="visible"/>
+                                      </p:to>
+                                    </p:set>
+                                    <p:animEffect transition="in" filter="fade">
+                                      <p:cBhvr>
+                                        <p:cTn id="25" dur="500"/>
+                                        <p:tgtEl>
+                                          <p:spTgt spid="13"/>
+                                        </p:tgtEl>
+                                      </p:cBhvr>
+                                    </p:animEffect>
+                                  </p:childTnLst>
+                                </p:cTn>
+                              </p:par>
+                            </p:childTnLst>
+                          </p:cTn>
+                        </p:par>
+                      </p:childTnLst>
+                    </p:cTn>
+                  </p:par>
+                  <p:par>
+                    <p:cTn id="26" fill="hold">
+                      <p:stCondLst>
+                        <p:cond delay="indefinite"/>
+                      </p:stCondLst>
+                      <p:childTnLst>
+                        <p:par>
+                          <p:cTn id="27" fill="hold">
+                            <p:stCondLst>
+                              <p:cond delay="0"/>
+                            </p:stCondLst>
+                            <p:childTnLst>
+                              <p:par>
+                                <p:cTn id="28" presetID="2" presetClass="entr" presetSubtype="4" fill="hold" grpId="0" nodeType="clickEffect">
+                                  <p:stCondLst>
+                                    <p:cond delay="0"/>
+                                  </p:stCondLst>
+                                  <p:childTnLst>
+                                    <p:set>
+                                      <p:cBhvr>
+                                        <p:cTn id="29" dur="1" fill="hold">
+                                          <p:stCondLst>
+                                            <p:cond delay="0"/>
+                                          </p:stCondLst>
+                                        </p:cTn>
+                                        <p:tgtEl>
+                                          <p:spTgt spid="11"/>
+                                        </p:tgtEl>
+                                        <p:attrNameLst>
+                                          <p:attrName>style.visibility</p:attrName>
+                                        </p:attrNameLst>
+                                      </p:cBhvr>
+                                      <p:to>
+                                        <p:strVal val="visible"/>
+                                      </p:to>
+                                    </p:set>
+                                    <p:anim calcmode="lin" valueType="num">
+                                      <p:cBhvr additive="base">
+                                        <p:cTn id="30" dur="500" fill="hold"/>
+                                        <p:tgtEl>
+                                          <p:spTgt spid="11"/>
+                                        </p:tgtEl>
+                                        <p:attrNameLst>
+                                          <p:attrName>ppt_x</p:attrName>
+                                        </p:attrNameLst>
+                                      </p:cBhvr>
+                                      <p:tavLst>
+                                        <p:tav tm="0">
+                                          <p:val>
+                                            <p:strVal val="#ppt_x"/>
+                                          </p:val>
+                                        </p:tav>
+                                        <p:tav tm="100000">
+                                          <p:val>
+                                            <p:strVal val="#ppt_x"/>
+                                          </p:val>
+                                        </p:tav>
+                                      </p:tavLst>
+                                    </p:anim>
+                                    <p:anim calcmode="lin" valueType="num">
+                                      <p:cBhvr additive="base">
+                                        <p:cTn id="31" dur="500" fill="hold"/>
+                                        <p:tgtEl>
+                                          <p:spTgt spid="11"/>
+                                        </p:tgtEl>
+                                        <p:attrNameLst>
+                                          <p:attrName>ppt_y</p:attrName>
+                                        </p:attrNameLst>
+                                      </p:cBhvr>
+                                      <p:tavLst>
+                                        <p:tav tm="0">
+                                          <p:val>
+                                            <p:strVal val="1+#ppt_h/2"/>
+                                          </p:val>
+                                        </p:tav>
+                                        <p:tav tm="100000">
+                                          <p:val>
+                                            <p:strVal val="#ppt_y"/>
+                                          </p:val>
+                                        </p:tav>
+                                      </p:tavLst>
+                                    </p:anim>
+                                  </p:childTnLst>
+                                </p:cTn>
+                              </p:par>
+                            </p:childTnLst>
+                          </p:cTn>
+                        </p:par>
+                      </p:childTnLst>
+                    </p:cTn>
+                  </p:par>
+                </p:childTnLst>
+              </p:cTn>
+              <p:prevCondLst>
+                <p:cond evt="onPrev" delay="0">
+                  <p:tgtEl>
+                    <p:sldTgt/>
+                  </p:tgtEl>
+                </p:cond>
+              </p:prevCondLst>
+              <p:nextCondLst>
+                <p:cond evt="onNext" delay="0">
+                  <p:tgtEl>
+                    <p:sldTgt/>
+                  </p:tgtEl>
+                </p:cond>
+              </p:nextCondLst>
+            </p:seq>
+          </p:childTnLst>
+        </p:cTn>
+      </p:par>
+    </p:tnLst>
+    <p:bldLst>
+      <p:bldP spid="9" grpId="0"/>
+      <p:bldP spid="13" grpId="0"/>
+      <p:bldP spid="11" grpId="0"/>
+      <p:bldP spid="14" grpId="0" animBg="1"/>
+    </p:bldLst>
+  </p:timing>
+</p:sld>
+</file>
+
+<file path=ppt/slides/slide32.xml><?xml version="1.0" encoding="utf-8"?>
+<p:sld xmlns:a="http://schemas.openxmlformats.org/drawingml/2006/main" xmlns:r="http://schemas.openxmlformats.org/officeDocument/2006/relationships" xmlns:p="http://schemas.openxmlformats.org/presentationml/2006/main">
+  <p:cSld>
+    <p:bg>
+      <p:bgPr>
+        <a:solidFill>
+          <a:schemeClr val="bg1"/>
+        </a:solidFill>
+        <a:effectLst/>
+      </p:bgPr>
+    </p:bg>
+    <p:spTree>
+      <p:nvGrpSpPr>
+        <p:cNvPr id="1" name=""/>
+        <p:cNvGrpSpPr/>
+        <p:nvPr/>
+      </p:nvGrpSpPr>
+      <p:grpSpPr>
+        <a:xfrm>
+          <a:off x="0" y="0"/>
+          <a:ext cx="0" cy="0"/>
+          <a:chOff x="0" y="0"/>
+          <a:chExt cx="0" cy="0"/>
+        </a:xfrm>
+      </p:grpSpPr>
+      <p:sp useBgFill="1">
+        <p:nvSpPr>
+          <p:cNvPr id="8" name="Rectangle 7">
+            <a:extLst>
+              <a:ext uri="{FF2B5EF4-FFF2-40B4-BE49-F238E27FC236}">
+                <a16:creationId xmlns:a16="http://schemas.microsoft.com/office/drawing/2014/main" id="{100EDD19-6802-4EC3-95CE-CFFAB042CFD6}"/>
+              </a:ext>
+              <a:ext uri="{C183D7F6-B498-43B3-948B-1728B52AA6E4}">
+                <adec:decorative xmlns:adec="http://schemas.microsoft.com/office/drawing/2017/decorative" val="1"/>
+              </a:ext>
+            </a:extLst>
+          </p:cNvPr>
+          <p:cNvSpPr>
+            <a:spLocks noGrp="1" noRot="1" noChangeAspect="1" noMove="1" noResize="1" noEditPoints="1" noAdjustHandles="1" noChangeArrowheads="1" noChangeShapeType="1" noTextEdit="1"/>
+          </p:cNvSpPr>
+          <p:nvPr>
+            <p:extLst>
+              <p:ext uri="{386F3935-93C4-4BCD-93E2-E3B085C9AB24}">
+                <p16:designElem xmlns:p16="http://schemas.microsoft.com/office/powerpoint/2015/main" val="1"/>
+              </p:ext>
+            </p:extLst>
+          </p:nvPr>
+        </p:nvSpPr>
+        <p:spPr>
+          <a:xfrm>
+            <a:off x="0" y="0"/>
+            <a:ext cx="12188952" cy="6858000"/>
+          </a:xfrm>
+          <a:prstGeom prst="rect">
+            <a:avLst/>
+          </a:prstGeom>
+          <a:ln>
+            <a:noFill/>
+          </a:ln>
+        </p:spPr>
+        <p:style>
+          <a:lnRef idx="2">
+            <a:schemeClr val="accent1">
+              <a:shade val="50000"/>
+            </a:schemeClr>
+          </a:lnRef>
+          <a:fillRef idx="1">
+            <a:schemeClr val="accent1"/>
+          </a:fillRef>
+          <a:effectRef idx="0">
+            <a:schemeClr val="accent1"/>
+          </a:effectRef>
+          <a:fontRef idx="minor">
+            <a:schemeClr val="lt1"/>
+          </a:fontRef>
+        </p:style>
+        <p:txBody>
+          <a:bodyPr rtlCol="0" anchor="ctr"/>
+          <a:lstStyle/>
+          <a:p>
+            <a:pPr algn="ctr"/>
+            <a:endParaRPr lang="en-US"/>
+          </a:p>
+        </p:txBody>
+      </p:sp>
+      <p:sp>
+        <p:nvSpPr>
+          <p:cNvPr id="2" name="Titolo 1">
+            <a:extLst>
+              <a:ext uri="{FF2B5EF4-FFF2-40B4-BE49-F238E27FC236}">
+                <a16:creationId xmlns:a16="http://schemas.microsoft.com/office/drawing/2014/main" id="{628BEE35-5A6D-4E8B-A045-984BBD29D810}"/>
               </a:ext>
             </a:extLst>
           </p:cNvPr>
@@ -32973,13 +37306,13 @@
             <a:spLocks noGrp="1"/>
           </p:cNvSpPr>
           <p:nvPr>
-            <p:ph idx="1"/>
+            <p:ph type="title"/>
           </p:nvPr>
         </p:nvSpPr>
         <p:spPr>
           <a:xfrm>
-            <a:off x="838200" y="1929384"/>
-            <a:ext cx="10515600" cy="4251960"/>
+            <a:off x="838200" y="365125"/>
+            <a:ext cx="10515600" cy="1325563"/>
           </a:xfrm>
         </p:spPr>
         <p:txBody>
@@ -32988,24 +37321,1023 @@
           </a:bodyPr>
           <a:lstStyle/>
           <a:p>
-            <a:endParaRPr lang="it-IT" sz="2200"/>
+            <a:r>
+              <a:rPr lang="it-IT" sz="4800" dirty="0"/>
+              <a:t>Attacco multiplo alla posizione: </a:t>
+            </a:r>
+          </a:p>
+        </p:txBody>
+      </p:sp>
+      <p:sp>
+        <p:nvSpPr>
+          <p:cNvPr id="10" name="sketch line">
+            <a:extLst>
+              <a:ext uri="{FF2B5EF4-FFF2-40B4-BE49-F238E27FC236}">
+                <a16:creationId xmlns:a16="http://schemas.microsoft.com/office/drawing/2014/main" id="{DB17E863-922E-4C26-BD64-E8FD41D28661}"/>
+              </a:ext>
+              <a:ext uri="{C183D7F6-B498-43B3-948B-1728B52AA6E4}">
+                <adec:decorative xmlns:adec="http://schemas.microsoft.com/office/drawing/2017/decorative" val="1"/>
+              </a:ext>
+            </a:extLst>
+          </p:cNvPr>
+          <p:cNvSpPr>
+            <a:spLocks noGrp="1" noRot="1" noChangeAspect="1" noMove="1" noResize="1" noEditPoints="1" noAdjustHandles="1" noChangeArrowheads="1" noChangeShapeType="1" noTextEdit="1"/>
+          </p:cNvSpPr>
+          <p:nvPr>
+            <p:extLst>
+              <p:ext uri="{386F3935-93C4-4BCD-93E2-E3B085C9AB24}">
+                <p16:designElem xmlns:p16="http://schemas.microsoft.com/office/powerpoint/2015/main" val="1"/>
+              </p:ext>
+            </p:extLst>
+          </p:nvPr>
+        </p:nvSpPr>
+        <p:spPr>
+          <a:xfrm>
+            <a:off x="669036" y="1677373"/>
+            <a:ext cx="10853928" cy="18288"/>
+          </a:xfrm>
+          <a:custGeom>
+            <a:avLst/>
+            <a:gdLst>
+              <a:gd name="connsiteX0" fmla="*/ 0 w 10853928"/>
+              <a:gd name="connsiteY0" fmla="*/ 0 h 18288"/>
+              <a:gd name="connsiteX1" fmla="*/ 461292 w 10853928"/>
+              <a:gd name="connsiteY1" fmla="*/ 0 h 18288"/>
+              <a:gd name="connsiteX2" fmla="*/ 1139662 w 10853928"/>
+              <a:gd name="connsiteY2" fmla="*/ 0 h 18288"/>
+              <a:gd name="connsiteX3" fmla="*/ 1926572 w 10853928"/>
+              <a:gd name="connsiteY3" fmla="*/ 0 h 18288"/>
+              <a:gd name="connsiteX4" fmla="*/ 2279325 w 10853928"/>
+              <a:gd name="connsiteY4" fmla="*/ 0 h 18288"/>
+              <a:gd name="connsiteX5" fmla="*/ 2632078 w 10853928"/>
+              <a:gd name="connsiteY5" fmla="*/ 0 h 18288"/>
+              <a:gd name="connsiteX6" fmla="*/ 3527527 w 10853928"/>
+              <a:gd name="connsiteY6" fmla="*/ 0 h 18288"/>
+              <a:gd name="connsiteX7" fmla="*/ 4205897 w 10853928"/>
+              <a:gd name="connsiteY7" fmla="*/ 0 h 18288"/>
+              <a:gd name="connsiteX8" fmla="*/ 4558650 w 10853928"/>
+              <a:gd name="connsiteY8" fmla="*/ 0 h 18288"/>
+              <a:gd name="connsiteX9" fmla="*/ 5237020 w 10853928"/>
+              <a:gd name="connsiteY9" fmla="*/ 0 h 18288"/>
+              <a:gd name="connsiteX10" fmla="*/ 6132469 w 10853928"/>
+              <a:gd name="connsiteY10" fmla="*/ 0 h 18288"/>
+              <a:gd name="connsiteX11" fmla="*/ 6702301 w 10853928"/>
+              <a:gd name="connsiteY11" fmla="*/ 0 h 18288"/>
+              <a:gd name="connsiteX12" fmla="*/ 7272132 w 10853928"/>
+              <a:gd name="connsiteY12" fmla="*/ 0 h 18288"/>
+              <a:gd name="connsiteX13" fmla="*/ 7950502 w 10853928"/>
+              <a:gd name="connsiteY13" fmla="*/ 0 h 18288"/>
+              <a:gd name="connsiteX14" fmla="*/ 8737412 w 10853928"/>
+              <a:gd name="connsiteY14" fmla="*/ 0 h 18288"/>
+              <a:gd name="connsiteX15" fmla="*/ 9524322 w 10853928"/>
+              <a:gd name="connsiteY15" fmla="*/ 0 h 18288"/>
+              <a:gd name="connsiteX16" fmla="*/ 10853928 w 10853928"/>
+              <a:gd name="connsiteY16" fmla="*/ 0 h 18288"/>
+              <a:gd name="connsiteX17" fmla="*/ 10853928 w 10853928"/>
+              <a:gd name="connsiteY17" fmla="*/ 18288 h 18288"/>
+              <a:gd name="connsiteX18" fmla="*/ 10392636 w 10853928"/>
+              <a:gd name="connsiteY18" fmla="*/ 18288 h 18288"/>
+              <a:gd name="connsiteX19" fmla="*/ 9497187 w 10853928"/>
+              <a:gd name="connsiteY19" fmla="*/ 18288 h 18288"/>
+              <a:gd name="connsiteX20" fmla="*/ 8818817 w 10853928"/>
+              <a:gd name="connsiteY20" fmla="*/ 18288 h 18288"/>
+              <a:gd name="connsiteX21" fmla="*/ 8466064 w 10853928"/>
+              <a:gd name="connsiteY21" fmla="*/ 18288 h 18288"/>
+              <a:gd name="connsiteX22" fmla="*/ 7787693 w 10853928"/>
+              <a:gd name="connsiteY22" fmla="*/ 18288 h 18288"/>
+              <a:gd name="connsiteX23" fmla="*/ 7217862 w 10853928"/>
+              <a:gd name="connsiteY23" fmla="*/ 18288 h 18288"/>
+              <a:gd name="connsiteX24" fmla="*/ 6648031 w 10853928"/>
+              <a:gd name="connsiteY24" fmla="*/ 18288 h 18288"/>
+              <a:gd name="connsiteX25" fmla="*/ 6078200 w 10853928"/>
+              <a:gd name="connsiteY25" fmla="*/ 18288 h 18288"/>
+              <a:gd name="connsiteX26" fmla="*/ 5508368 w 10853928"/>
+              <a:gd name="connsiteY26" fmla="*/ 18288 h 18288"/>
+              <a:gd name="connsiteX27" fmla="*/ 4721459 w 10853928"/>
+              <a:gd name="connsiteY27" fmla="*/ 18288 h 18288"/>
+              <a:gd name="connsiteX28" fmla="*/ 4043088 w 10853928"/>
+              <a:gd name="connsiteY28" fmla="*/ 18288 h 18288"/>
+              <a:gd name="connsiteX29" fmla="*/ 3690336 w 10853928"/>
+              <a:gd name="connsiteY29" fmla="*/ 18288 h 18288"/>
+              <a:gd name="connsiteX30" fmla="*/ 3120504 w 10853928"/>
+              <a:gd name="connsiteY30" fmla="*/ 18288 h 18288"/>
+              <a:gd name="connsiteX31" fmla="*/ 2333595 w 10853928"/>
+              <a:gd name="connsiteY31" fmla="*/ 18288 h 18288"/>
+              <a:gd name="connsiteX32" fmla="*/ 1872303 w 10853928"/>
+              <a:gd name="connsiteY32" fmla="*/ 18288 h 18288"/>
+              <a:gd name="connsiteX33" fmla="*/ 976854 w 10853928"/>
+              <a:gd name="connsiteY33" fmla="*/ 18288 h 18288"/>
+              <a:gd name="connsiteX34" fmla="*/ 0 w 10853928"/>
+              <a:gd name="connsiteY34" fmla="*/ 18288 h 18288"/>
+              <a:gd name="connsiteX35" fmla="*/ 0 w 10853928"/>
+              <a:gd name="connsiteY35" fmla="*/ 0 h 18288"/>
+            </a:gdLst>
+            <a:ahLst/>
+            <a:cxnLst>
+              <a:cxn ang="0">
+                <a:pos x="connsiteX0" y="connsiteY0"/>
+              </a:cxn>
+              <a:cxn ang="0">
+                <a:pos x="connsiteX1" y="connsiteY1"/>
+              </a:cxn>
+              <a:cxn ang="0">
+                <a:pos x="connsiteX2" y="connsiteY2"/>
+              </a:cxn>
+              <a:cxn ang="0">
+                <a:pos x="connsiteX3" y="connsiteY3"/>
+              </a:cxn>
+              <a:cxn ang="0">
+                <a:pos x="connsiteX4" y="connsiteY4"/>
+              </a:cxn>
+              <a:cxn ang="0">
+                <a:pos x="connsiteX5" y="connsiteY5"/>
+              </a:cxn>
+              <a:cxn ang="0">
+                <a:pos x="connsiteX6" y="connsiteY6"/>
+              </a:cxn>
+              <a:cxn ang="0">
+                <a:pos x="connsiteX7" y="connsiteY7"/>
+              </a:cxn>
+              <a:cxn ang="0">
+                <a:pos x="connsiteX8" y="connsiteY8"/>
+              </a:cxn>
+              <a:cxn ang="0">
+                <a:pos x="connsiteX9" y="connsiteY9"/>
+              </a:cxn>
+              <a:cxn ang="0">
+                <a:pos x="connsiteX10" y="connsiteY10"/>
+              </a:cxn>
+              <a:cxn ang="0">
+                <a:pos x="connsiteX11" y="connsiteY11"/>
+              </a:cxn>
+              <a:cxn ang="0">
+                <a:pos x="connsiteX12" y="connsiteY12"/>
+              </a:cxn>
+              <a:cxn ang="0">
+                <a:pos x="connsiteX13" y="connsiteY13"/>
+              </a:cxn>
+              <a:cxn ang="0">
+                <a:pos x="connsiteX14" y="connsiteY14"/>
+              </a:cxn>
+              <a:cxn ang="0">
+                <a:pos x="connsiteX15" y="connsiteY15"/>
+              </a:cxn>
+              <a:cxn ang="0">
+                <a:pos x="connsiteX16" y="connsiteY16"/>
+              </a:cxn>
+              <a:cxn ang="0">
+                <a:pos x="connsiteX17" y="connsiteY17"/>
+              </a:cxn>
+              <a:cxn ang="0">
+                <a:pos x="connsiteX18" y="connsiteY18"/>
+              </a:cxn>
+              <a:cxn ang="0">
+                <a:pos x="connsiteX19" y="connsiteY19"/>
+              </a:cxn>
+              <a:cxn ang="0">
+                <a:pos x="connsiteX20" y="connsiteY20"/>
+              </a:cxn>
+              <a:cxn ang="0">
+                <a:pos x="connsiteX21" y="connsiteY21"/>
+              </a:cxn>
+              <a:cxn ang="0">
+                <a:pos x="connsiteX22" y="connsiteY22"/>
+              </a:cxn>
+              <a:cxn ang="0">
+                <a:pos x="connsiteX23" y="connsiteY23"/>
+              </a:cxn>
+              <a:cxn ang="0">
+                <a:pos x="connsiteX24" y="connsiteY24"/>
+              </a:cxn>
+              <a:cxn ang="0">
+                <a:pos x="connsiteX25" y="connsiteY25"/>
+              </a:cxn>
+              <a:cxn ang="0">
+                <a:pos x="connsiteX26" y="connsiteY26"/>
+              </a:cxn>
+              <a:cxn ang="0">
+                <a:pos x="connsiteX27" y="connsiteY27"/>
+              </a:cxn>
+              <a:cxn ang="0">
+                <a:pos x="connsiteX28" y="connsiteY28"/>
+              </a:cxn>
+              <a:cxn ang="0">
+                <a:pos x="connsiteX29" y="connsiteY29"/>
+              </a:cxn>
+              <a:cxn ang="0">
+                <a:pos x="connsiteX30" y="connsiteY30"/>
+              </a:cxn>
+              <a:cxn ang="0">
+                <a:pos x="connsiteX31" y="connsiteY31"/>
+              </a:cxn>
+              <a:cxn ang="0">
+                <a:pos x="connsiteX32" y="connsiteY32"/>
+              </a:cxn>
+              <a:cxn ang="0">
+                <a:pos x="connsiteX33" y="connsiteY33"/>
+              </a:cxn>
+              <a:cxn ang="0">
+                <a:pos x="connsiteX34" y="connsiteY34"/>
+              </a:cxn>
+              <a:cxn ang="0">
+                <a:pos x="connsiteX35" y="connsiteY35"/>
+              </a:cxn>
+            </a:cxnLst>
+            <a:rect l="l" t="t" r="r" b="b"/>
+            <a:pathLst>
+              <a:path w="10853928" h="18288" fill="none" extrusionOk="0">
+                <a:moveTo>
+                  <a:pt x="0" y="0"/>
+                </a:moveTo>
+                <a:cubicBezTo>
+                  <a:pt x="146993" y="-19076"/>
+                  <a:pt x="347684" y="-4790"/>
+                  <a:pt x="461292" y="0"/>
+                </a:cubicBezTo>
+                <a:cubicBezTo>
+                  <a:pt x="574900" y="4790"/>
+                  <a:pt x="808367" y="19821"/>
+                  <a:pt x="1139662" y="0"/>
+                </a:cubicBezTo>
+                <a:cubicBezTo>
+                  <a:pt x="1470957" y="-19821"/>
+                  <a:pt x="1627405" y="5721"/>
+                  <a:pt x="1926572" y="0"/>
+                </a:cubicBezTo>
+                <a:cubicBezTo>
+                  <a:pt x="2225739" y="-5721"/>
+                  <a:pt x="2137730" y="-3235"/>
+                  <a:pt x="2279325" y="0"/>
+                </a:cubicBezTo>
+                <a:cubicBezTo>
+                  <a:pt x="2420920" y="3235"/>
+                  <a:pt x="2456518" y="9685"/>
+                  <a:pt x="2632078" y="0"/>
+                </a:cubicBezTo>
+                <a:cubicBezTo>
+                  <a:pt x="2807638" y="-9685"/>
+                  <a:pt x="3211516" y="-43007"/>
+                  <a:pt x="3527527" y="0"/>
+                </a:cubicBezTo>
+                <a:cubicBezTo>
+                  <a:pt x="3843538" y="43007"/>
+                  <a:pt x="4058833" y="22042"/>
+                  <a:pt x="4205897" y="0"/>
+                </a:cubicBezTo>
+                <a:cubicBezTo>
+                  <a:pt x="4352961" y="-22042"/>
+                  <a:pt x="4474805" y="-11846"/>
+                  <a:pt x="4558650" y="0"/>
+                </a:cubicBezTo>
+                <a:cubicBezTo>
+                  <a:pt x="4642495" y="11846"/>
+                  <a:pt x="5041928" y="-6069"/>
+                  <a:pt x="5237020" y="0"/>
+                </a:cubicBezTo>
+                <a:cubicBezTo>
+                  <a:pt x="5432112" y="6069"/>
+                  <a:pt x="5943266" y="-17479"/>
+                  <a:pt x="6132469" y="0"/>
+                </a:cubicBezTo>
+                <a:cubicBezTo>
+                  <a:pt x="6321672" y="17479"/>
+                  <a:pt x="6483872" y="26234"/>
+                  <a:pt x="6702301" y="0"/>
+                </a:cubicBezTo>
+                <a:cubicBezTo>
+                  <a:pt x="6920730" y="-26234"/>
+                  <a:pt x="6991194" y="-15156"/>
+                  <a:pt x="7272132" y="0"/>
+                </a:cubicBezTo>
+                <a:cubicBezTo>
+                  <a:pt x="7553070" y="15156"/>
+                  <a:pt x="7684444" y="-32961"/>
+                  <a:pt x="7950502" y="0"/>
+                </a:cubicBezTo>
+                <a:cubicBezTo>
+                  <a:pt x="8216560" y="32961"/>
+                  <a:pt x="8493290" y="-10491"/>
+                  <a:pt x="8737412" y="0"/>
+                </a:cubicBezTo>
+                <a:cubicBezTo>
+                  <a:pt x="8981534" y="10491"/>
+                  <a:pt x="9191586" y="-13899"/>
+                  <a:pt x="9524322" y="0"/>
+                </a:cubicBezTo>
+                <a:cubicBezTo>
+                  <a:pt x="9857058" y="13899"/>
+                  <a:pt x="10297509" y="7485"/>
+                  <a:pt x="10853928" y="0"/>
+                </a:cubicBezTo>
+                <a:cubicBezTo>
+                  <a:pt x="10854574" y="4451"/>
+                  <a:pt x="10854418" y="9226"/>
+                  <a:pt x="10853928" y="18288"/>
+                </a:cubicBezTo>
+                <a:cubicBezTo>
+                  <a:pt x="10691638" y="28522"/>
+                  <a:pt x="10574319" y="29578"/>
+                  <a:pt x="10392636" y="18288"/>
+                </a:cubicBezTo>
+                <a:cubicBezTo>
+                  <a:pt x="10210953" y="6998"/>
+                  <a:pt x="9836277" y="-16742"/>
+                  <a:pt x="9497187" y="18288"/>
+                </a:cubicBezTo>
+                <a:cubicBezTo>
+                  <a:pt x="9158097" y="53318"/>
+                  <a:pt x="9119479" y="30714"/>
+                  <a:pt x="8818817" y="18288"/>
+                </a:cubicBezTo>
+                <a:cubicBezTo>
+                  <a:pt x="8518155" y="5863"/>
+                  <a:pt x="8640037" y="6483"/>
+                  <a:pt x="8466064" y="18288"/>
+                </a:cubicBezTo>
+                <a:cubicBezTo>
+                  <a:pt x="8292091" y="30093"/>
+                  <a:pt x="7997656" y="18914"/>
+                  <a:pt x="7787693" y="18288"/>
+                </a:cubicBezTo>
+                <a:cubicBezTo>
+                  <a:pt x="7577730" y="17662"/>
+                  <a:pt x="7412468" y="21416"/>
+                  <a:pt x="7217862" y="18288"/>
+                </a:cubicBezTo>
+                <a:cubicBezTo>
+                  <a:pt x="7023256" y="15160"/>
+                  <a:pt x="6898018" y="14824"/>
+                  <a:pt x="6648031" y="18288"/>
+                </a:cubicBezTo>
+                <a:cubicBezTo>
+                  <a:pt x="6398044" y="21752"/>
+                  <a:pt x="6254402" y="38625"/>
+                  <a:pt x="6078200" y="18288"/>
+                </a:cubicBezTo>
+                <a:cubicBezTo>
+                  <a:pt x="5901998" y="-2049"/>
+                  <a:pt x="5622886" y="3213"/>
+                  <a:pt x="5508368" y="18288"/>
+                </a:cubicBezTo>
+                <a:cubicBezTo>
+                  <a:pt x="5393850" y="33363"/>
+                  <a:pt x="5036260" y="26830"/>
+                  <a:pt x="4721459" y="18288"/>
+                </a:cubicBezTo>
+                <a:cubicBezTo>
+                  <a:pt x="4406658" y="9746"/>
+                  <a:pt x="4239221" y="41551"/>
+                  <a:pt x="4043088" y="18288"/>
+                </a:cubicBezTo>
+                <a:cubicBezTo>
+                  <a:pt x="3846955" y="-4975"/>
+                  <a:pt x="3818802" y="34658"/>
+                  <a:pt x="3690336" y="18288"/>
+                </a:cubicBezTo>
+                <a:cubicBezTo>
+                  <a:pt x="3561870" y="1918"/>
+                  <a:pt x="3265491" y="42194"/>
+                  <a:pt x="3120504" y="18288"/>
+                </a:cubicBezTo>
+                <a:cubicBezTo>
+                  <a:pt x="2975517" y="-5618"/>
+                  <a:pt x="2720254" y="36673"/>
+                  <a:pt x="2333595" y="18288"/>
+                </a:cubicBezTo>
+                <a:cubicBezTo>
+                  <a:pt x="1946936" y="-97"/>
+                  <a:pt x="2097241" y="5776"/>
+                  <a:pt x="1872303" y="18288"/>
+                </a:cubicBezTo>
+                <a:cubicBezTo>
+                  <a:pt x="1647365" y="30800"/>
+                  <a:pt x="1282708" y="45380"/>
+                  <a:pt x="976854" y="18288"/>
+                </a:cubicBezTo>
+                <a:cubicBezTo>
+                  <a:pt x="671000" y="-8804"/>
+                  <a:pt x="408401" y="-12775"/>
+                  <a:pt x="0" y="18288"/>
+                </a:cubicBezTo>
+                <a:cubicBezTo>
+                  <a:pt x="-213" y="9468"/>
+                  <a:pt x="187" y="4459"/>
+                  <a:pt x="0" y="0"/>
+                </a:cubicBezTo>
+                <a:close/>
+              </a:path>
+              <a:path w="10853928" h="18288" stroke="0" extrusionOk="0">
+                <a:moveTo>
+                  <a:pt x="0" y="0"/>
+                </a:moveTo>
+                <a:cubicBezTo>
+                  <a:pt x="267322" y="15284"/>
+                  <a:pt x="415388" y="-21048"/>
+                  <a:pt x="569831" y="0"/>
+                </a:cubicBezTo>
+                <a:cubicBezTo>
+                  <a:pt x="724274" y="21048"/>
+                  <a:pt x="769333" y="-2353"/>
+                  <a:pt x="922584" y="0"/>
+                </a:cubicBezTo>
+                <a:cubicBezTo>
+                  <a:pt x="1075835" y="2353"/>
+                  <a:pt x="1399490" y="-145"/>
+                  <a:pt x="1818033" y="0"/>
+                </a:cubicBezTo>
+                <a:cubicBezTo>
+                  <a:pt x="2236576" y="145"/>
+                  <a:pt x="2145330" y="5482"/>
+                  <a:pt x="2387864" y="0"/>
+                </a:cubicBezTo>
+                <a:cubicBezTo>
+                  <a:pt x="2630398" y="-5482"/>
+                  <a:pt x="2793207" y="18487"/>
+                  <a:pt x="2957695" y="0"/>
+                </a:cubicBezTo>
+                <a:cubicBezTo>
+                  <a:pt x="3122183" y="-18487"/>
+                  <a:pt x="3579141" y="19003"/>
+                  <a:pt x="3853144" y="0"/>
+                </a:cubicBezTo>
+                <a:cubicBezTo>
+                  <a:pt x="4127147" y="-19003"/>
+                  <a:pt x="4209857" y="12211"/>
+                  <a:pt x="4314436" y="0"/>
+                </a:cubicBezTo>
+                <a:cubicBezTo>
+                  <a:pt x="4419015" y="-12211"/>
+                  <a:pt x="4762459" y="-17220"/>
+                  <a:pt x="5209885" y="0"/>
+                </a:cubicBezTo>
+                <a:cubicBezTo>
+                  <a:pt x="5657311" y="17220"/>
+                  <a:pt x="5692663" y="-3290"/>
+                  <a:pt x="6105335" y="0"/>
+                </a:cubicBezTo>
+                <a:cubicBezTo>
+                  <a:pt x="6518007" y="3290"/>
+                  <a:pt x="6455516" y="-5124"/>
+                  <a:pt x="6783705" y="0"/>
+                </a:cubicBezTo>
+                <a:cubicBezTo>
+                  <a:pt x="7111894" y="5124"/>
+                  <a:pt x="7441941" y="-17829"/>
+                  <a:pt x="7679154" y="0"/>
+                </a:cubicBezTo>
+                <a:cubicBezTo>
+                  <a:pt x="7916367" y="17829"/>
+                  <a:pt x="8102967" y="-24363"/>
+                  <a:pt x="8248985" y="0"/>
+                </a:cubicBezTo>
+                <a:cubicBezTo>
+                  <a:pt x="8395003" y="24363"/>
+                  <a:pt x="8552393" y="25505"/>
+                  <a:pt x="8818817" y="0"/>
+                </a:cubicBezTo>
+                <a:cubicBezTo>
+                  <a:pt x="9085241" y="-25505"/>
+                  <a:pt x="9411308" y="38000"/>
+                  <a:pt x="9605726" y="0"/>
+                </a:cubicBezTo>
+                <a:cubicBezTo>
+                  <a:pt x="9800144" y="-38000"/>
+                  <a:pt x="10006468" y="-25741"/>
+                  <a:pt x="10175558" y="0"/>
+                </a:cubicBezTo>
+                <a:cubicBezTo>
+                  <a:pt x="10344648" y="25741"/>
+                  <a:pt x="10696282" y="695"/>
+                  <a:pt x="10853928" y="0"/>
+                </a:cubicBezTo>
+                <a:cubicBezTo>
+                  <a:pt x="10853521" y="8690"/>
+                  <a:pt x="10853774" y="14141"/>
+                  <a:pt x="10853928" y="18288"/>
+                </a:cubicBezTo>
+                <a:cubicBezTo>
+                  <a:pt x="10608124" y="24255"/>
+                  <a:pt x="10343415" y="22307"/>
+                  <a:pt x="10067018" y="18288"/>
+                </a:cubicBezTo>
+                <a:cubicBezTo>
+                  <a:pt x="9790621" y="14270"/>
+                  <a:pt x="9843266" y="3564"/>
+                  <a:pt x="9714266" y="18288"/>
+                </a:cubicBezTo>
+                <a:cubicBezTo>
+                  <a:pt x="9585266" y="33012"/>
+                  <a:pt x="9379484" y="1875"/>
+                  <a:pt x="9252974" y="18288"/>
+                </a:cubicBezTo>
+                <a:cubicBezTo>
+                  <a:pt x="9126464" y="34701"/>
+                  <a:pt x="8580678" y="-4904"/>
+                  <a:pt x="8357525" y="18288"/>
+                </a:cubicBezTo>
+                <a:cubicBezTo>
+                  <a:pt x="8134372" y="41480"/>
+                  <a:pt x="7903199" y="26458"/>
+                  <a:pt x="7679154" y="18288"/>
+                </a:cubicBezTo>
+                <a:cubicBezTo>
+                  <a:pt x="7455109" y="10118"/>
+                  <a:pt x="7435944" y="27109"/>
+                  <a:pt x="7217862" y="18288"/>
+                </a:cubicBezTo>
+                <a:cubicBezTo>
+                  <a:pt x="6999780" y="9467"/>
+                  <a:pt x="6680409" y="18985"/>
+                  <a:pt x="6539492" y="18288"/>
+                </a:cubicBezTo>
+                <a:cubicBezTo>
+                  <a:pt x="6398575" y="17592"/>
+                  <a:pt x="6312077" y="33018"/>
+                  <a:pt x="6186739" y="18288"/>
+                </a:cubicBezTo>
+                <a:cubicBezTo>
+                  <a:pt x="6061401" y="3558"/>
+                  <a:pt x="5947033" y="12075"/>
+                  <a:pt x="5833986" y="18288"/>
+                </a:cubicBezTo>
+                <a:cubicBezTo>
+                  <a:pt x="5720939" y="24501"/>
+                  <a:pt x="5482226" y="8586"/>
+                  <a:pt x="5155616" y="18288"/>
+                </a:cubicBezTo>
+                <a:cubicBezTo>
+                  <a:pt x="4829006" y="27991"/>
+                  <a:pt x="4841274" y="29316"/>
+                  <a:pt x="4694324" y="18288"/>
+                </a:cubicBezTo>
+                <a:cubicBezTo>
+                  <a:pt x="4547374" y="7260"/>
+                  <a:pt x="4077675" y="7013"/>
+                  <a:pt x="3907414" y="18288"/>
+                </a:cubicBezTo>
+                <a:cubicBezTo>
+                  <a:pt x="3737153" y="29564"/>
+                  <a:pt x="3538393" y="21630"/>
+                  <a:pt x="3446122" y="18288"/>
+                </a:cubicBezTo>
+                <a:cubicBezTo>
+                  <a:pt x="3353851" y="14946"/>
+                  <a:pt x="2990320" y="-8091"/>
+                  <a:pt x="2659212" y="18288"/>
+                </a:cubicBezTo>
+                <a:cubicBezTo>
+                  <a:pt x="2328104" y="44667"/>
+                  <a:pt x="2427653" y="9607"/>
+                  <a:pt x="2306460" y="18288"/>
+                </a:cubicBezTo>
+                <a:cubicBezTo>
+                  <a:pt x="2185267" y="26969"/>
+                  <a:pt x="1719763" y="3717"/>
+                  <a:pt x="1519550" y="18288"/>
+                </a:cubicBezTo>
+                <a:cubicBezTo>
+                  <a:pt x="1319337" y="32860"/>
+                  <a:pt x="1167371" y="17040"/>
+                  <a:pt x="1058258" y="18288"/>
+                </a:cubicBezTo>
+                <a:cubicBezTo>
+                  <a:pt x="949145" y="19536"/>
+                  <a:pt x="780234" y="31447"/>
+                  <a:pt x="705505" y="18288"/>
+                </a:cubicBezTo>
+                <a:cubicBezTo>
+                  <a:pt x="630776" y="5129"/>
+                  <a:pt x="215796" y="30056"/>
+                  <a:pt x="0" y="18288"/>
+                </a:cubicBezTo>
+                <a:cubicBezTo>
+                  <a:pt x="-53" y="11301"/>
+                  <a:pt x="-649" y="7756"/>
+                  <a:pt x="0" y="0"/>
+                </a:cubicBezTo>
+                <a:close/>
+              </a:path>
+            </a:pathLst>
+          </a:custGeom>
+          <a:solidFill>
+            <a:schemeClr val="accent2"/>
+          </a:solidFill>
+          <a:ln w="41275" cap="rnd">
+            <a:solidFill>
+              <a:schemeClr val="accent2"/>
+            </a:solidFill>
+            <a:round/>
+            <a:extLst>
+              <a:ext uri="{C807C97D-BFC1-408E-A445-0C87EB9F89A2}">
+                <ask:lineSketchStyleProps xmlns:ask="http://schemas.microsoft.com/office/drawing/2018/sketchyshapes" sd="1219033472">
+                  <a:prstGeom prst="rect">
+                    <a:avLst/>
+                  </a:prstGeom>
+                  <ask:type>
+                    <ask:lineSketchFreehand/>
+                  </ask:type>
+                </ask:lineSketchStyleProps>
+              </a:ext>
+            </a:extLst>
+          </a:ln>
+        </p:spPr>
+        <p:style>
+          <a:lnRef idx="2">
+            <a:schemeClr val="accent1">
+              <a:shade val="50000"/>
+            </a:schemeClr>
+          </a:lnRef>
+          <a:fillRef idx="1">
+            <a:schemeClr val="accent1"/>
+          </a:fillRef>
+          <a:effectRef idx="0">
+            <a:schemeClr val="accent1"/>
+          </a:effectRef>
+          <a:fontRef idx="minor">
+            <a:schemeClr val="lt1"/>
+          </a:fontRef>
+        </p:style>
+        <p:txBody>
+          <a:bodyPr rtlCol="0" anchor="ctr"/>
+          <a:lstStyle/>
+          <a:p>
+            <a:pPr algn="ctr"/>
+            <a:endParaRPr lang="en-US"/>
+          </a:p>
+        </p:txBody>
+      </p:sp>
+      <p:sp>
+        <p:nvSpPr>
+          <p:cNvPr id="7" name="TextBox 6">
+            <a:extLst>
+              <a:ext uri="{FF2B5EF4-FFF2-40B4-BE49-F238E27FC236}">
+                <a16:creationId xmlns:a16="http://schemas.microsoft.com/office/drawing/2014/main" id="{39D540F3-8E8E-4D0C-A2AA-45E7D2338F37}"/>
+              </a:ext>
+            </a:extLst>
+          </p:cNvPr>
+          <p:cNvSpPr txBox="1"/>
+          <p:nvPr/>
+        </p:nvSpPr>
+        <p:spPr>
+          <a:xfrm>
+            <a:off x="1092073" y="2998729"/>
+            <a:ext cx="2355850" cy="369332"/>
+          </a:xfrm>
+          <a:prstGeom prst="rect">
+            <a:avLst/>
+          </a:prstGeom>
+          <a:noFill/>
+        </p:spPr>
+        <p:txBody>
+          <a:bodyPr wrap="square">
+            <a:spAutoFit/>
+          </a:bodyPr>
+          <a:lstStyle/>
+          <a:p>
+            <a:r>
+              <a:rPr lang="it-IT" sz="1800" b="1" dirty="0"/>
+              <a:t>Attack Time 70s</a:t>
+            </a:r>
+            <a:endParaRPr lang="en-GB" b="1" dirty="0"/>
+          </a:p>
+        </p:txBody>
+      </p:sp>
+      <p:pic>
+        <p:nvPicPr>
+          <p:cNvPr id="6" name="Picture 5" descr="Chart, line chart&#10;&#10;Description automatically generated">
+            <a:extLst>
+              <a:ext uri="{FF2B5EF4-FFF2-40B4-BE49-F238E27FC236}">
+                <a16:creationId xmlns:a16="http://schemas.microsoft.com/office/drawing/2014/main" id="{7652D0C1-0074-4663-AA07-8DF3AA75797A}"/>
+              </a:ext>
+            </a:extLst>
+          </p:cNvPr>
+          <p:cNvPicPr>
+            <a:picLocks noChangeAspect="1"/>
+          </p:cNvPicPr>
+          <p:nvPr/>
+        </p:nvPicPr>
+        <p:blipFill>
+          <a:blip r:embed="rId2">
+            <a:extLst>
+              <a:ext uri="{28A0092B-C50C-407E-A947-70E740481C1C}">
+                <a14:useLocalDpi xmlns:a14="http://schemas.microsoft.com/office/drawing/2010/main" val="0"/>
+              </a:ext>
+            </a:extLst>
+          </a:blip>
+          <a:stretch>
+            <a:fillRect/>
+          </a:stretch>
+        </p:blipFill>
+        <p:spPr>
+          <a:xfrm>
+            <a:off x="3879850" y="1833562"/>
+            <a:ext cx="6699250" cy="5024438"/>
+          </a:xfrm>
+          <a:prstGeom prst="rect">
+            <a:avLst/>
+          </a:prstGeom>
+        </p:spPr>
+      </p:pic>
+      <p:sp>
+        <p:nvSpPr>
+          <p:cNvPr id="9" name="CasellaDiTesto 10">
+            <a:extLst>
+              <a:ext uri="{FF2B5EF4-FFF2-40B4-BE49-F238E27FC236}">
+                <a16:creationId xmlns:a16="http://schemas.microsoft.com/office/drawing/2014/main" id="{78025BDF-FEB2-46C6-8487-6E7DFF1D8D27}"/>
+              </a:ext>
+            </a:extLst>
+          </p:cNvPr>
+          <p:cNvSpPr txBox="1"/>
+          <p:nvPr/>
+        </p:nvSpPr>
+        <p:spPr>
+          <a:xfrm rot="20175499">
+            <a:off x="9170543" y="5397149"/>
+            <a:ext cx="2729552" cy="646331"/>
+          </a:xfrm>
+          <a:prstGeom prst="rect">
+            <a:avLst/>
+          </a:prstGeom>
+          <a:noFill/>
+          <a:ln>
+            <a:noFill/>
+          </a:ln>
+          <a:effectLst/>
+          <a:scene3d>
+            <a:camera prst="orthographicFront">
+              <a:rot lat="0" lon="0" rev="0"/>
+            </a:camera>
+            <a:lightRig rig="chilly" dir="t">
+              <a:rot lat="0" lon="0" rev="18480000"/>
+            </a:lightRig>
+          </a:scene3d>
+          <a:sp3d prstMaterial="clear">
+            <a:bevelT h="63500"/>
+          </a:sp3d>
+        </p:spPr>
+        <p:txBody>
+          <a:bodyPr wrap="square" rtlCol="0">
+            <a:spAutoFit/>
+          </a:bodyPr>
+          <a:lstStyle/>
+          <a:p>
+            <a:r>
+              <a:rPr lang="it-IT" sz="3600" dirty="0">
+                <a:solidFill>
+                  <a:srgbClr val="FF0000"/>
+                </a:solidFill>
+                <a:latin typeface="Amasis MT Pro Medium" panose="02040604050005020304" pitchFamily="18" charset="0"/>
+              </a:rPr>
+              <a:t>INCIDENTE</a:t>
+            </a:r>
           </a:p>
         </p:txBody>
       </p:sp>
     </p:spTree>
     <p:extLst>
       <p:ext uri="{BB962C8B-B14F-4D97-AF65-F5344CB8AC3E}">
-        <p14:creationId xmlns:p14="http://schemas.microsoft.com/office/powerpoint/2010/main" val="4125616709"/>
+        <p14:creationId xmlns:p14="http://schemas.microsoft.com/office/powerpoint/2010/main" val="2301991095"/>
       </p:ext>
     </p:extLst>
   </p:cSld>
   <p:clrMapOvr>
     <a:masterClrMapping/>
   </p:clrMapOvr>
+  <p:timing>
+    <p:tnLst>
+      <p:par>
+        <p:cTn id="1" dur="indefinite" restart="never" nodeType="tmRoot">
+          <p:childTnLst>
+            <p:seq concurrent="1" nextAc="seek">
+              <p:cTn id="2" dur="indefinite" nodeType="mainSeq">
+                <p:childTnLst>
+                  <p:par>
+                    <p:cTn id="3" fill="hold">
+                      <p:stCondLst>
+                        <p:cond delay="indefinite"/>
+                      </p:stCondLst>
+                      <p:childTnLst>
+                        <p:par>
+                          <p:cTn id="4" fill="hold">
+                            <p:stCondLst>
+                              <p:cond delay="0"/>
+                            </p:stCondLst>
+                            <p:childTnLst>
+                              <p:par>
+                                <p:cTn id="5" presetID="10" presetClass="entr" presetSubtype="0" fill="hold" grpId="0" nodeType="clickEffect">
+                                  <p:stCondLst>
+                                    <p:cond delay="0"/>
+                                  </p:stCondLst>
+                                  <p:childTnLst>
+                                    <p:set>
+                                      <p:cBhvr>
+                                        <p:cTn id="6" dur="1" fill="hold">
+                                          <p:stCondLst>
+                                            <p:cond delay="0"/>
+                                          </p:stCondLst>
+                                        </p:cTn>
+                                        <p:tgtEl>
+                                          <p:spTgt spid="7"/>
+                                        </p:tgtEl>
+                                        <p:attrNameLst>
+                                          <p:attrName>style.visibility</p:attrName>
+                                        </p:attrNameLst>
+                                      </p:cBhvr>
+                                      <p:to>
+                                        <p:strVal val="visible"/>
+                                      </p:to>
+                                    </p:set>
+                                    <p:animEffect transition="in" filter="fade">
+                                      <p:cBhvr>
+                                        <p:cTn id="7" dur="500"/>
+                                        <p:tgtEl>
+                                          <p:spTgt spid="7"/>
+                                        </p:tgtEl>
+                                      </p:cBhvr>
+                                    </p:animEffect>
+                                  </p:childTnLst>
+                                </p:cTn>
+                              </p:par>
+                            </p:childTnLst>
+                          </p:cTn>
+                        </p:par>
+                      </p:childTnLst>
+                    </p:cTn>
+                  </p:par>
+                  <p:par>
+                    <p:cTn id="8" fill="hold">
+                      <p:stCondLst>
+                        <p:cond delay="indefinite"/>
+                      </p:stCondLst>
+                      <p:childTnLst>
+                        <p:par>
+                          <p:cTn id="9" fill="hold">
+                            <p:stCondLst>
+                              <p:cond delay="0"/>
+                            </p:stCondLst>
+                            <p:childTnLst>
+                              <p:par>
+                                <p:cTn id="10" presetID="10" presetClass="entr" presetSubtype="0" fill="hold" nodeType="clickEffect">
+                                  <p:stCondLst>
+                                    <p:cond delay="0"/>
+                                  </p:stCondLst>
+                                  <p:childTnLst>
+                                    <p:set>
+                                      <p:cBhvr>
+                                        <p:cTn id="11" dur="1" fill="hold">
+                                          <p:stCondLst>
+                                            <p:cond delay="0"/>
+                                          </p:stCondLst>
+                                        </p:cTn>
+                                        <p:tgtEl>
+                                          <p:spTgt spid="6"/>
+                                        </p:tgtEl>
+                                        <p:attrNameLst>
+                                          <p:attrName>style.visibility</p:attrName>
+                                        </p:attrNameLst>
+                                      </p:cBhvr>
+                                      <p:to>
+                                        <p:strVal val="visible"/>
+                                      </p:to>
+                                    </p:set>
+                                    <p:animEffect transition="in" filter="fade">
+                                      <p:cBhvr>
+                                        <p:cTn id="12" dur="500"/>
+                                        <p:tgtEl>
+                                          <p:spTgt spid="6"/>
+                                        </p:tgtEl>
+                                      </p:cBhvr>
+                                    </p:animEffect>
+                                  </p:childTnLst>
+                                </p:cTn>
+                              </p:par>
+                            </p:childTnLst>
+                          </p:cTn>
+                        </p:par>
+                      </p:childTnLst>
+                    </p:cTn>
+                  </p:par>
+                  <p:par>
+                    <p:cTn id="13" fill="hold">
+                      <p:stCondLst>
+                        <p:cond delay="indefinite"/>
+                      </p:stCondLst>
+                      <p:childTnLst>
+                        <p:par>
+                          <p:cTn id="14" fill="hold">
+                            <p:stCondLst>
+                              <p:cond delay="0"/>
+                            </p:stCondLst>
+                            <p:childTnLst>
+                              <p:par>
+                                <p:cTn id="15" presetID="2" presetClass="entr" presetSubtype="4" fill="hold" grpId="0" nodeType="clickEffect">
+                                  <p:stCondLst>
+                                    <p:cond delay="0"/>
+                                  </p:stCondLst>
+                                  <p:childTnLst>
+                                    <p:set>
+                                      <p:cBhvr>
+                                        <p:cTn id="16" dur="1" fill="hold">
+                                          <p:stCondLst>
+                                            <p:cond delay="0"/>
+                                          </p:stCondLst>
+                                        </p:cTn>
+                                        <p:tgtEl>
+                                          <p:spTgt spid="9"/>
+                                        </p:tgtEl>
+                                        <p:attrNameLst>
+                                          <p:attrName>style.visibility</p:attrName>
+                                        </p:attrNameLst>
+                                      </p:cBhvr>
+                                      <p:to>
+                                        <p:strVal val="visible"/>
+                                      </p:to>
+                                    </p:set>
+                                    <p:anim calcmode="lin" valueType="num">
+                                      <p:cBhvr additive="base">
+                                        <p:cTn id="17" dur="500" fill="hold"/>
+                                        <p:tgtEl>
+                                          <p:spTgt spid="9"/>
+                                        </p:tgtEl>
+                                        <p:attrNameLst>
+                                          <p:attrName>ppt_x</p:attrName>
+                                        </p:attrNameLst>
+                                      </p:cBhvr>
+                                      <p:tavLst>
+                                        <p:tav tm="0">
+                                          <p:val>
+                                            <p:strVal val="#ppt_x"/>
+                                          </p:val>
+                                        </p:tav>
+                                        <p:tav tm="100000">
+                                          <p:val>
+                                            <p:strVal val="#ppt_x"/>
+                                          </p:val>
+                                        </p:tav>
+                                      </p:tavLst>
+                                    </p:anim>
+                                    <p:anim calcmode="lin" valueType="num">
+                                      <p:cBhvr additive="base">
+                                        <p:cTn id="18" dur="500" fill="hold"/>
+                                        <p:tgtEl>
+                                          <p:spTgt spid="9"/>
+                                        </p:tgtEl>
+                                        <p:attrNameLst>
+                                          <p:attrName>ppt_y</p:attrName>
+                                        </p:attrNameLst>
+                                      </p:cBhvr>
+                                      <p:tavLst>
+                                        <p:tav tm="0">
+                                          <p:val>
+                                            <p:strVal val="1+#ppt_h/2"/>
+                                          </p:val>
+                                        </p:tav>
+                                        <p:tav tm="100000">
+                                          <p:val>
+                                            <p:strVal val="#ppt_y"/>
+                                          </p:val>
+                                        </p:tav>
+                                      </p:tavLst>
+                                    </p:anim>
+                                  </p:childTnLst>
+                                </p:cTn>
+                              </p:par>
+                            </p:childTnLst>
+                          </p:cTn>
+                        </p:par>
+                      </p:childTnLst>
+                    </p:cTn>
+                  </p:par>
+                </p:childTnLst>
+              </p:cTn>
+              <p:prevCondLst>
+                <p:cond evt="onPrev" delay="0">
+                  <p:tgtEl>
+                    <p:sldTgt/>
+                  </p:tgtEl>
+                </p:cond>
+              </p:prevCondLst>
+              <p:nextCondLst>
+                <p:cond evt="onNext" delay="0">
+                  <p:tgtEl>
+                    <p:sldTgt/>
+                  </p:tgtEl>
+                </p:cond>
+              </p:nextCondLst>
+            </p:seq>
+          </p:childTnLst>
+        </p:cTn>
+      </p:par>
+    </p:tnLst>
+    <p:bldLst>
+      <p:bldP spid="7" grpId="0"/>
+      <p:bldP spid="9" grpId="0"/>
+    </p:bldLst>
+  </p:timing>
 </p:sld>
 </file>
 
-<file path=ppt/slides/slide32.xml><?xml version="1.0" encoding="utf-8"?>
+<file path=ppt/slides/slide33.xml><?xml version="1.0" encoding="utf-8"?>
 <p:sld xmlns:a="http://schemas.openxmlformats.org/drawingml/2006/main" xmlns:r="http://schemas.openxmlformats.org/officeDocument/2006/relationships" xmlns:p="http://schemas.openxmlformats.org/presentationml/2006/main">
   <p:cSld>
     <p:bg>
@@ -34026,7 +39358,7 @@
             </a:r>
             <a:r>
               <a:rPr lang="it-IT" sz="2200" dirty="0"/>
-              <a:t>: casi che portano ad incidenti con certezza o alta probabilità</a:t>
+              <a:t>: casi che portano ad incidenti con alta probabilità</a:t>
             </a:r>
           </a:p>
           <a:p>
@@ -40440,8 +45772,8 @@
         </p:nvSpPr>
         <p:spPr>
           <a:xfrm>
-            <a:off x="1173707" y="5227093"/>
-            <a:ext cx="2442950" cy="715089"/>
+            <a:off x="1173706" y="5227094"/>
+            <a:ext cx="2483893" cy="715089"/>
           </a:xfrm>
           <a:prstGeom prst="roundRect">
             <a:avLst/>
